--- a/FDRC Deck.pptx
+++ b/FDRC Deck.pptx
@@ -7,24 +7,27 @@
   </p:sldMasterIdLst>
   <p:sldIdLst>
     <p:sldId id="257" r:id="rId6"/>
-    <p:sldId id="274" r:id="rId7"/>
-    <p:sldId id="285" r:id="rId8"/>
-    <p:sldId id="287" r:id="rId9"/>
-    <p:sldId id="288" r:id="rId10"/>
-    <p:sldId id="289" r:id="rId11"/>
-    <p:sldId id="290" r:id="rId12"/>
-    <p:sldId id="292" r:id="rId13"/>
-    <p:sldId id="291" r:id="rId14"/>
-    <p:sldId id="293" r:id="rId15"/>
-    <p:sldId id="295" r:id="rId16"/>
-    <p:sldId id="296" r:id="rId17"/>
-    <p:sldId id="297" r:id="rId18"/>
-    <p:sldId id="298" r:id="rId19"/>
-    <p:sldId id="301" r:id="rId20"/>
-    <p:sldId id="299" r:id="rId21"/>
-    <p:sldId id="300" r:id="rId22"/>
-    <p:sldId id="294" r:id="rId23"/>
-    <p:sldId id="258" r:id="rId24"/>
+    <p:sldId id="285" r:id="rId7"/>
+    <p:sldId id="304" r:id="rId8"/>
+    <p:sldId id="288" r:id="rId9"/>
+    <p:sldId id="289" r:id="rId10"/>
+    <p:sldId id="290" r:id="rId11"/>
+    <p:sldId id="292" r:id="rId12"/>
+    <p:sldId id="291" r:id="rId13"/>
+    <p:sldId id="293" r:id="rId14"/>
+    <p:sldId id="295" r:id="rId15"/>
+    <p:sldId id="296" r:id="rId16"/>
+    <p:sldId id="297" r:id="rId17"/>
+    <p:sldId id="298" r:id="rId18"/>
+    <p:sldId id="307" r:id="rId19"/>
+    <p:sldId id="306" r:id="rId20"/>
+    <p:sldId id="302" r:id="rId21"/>
+    <p:sldId id="305" r:id="rId22"/>
+    <p:sldId id="299" r:id="rId23"/>
+    <p:sldId id="301" r:id="rId24"/>
+    <p:sldId id="300" r:id="rId25"/>
+    <p:sldId id="294" r:id="rId26"/>
+    <p:sldId id="303" r:id="rId27"/>
   </p:sldIdLst>
   <p:sldSz cx="12192000" cy="6858000"/>
   <p:notesSz cx="6858000" cy="9144000"/>
@@ -375,7 +378,7 @@
           <a:p>
             <a:fld id="{9184DA70-C731-4C70-880D-CCD4705E623C}" type="datetime1">
               <a:rPr lang="en-US" smtClean="0"/>
-              <a:t>3/9/2024</a:t>
+              <a:t>3/11/2024</a:t>
             </a:fld>
             <a:endParaRPr lang="en-US" dirty="0"/>
           </a:p>
@@ -588,7 +591,7 @@
           <a:p>
             <a:fld id="{4BE1D723-8F53-4F53-90B0-1982A396982E}" type="datetime1">
               <a:rPr lang="en-US" smtClean="0"/>
-              <a:t>3/9/2024</a:t>
+              <a:t>3/11/2024</a:t>
             </a:fld>
             <a:endParaRPr lang="en-US" dirty="0"/>
           </a:p>
@@ -745,7 +748,7 @@
           <a:p>
             <a:fld id="{39667345-2558-425A-8533-9BFDBCE15005}" type="datetime1">
               <a:rPr lang="en-US" smtClean="0"/>
-              <a:t>3/9/2024</a:t>
+              <a:t>3/11/2024</a:t>
             </a:fld>
             <a:endParaRPr lang="en-US" dirty="0"/>
           </a:p>
@@ -947,7 +950,7 @@
           <a:p>
             <a:fld id="{4BE1D723-8F53-4F53-90B0-1982A396982E}" type="datetime1">
               <a:rPr lang="en-US" smtClean="0"/>
-              <a:t>3/9/2024</a:t>
+              <a:t>3/11/2024</a:t>
             </a:fld>
             <a:endParaRPr lang="en-US" dirty="0"/>
           </a:p>
@@ -1093,7 +1096,7 @@
           <a:p>
             <a:fld id="{4BE1D723-8F53-4F53-90B0-1982A396982E}" type="datetime1">
               <a:rPr lang="en-US" smtClean="0"/>
-              <a:t>3/9/2024</a:t>
+              <a:t>3/11/2024</a:t>
             </a:fld>
             <a:endParaRPr lang="en-US" dirty="0"/>
           </a:p>
@@ -1157,6 +1160,163 @@
     <p:extLst>
       <p:ext uri="{BB962C8B-B14F-4D97-AF65-F5344CB8AC3E}">
         <p14:creationId xmlns:p14="http://schemas.microsoft.com/office/powerpoint/2010/main" val="1852847396"/>
+      </p:ext>
+    </p:extLst>
+  </p:cSld>
+  <p:clrMapOvr>
+    <a:masterClrMapping/>
+  </p:clrMapOvr>
+</p:sldLayout>
+</file>
+
+<file path=ppt/slideLayouts/slideLayout6.xml><?xml version="1.0" encoding="utf-8"?>
+<p:sldLayout xmlns:a="http://schemas.openxmlformats.org/drawingml/2006/main" xmlns:r="http://schemas.openxmlformats.org/officeDocument/2006/relationships" xmlns:p="http://schemas.openxmlformats.org/presentationml/2006/main" showMasterSp="0" type="blank">
+  <p:cSld name="Blank">
+    <p:spTree>
+      <p:nvGrpSpPr>
+        <p:cNvPr id="1" name=""/>
+        <p:cNvGrpSpPr/>
+        <p:nvPr/>
+      </p:nvGrpSpPr>
+      <p:grpSpPr>
+        <a:xfrm>
+          <a:off x="0" y="0"/>
+          <a:ext cx="0" cy="0"/>
+          <a:chOff x="0" y="0"/>
+          <a:chExt cx="0" cy="0"/>
+        </a:xfrm>
+      </p:grpSpPr>
+      <p:sp>
+        <p:nvSpPr>
+          <p:cNvPr id="10" name="Rectangle 9">
+            <a:extLst>
+              <a:ext uri="{FF2B5EF4-FFF2-40B4-BE49-F238E27FC236}">
+                <a16:creationId xmlns:a16="http://schemas.microsoft.com/office/drawing/2014/main" id="{A8E9C91B-7EAD-4562-AB0E-DFB9663AECE3}"/>
+              </a:ext>
+            </a:extLst>
+          </p:cNvPr>
+          <p:cNvSpPr/>
+          <p:nvPr/>
+        </p:nvSpPr>
+        <p:spPr>
+          <a:xfrm>
+            <a:off x="3175" y="6400800"/>
+            <a:ext cx="12188825" cy="457200"/>
+          </a:xfrm>
+          <a:prstGeom prst="rect">
+            <a:avLst/>
+          </a:prstGeom>
+          <a:solidFill>
+            <a:srgbClr val="1C1F33"/>
+          </a:solidFill>
+          <a:ln>
+            <a:noFill/>
+          </a:ln>
+        </p:spPr>
+        <p:style>
+          <a:lnRef idx="2">
+            <a:schemeClr val="accent1">
+              <a:shade val="50000"/>
+            </a:schemeClr>
+          </a:lnRef>
+          <a:fillRef idx="1">
+            <a:schemeClr val="accent1"/>
+          </a:fillRef>
+          <a:effectRef idx="0">
+            <a:schemeClr val="accent1"/>
+          </a:effectRef>
+          <a:fontRef idx="minor">
+            <a:schemeClr val="lt1"/>
+          </a:fontRef>
+        </p:style>
+      </p:sp>
+      <p:sp>
+        <p:nvSpPr>
+          <p:cNvPr id="2" name="Date Placeholder 1">
+            <a:extLst>
+              <a:ext uri="{FF2B5EF4-FFF2-40B4-BE49-F238E27FC236}">
+                <a16:creationId xmlns:a16="http://schemas.microsoft.com/office/drawing/2014/main" id="{94E9223F-721F-47BF-9FD5-0F8D12FF0DE1}"/>
+              </a:ext>
+            </a:extLst>
+          </p:cNvPr>
+          <p:cNvSpPr>
+            <a:spLocks noGrp="1"/>
+          </p:cNvSpPr>
+          <p:nvPr>
+            <p:ph type="dt" sz="half" idx="10"/>
+          </p:nvPr>
+        </p:nvSpPr>
+        <p:spPr/>
+        <p:txBody>
+          <a:bodyPr/>
+          <a:lstStyle/>
+          <a:p>
+            <a:fld id="{39667345-2558-425A-8533-9BFDBCE15005}" type="datetime1">
+              <a:rPr lang="en-US" smtClean="0"/>
+              <a:t>3/11/2024</a:t>
+            </a:fld>
+            <a:endParaRPr lang="en-US" dirty="0"/>
+          </a:p>
+        </p:txBody>
+      </p:sp>
+      <p:sp>
+        <p:nvSpPr>
+          <p:cNvPr id="3" name="Footer Placeholder 2">
+            <a:extLst>
+              <a:ext uri="{FF2B5EF4-FFF2-40B4-BE49-F238E27FC236}">
+                <a16:creationId xmlns:a16="http://schemas.microsoft.com/office/drawing/2014/main" id="{05915714-6BBA-4593-8591-4E26F7D58D9F}"/>
+              </a:ext>
+            </a:extLst>
+          </p:cNvPr>
+          <p:cNvSpPr>
+            <a:spLocks noGrp="1"/>
+          </p:cNvSpPr>
+          <p:nvPr>
+            <p:ph type="ftr" sz="quarter" idx="11"/>
+          </p:nvPr>
+        </p:nvSpPr>
+        <p:spPr/>
+        <p:txBody>
+          <a:bodyPr/>
+          <a:lstStyle/>
+          <a:p>
+            <a:endParaRPr lang="en-US" dirty="0"/>
+          </a:p>
+        </p:txBody>
+      </p:sp>
+      <p:sp>
+        <p:nvSpPr>
+          <p:cNvPr id="4" name="Slide Number Placeholder 3">
+            <a:extLst>
+              <a:ext uri="{FF2B5EF4-FFF2-40B4-BE49-F238E27FC236}">
+                <a16:creationId xmlns:a16="http://schemas.microsoft.com/office/drawing/2014/main" id="{BE06F857-D2E1-44DD-ABDD-EBB739645B67}"/>
+              </a:ext>
+            </a:extLst>
+          </p:cNvPr>
+          <p:cNvSpPr>
+            <a:spLocks noGrp="1"/>
+          </p:cNvSpPr>
+          <p:nvPr>
+            <p:ph type="sldNum" sz="quarter" idx="12"/>
+          </p:nvPr>
+        </p:nvSpPr>
+        <p:spPr/>
+        <p:txBody>
+          <a:bodyPr/>
+          <a:lstStyle/>
+          <a:p>
+            <a:fld id="{3A98EE3D-8CD1-4C3F-BD1C-C98C9596463C}" type="slidenum">
+              <a:rPr lang="en-US" smtClean="0"/>
+              <a:t>‹#›</a:t>
+            </a:fld>
+            <a:endParaRPr lang="en-US" dirty="0"/>
+          </a:p>
+        </p:txBody>
+      </p:sp>
+    </p:spTree>
+    <p:extLst>
+      <p:ext uri="{BB962C8B-B14F-4D97-AF65-F5344CB8AC3E}">
+        <p14:creationId xmlns:p14="http://schemas.microsoft.com/office/powerpoint/2010/main" val="2050641310"/>
       </p:ext>
     </p:extLst>
   </p:cSld>
@@ -1378,7 +1538,7 @@
           <a:p>
             <a:fld id="{62D6E202-B606-4609-B914-27C9371A1F6D}" type="datetime1">
               <a:rPr lang="en-US" smtClean="0"/>
-              <a:t>3/9/2024</a:t>
+              <a:t>3/11/2024</a:t>
             </a:fld>
             <a:endParaRPr lang="en-US" dirty="0"/>
           </a:p>
@@ -2112,7 +2272,7 @@
           <a:p>
             <a:fld id="{62D6E202-B606-4609-B914-27C9371A1F6D}" type="datetime1">
               <a:rPr lang="en-US" smtClean="0"/>
-              <a:t>3/9/2024</a:t>
+              <a:t>3/11/2024</a:t>
             </a:fld>
             <a:endParaRPr lang="en-US" dirty="0"/>
           </a:p>
@@ -2253,7 +2413,7 @@
           <p:nvPr userDrawn="1"/>
         </p:nvPicPr>
         <p:blipFill>
-          <a:blip r:embed="rId4"/>
+          <a:blip r:embed="rId5"/>
           <a:stretch>
             <a:fillRect/>
           </a:stretch>
@@ -2279,6 +2439,7 @@
   <p:sldLayoutIdLst>
     <p:sldLayoutId id="2147483753" r:id="rId1"/>
     <p:sldLayoutId id="2147483759" r:id="rId2"/>
+    <p:sldLayoutId id="2147483760" r:id="rId3"/>
   </p:sldLayoutIdLst>
   <p:hf sldNum="0" hdr="0" ftr="0" dt="0"/>
   <p:txStyles>
@@ -2760,7 +2921,7 @@
                   <a:srgbClr val="1C1F33"/>
                 </a:solidFill>
               </a:rPr>
-              <a:t>Moving the Needle on Performance for Newco</a:t>
+              <a:t>Moving the Needle on Performance for FDRC</a:t>
             </a:r>
           </a:p>
         </p:txBody>
@@ -2799,7 +2960,7 @@
                   <a:srgbClr val="1C1F33"/>
                 </a:solidFill>
               </a:rPr>
-              <a:t>A Preliminary VIEW</a:t>
+              <a:t>A Preliminary REVIEW</a:t>
             </a:r>
           </a:p>
         </p:txBody>
@@ -2924,6 +3085,77 @@
           </a:prstGeom>
         </p:spPr>
       </p:pic>
+      <p:sp>
+        <p:nvSpPr>
+          <p:cNvPr id="6" name="Title 1">
+            <a:extLst>
+              <a:ext uri="{FF2B5EF4-FFF2-40B4-BE49-F238E27FC236}">
+                <a16:creationId xmlns:a16="http://schemas.microsoft.com/office/drawing/2014/main" id="{3BF157AF-DC05-329F-B60A-CD52D460A885}"/>
+              </a:ext>
+            </a:extLst>
+          </p:cNvPr>
+          <p:cNvSpPr txBox="1">
+            <a:spLocks/>
+          </p:cNvSpPr>
+          <p:nvPr/>
+        </p:nvSpPr>
+        <p:spPr>
+          <a:xfrm>
+            <a:off x="5283547" y="5394960"/>
+            <a:ext cx="5780314" cy="678121"/>
+          </a:xfrm>
+          <a:prstGeom prst="rect">
+            <a:avLst/>
+          </a:prstGeom>
+        </p:spPr>
+        <p:txBody>
+          <a:bodyPr vert="horz" lIns="91440" tIns="45720" rIns="91440" bIns="45720" rtlCol="0" anchor="b">
+            <a:noAutofit/>
+          </a:bodyPr>
+          <a:lstStyle>
+            <a:lvl1pPr algn="l" defTabSz="914400" rtl="0" eaLnBrk="1" latinLnBrk="0" hangingPunct="1">
+              <a:lnSpc>
+                <a:spcPct val="90000"/>
+              </a:lnSpc>
+              <a:spcBef>
+                <a:spcPct val="0"/>
+              </a:spcBef>
+              <a:buNone/>
+              <a:defRPr sz="3000" i="0" kern="1200" spc="-50" baseline="0">
+                <a:solidFill>
+                  <a:schemeClr val="tx1">
+                    <a:lumMod val="75000"/>
+                    <a:lumOff val="25000"/>
+                  </a:schemeClr>
+                </a:solidFill>
+                <a:latin typeface="+mj-lt"/>
+                <a:ea typeface="+mj-ea"/>
+                <a:cs typeface="+mj-cs"/>
+              </a:defRPr>
+            </a:lvl1pPr>
+          </a:lstStyle>
+          <a:p>
+            <a:r>
+              <a:rPr lang="en-CA" sz="2200" dirty="0">
+                <a:solidFill>
+                  <a:srgbClr val="1C1F33"/>
+                </a:solidFill>
+              </a:rPr>
+              <a:t>Darrell Kent</a:t>
+            </a:r>
+          </a:p>
+          <a:p>
+            <a:r>
+              <a:rPr lang="en-CA" sz="2200" dirty="0">
+                <a:solidFill>
+                  <a:srgbClr val="1C1F33"/>
+                </a:solidFill>
+              </a:rPr>
+              <a:t>March 11, 2024</a:t>
+            </a:r>
+          </a:p>
+        </p:txBody>
+      </p:sp>
     </p:spTree>
     <p:extLst>
       <p:ext uri="{BB962C8B-B14F-4D97-AF65-F5344CB8AC3E}">
@@ -2934,6 +3166,84 @@
   <p:clrMapOvr>
     <a:masterClrMapping/>
   </p:clrMapOvr>
+  <p:timing>
+    <p:tnLst>
+      <p:par>
+        <p:cTn id="1" dur="indefinite" restart="never" nodeType="tmRoot">
+          <p:childTnLst>
+            <p:seq concurrent="1" nextAc="seek">
+              <p:cTn id="2" dur="indefinite" nodeType="mainSeq">
+                <p:childTnLst>
+                  <p:par>
+                    <p:cTn id="3" fill="hold">
+                      <p:stCondLst>
+                        <p:cond delay="indefinite"/>
+                      </p:stCondLst>
+                      <p:childTnLst>
+                        <p:par>
+                          <p:cTn id="4" fill="hold">
+                            <p:stCondLst>
+                              <p:cond delay="0"/>
+                            </p:stCondLst>
+                            <p:childTnLst>
+                              <p:par>
+                                <p:cTn id="5" presetID="1" presetClass="entr" presetSubtype="0" fill="hold" grpId="0" nodeType="clickEffect">
+                                  <p:stCondLst>
+                                    <p:cond delay="0"/>
+                                  </p:stCondLst>
+                                  <p:childTnLst>
+                                    <p:set>
+                                      <p:cBhvr>
+                                        <p:cTn id="6" dur="1" fill="hold">
+                                          <p:stCondLst>
+                                            <p:cond delay="0"/>
+                                          </p:stCondLst>
+                                        </p:cTn>
+                                        <p:tgtEl>
+                                          <p:spTgt spid="6"/>
+                                        </p:tgtEl>
+                                        <p:attrNameLst>
+                                          <p:attrName>style.visibility</p:attrName>
+                                        </p:attrNameLst>
+                                      </p:cBhvr>
+                                      <p:to>
+                                        <p:strVal val="visible"/>
+                                      </p:to>
+                                    </p:set>
+                                  </p:childTnLst>
+                                </p:cTn>
+                              </p:par>
+                            </p:childTnLst>
+                          </p:cTn>
+                        </p:par>
+                      </p:childTnLst>
+                    </p:cTn>
+                  </p:par>
+                </p:childTnLst>
+              </p:cTn>
+              <p:prevCondLst>
+                <p:cond evt="onPrev" delay="0">
+                  <p:tgtEl>
+                    <p:sldTgt/>
+                  </p:tgtEl>
+                </p:cond>
+              </p:prevCondLst>
+              <p:nextCondLst>
+                <p:cond evt="onNext" delay="0">
+                  <p:tgtEl>
+                    <p:sldTgt/>
+                  </p:tgtEl>
+                </p:cond>
+              </p:nextCondLst>
+            </p:seq>
+          </p:childTnLst>
+        </p:cTn>
+      </p:par>
+    </p:tnLst>
+    <p:bldLst>
+      <p:bldP spid="6" grpId="0"/>
+    </p:bldLst>
+  </p:timing>
 </p:sld>
 </file>
 
@@ -2976,69 +3286,6 @@
           <a:lstStyle/>
           <a:p>
             <a:r>
-              <a:rPr lang="en-CA" dirty="0">
-                <a:solidFill>
-                  <a:srgbClr val="1C1F33"/>
-                </a:solidFill>
-              </a:rPr>
-              <a:t>Store 5 and Store 10 saw particularly significant declines in their breakfast and dinner customer counts. </a:t>
-            </a:r>
-            <a:endParaRPr lang="en-CA" dirty="0"/>
-          </a:p>
-        </p:txBody>
-      </p:sp>
-    </p:spTree>
-    <p:extLst>
-      <p:ext uri="{BB962C8B-B14F-4D97-AF65-F5344CB8AC3E}">
-        <p14:creationId xmlns:p14="http://schemas.microsoft.com/office/powerpoint/2010/main" val="3207538576"/>
-      </p:ext>
-    </p:extLst>
-  </p:cSld>
-  <p:clrMapOvr>
-    <a:masterClrMapping/>
-  </p:clrMapOvr>
-</p:sld>
-</file>
-
-<file path=ppt/slides/slide11.xml><?xml version="1.0" encoding="utf-8"?>
-<p:sld xmlns:a="http://schemas.openxmlformats.org/drawingml/2006/main" xmlns:r="http://schemas.openxmlformats.org/officeDocument/2006/relationships" xmlns:p="http://schemas.openxmlformats.org/presentationml/2006/main">
-  <p:cSld>
-    <p:spTree>
-      <p:nvGrpSpPr>
-        <p:cNvPr id="1" name=""/>
-        <p:cNvGrpSpPr/>
-        <p:nvPr/>
-      </p:nvGrpSpPr>
-      <p:grpSpPr>
-        <a:xfrm>
-          <a:off x="0" y="0"/>
-          <a:ext cx="0" cy="0"/>
-          <a:chOff x="0" y="0"/>
-          <a:chExt cx="0" cy="0"/>
-        </a:xfrm>
-      </p:grpSpPr>
-      <p:sp>
-        <p:nvSpPr>
-          <p:cNvPr id="2" name="Title 1">
-            <a:extLst>
-              <a:ext uri="{FF2B5EF4-FFF2-40B4-BE49-F238E27FC236}">
-                <a16:creationId xmlns:a16="http://schemas.microsoft.com/office/drawing/2014/main" id="{9A39EED9-1C3C-E371-D423-DCBB304B0360}"/>
-              </a:ext>
-            </a:extLst>
-          </p:cNvPr>
-          <p:cNvSpPr>
-            <a:spLocks noGrp="1"/>
-          </p:cNvSpPr>
-          <p:nvPr>
-            <p:ph type="title"/>
-          </p:nvPr>
-        </p:nvSpPr>
-        <p:spPr/>
-        <p:txBody>
-          <a:bodyPr/>
-          <a:lstStyle/>
-          <a:p>
-            <a:r>
               <a:rPr lang="en-CA" dirty="0"/>
               <a:t>A conversation with Joe Green should likely be a near-term next step.</a:t>
             </a:r>
@@ -3054,53 +3301,6 @@
           </a:p>
         </p:txBody>
       </p:sp>
-      <p:pic>
-        <p:nvPicPr>
-          <p:cNvPr id="1026" name="Picture 2" descr="Honors for Current Students, NFL Legend | North Texan">
-            <a:extLst>
-              <a:ext uri="{FF2B5EF4-FFF2-40B4-BE49-F238E27FC236}">
-                <a16:creationId xmlns:a16="http://schemas.microsoft.com/office/drawing/2014/main" id="{76F2C7A6-E9FE-1BAD-FAD5-BF37FCF88891}"/>
-              </a:ext>
-            </a:extLst>
-          </p:cNvPr>
-          <p:cNvPicPr>
-            <a:picLocks noChangeAspect="1" noChangeArrowheads="1"/>
-          </p:cNvPicPr>
-          <p:nvPr/>
-        </p:nvPicPr>
-        <p:blipFill>
-          <a:blip r:embed="rId2">
-            <a:extLst>
-              <a:ext uri="{28A0092B-C50C-407E-A947-70E740481C1C}">
-                <a14:useLocalDpi xmlns:a14="http://schemas.microsoft.com/office/drawing/2010/main" val="0"/>
-              </a:ext>
-            </a:extLst>
-          </a:blip>
-          <a:srcRect/>
-          <a:stretch>
-            <a:fillRect/>
-          </a:stretch>
-        </p:blipFill>
-        <p:spPr bwMode="auto">
-          <a:xfrm>
-            <a:off x="394570" y="1521822"/>
-            <a:ext cx="6691610" cy="4251961"/>
-          </a:xfrm>
-          <a:prstGeom prst="rect">
-            <a:avLst/>
-          </a:prstGeom>
-          <a:noFill/>
-          <a:extLst>
-            <a:ext uri="{909E8E84-426E-40DD-AFC4-6F175D3DCCD1}">
-              <a14:hiddenFill xmlns:a14="http://schemas.microsoft.com/office/drawing/2010/main">
-                <a:solidFill>
-                  <a:srgbClr val="FFFFFF"/>
-                </a:solidFill>
-              </a14:hiddenFill>
-            </a:ext>
-          </a:extLst>
-        </p:spPr>
-      </p:pic>
       <p:sp>
         <p:nvSpPr>
           <p:cNvPr id="3" name="Title 1">
@@ -3168,8 +3368,10 @@
               <a:buChar char="•"/>
             </a:pPr>
             <a:r>
-              <a:rPr lang="en-CA" sz="1900" dirty="0"/>
-              <a:t>of the stores that saw declines,</a:t>
+              <a:rPr lang="en-CA" sz="1900" dirty="0">
+                <a:latin typeface="+mn-lt"/>
+              </a:rPr>
+              <a:t>all three of Joe’s stores are seeing customer count declines</a:t>
             </a:r>
           </a:p>
           <a:p>
@@ -3190,8 +3392,10 @@
               <a:buChar char="•"/>
             </a:pPr>
             <a:r>
-              <a:rPr lang="en-CA" sz="1900" dirty="0"/>
-              <a:t>2 stores are within a 3 hour drive</a:t>
+              <a:rPr lang="en-CA" sz="1900" dirty="0">
+                <a:latin typeface="+mn-lt"/>
+              </a:rPr>
+              <a:t>of the 6 stores that saw declines, Joe is responsible for three of them</a:t>
             </a:r>
           </a:p>
           <a:p>
@@ -3212,8 +3416,21 @@
               <a:buChar char="•"/>
             </a:pPr>
             <a:r>
-              <a:rPr lang="en-CA" sz="1900" dirty="0"/>
-              <a:t>Ss</a:t>
+              <a:rPr lang="en-CA" sz="1900" dirty="0">
+                <a:latin typeface="+mn-lt"/>
+              </a:rPr>
+              <a:t>Joe’s 3 stores are within a </a:t>
+            </a:r>
+            <a:br>
+              <a:rPr lang="en-CA" sz="1900" dirty="0">
+                <a:latin typeface="+mn-lt"/>
+              </a:rPr>
+            </a:br>
+            <a:r>
+              <a:rPr lang="en-CA" sz="1900" dirty="0">
+                <a:latin typeface="+mn-lt"/>
+              </a:rPr>
+              <a:t>4-hour driving distance diameter</a:t>
             </a:r>
           </a:p>
           <a:p>
@@ -3233,35 +3450,40 @@
               <a:buFont typeface="Arial" panose="020B0604020202020204" pitchFamily="34" charset="0"/>
               <a:buChar char="•"/>
             </a:pPr>
-            <a:r>
-              <a:rPr lang="en-CA" sz="1900" dirty="0"/>
-              <a:t>Ss</a:t>
-            </a:r>
-          </a:p>
-          <a:p>
-            <a:pPr marL="268288" indent="-268288">
-              <a:lnSpc>
-                <a:spcPct val="110000"/>
-              </a:lnSpc>
-              <a:spcBef>
-                <a:spcPts val="1200"/>
-              </a:spcBef>
-              <a:spcAft>
-                <a:spcPts val="200"/>
-              </a:spcAft>
-              <a:buClr>
-                <a:srgbClr val="1C1F33"/>
-              </a:buClr>
-              <a:buFont typeface="Arial" panose="020B0604020202020204" pitchFamily="34" charset="0"/>
-              <a:buChar char="•"/>
-            </a:pPr>
-            <a:r>
-              <a:rPr lang="en-CA" sz="1900" dirty="0"/>
-              <a:t>s</a:t>
-            </a:r>
+            <a:endParaRPr lang="en-CA" sz="1900" dirty="0"/>
           </a:p>
         </p:txBody>
       </p:sp>
+      <p:pic>
+        <p:nvPicPr>
+          <p:cNvPr id="5" name="Picture 4">
+            <a:extLst>
+              <a:ext uri="{FF2B5EF4-FFF2-40B4-BE49-F238E27FC236}">
+                <a16:creationId xmlns:a16="http://schemas.microsoft.com/office/drawing/2014/main" id="{13169ECE-79F4-DF72-CBB1-8CF7194FF1BA}"/>
+              </a:ext>
+            </a:extLst>
+          </p:cNvPr>
+          <p:cNvPicPr>
+            <a:picLocks noChangeAspect="1"/>
+          </p:cNvPicPr>
+          <p:nvPr/>
+        </p:nvPicPr>
+        <p:blipFill>
+          <a:blip r:embed="rId2"/>
+          <a:stretch>
+            <a:fillRect/>
+          </a:stretch>
+        </p:blipFill>
+        <p:spPr>
+          <a:xfrm>
+            <a:off x="394569" y="1521822"/>
+            <a:ext cx="6819125" cy="3226527"/>
+          </a:xfrm>
+          <a:prstGeom prst="rect">
+            <a:avLst/>
+          </a:prstGeom>
+        </p:spPr>
+      </p:pic>
     </p:spTree>
     <p:extLst>
       <p:ext uri="{BB962C8B-B14F-4D97-AF65-F5344CB8AC3E}">
@@ -3272,10 +3494,187 @@
   <p:clrMapOvr>
     <a:masterClrMapping/>
   </p:clrMapOvr>
+  <p:timing>
+    <p:tnLst>
+      <p:par>
+        <p:cTn id="1" dur="indefinite" restart="never" nodeType="tmRoot">
+          <p:childTnLst>
+            <p:seq concurrent="1" nextAc="seek">
+              <p:cTn id="2" dur="indefinite" nodeType="mainSeq">
+                <p:childTnLst>
+                  <p:par>
+                    <p:cTn id="3" fill="hold">
+                      <p:stCondLst>
+                        <p:cond delay="indefinite"/>
+                      </p:stCondLst>
+                      <p:childTnLst>
+                        <p:par>
+                          <p:cTn id="4" fill="hold">
+                            <p:stCondLst>
+                              <p:cond delay="0"/>
+                            </p:stCondLst>
+                            <p:childTnLst>
+                              <p:par>
+                                <p:cTn id="5" presetID="1" presetClass="entr" presetSubtype="0" fill="hold" nodeType="clickEffect">
+                                  <p:stCondLst>
+                                    <p:cond delay="0"/>
+                                  </p:stCondLst>
+                                  <p:childTnLst>
+                                    <p:set>
+                                      <p:cBhvr>
+                                        <p:cTn id="6" dur="1" fill="hold">
+                                          <p:stCondLst>
+                                            <p:cond delay="0"/>
+                                          </p:stCondLst>
+                                        </p:cTn>
+                                        <p:tgtEl>
+                                          <p:spTgt spid="3">
+                                            <p:txEl>
+                                              <p:pRg st="0" end="0"/>
+                                            </p:txEl>
+                                          </p:spTgt>
+                                        </p:tgtEl>
+                                        <p:attrNameLst>
+                                          <p:attrName>style.visibility</p:attrName>
+                                        </p:attrNameLst>
+                                      </p:cBhvr>
+                                      <p:to>
+                                        <p:strVal val="visible"/>
+                                      </p:to>
+                                    </p:set>
+                                  </p:childTnLst>
+                                </p:cTn>
+                              </p:par>
+                            </p:childTnLst>
+                          </p:cTn>
+                        </p:par>
+                      </p:childTnLst>
+                    </p:cTn>
+                  </p:par>
+                  <p:par>
+                    <p:cTn id="7" fill="hold">
+                      <p:stCondLst>
+                        <p:cond delay="indefinite"/>
+                      </p:stCondLst>
+                      <p:childTnLst>
+                        <p:par>
+                          <p:cTn id="8" fill="hold">
+                            <p:stCondLst>
+                              <p:cond delay="0"/>
+                            </p:stCondLst>
+                            <p:childTnLst>
+                              <p:par>
+                                <p:cTn id="9" presetID="1" presetClass="entr" presetSubtype="0" fill="hold" nodeType="clickEffect">
+                                  <p:stCondLst>
+                                    <p:cond delay="0"/>
+                                  </p:stCondLst>
+                                  <p:childTnLst>
+                                    <p:set>
+                                      <p:cBhvr>
+                                        <p:cTn id="10" dur="1" fill="hold">
+                                          <p:stCondLst>
+                                            <p:cond delay="0"/>
+                                          </p:stCondLst>
+                                        </p:cTn>
+                                        <p:tgtEl>
+                                          <p:spTgt spid="3">
+                                            <p:txEl>
+                                              <p:pRg st="1" end="1"/>
+                                            </p:txEl>
+                                          </p:spTgt>
+                                        </p:tgtEl>
+                                        <p:attrNameLst>
+                                          <p:attrName>style.visibility</p:attrName>
+                                        </p:attrNameLst>
+                                      </p:cBhvr>
+                                      <p:to>
+                                        <p:strVal val="visible"/>
+                                      </p:to>
+                                    </p:set>
+                                  </p:childTnLst>
+                                </p:cTn>
+                              </p:par>
+                            </p:childTnLst>
+                          </p:cTn>
+                        </p:par>
+                      </p:childTnLst>
+                    </p:cTn>
+                  </p:par>
+                  <p:par>
+                    <p:cTn id="11" fill="hold">
+                      <p:stCondLst>
+                        <p:cond delay="indefinite"/>
+                      </p:stCondLst>
+                      <p:childTnLst>
+                        <p:par>
+                          <p:cTn id="12" fill="hold">
+                            <p:stCondLst>
+                              <p:cond delay="0"/>
+                            </p:stCondLst>
+                            <p:childTnLst>
+                              <p:par>
+                                <p:cTn id="13" presetID="1" presetClass="entr" presetSubtype="0" fill="hold" nodeType="clickEffect">
+                                  <p:stCondLst>
+                                    <p:cond delay="0"/>
+                                  </p:stCondLst>
+                                  <p:childTnLst>
+                                    <p:set>
+                                      <p:cBhvr>
+                                        <p:cTn id="14" dur="1" fill="hold">
+                                          <p:stCondLst>
+                                            <p:cond delay="0"/>
+                                          </p:stCondLst>
+                                        </p:cTn>
+                                        <p:tgtEl>
+                                          <p:spTgt spid="3">
+                                            <p:txEl>
+                                              <p:pRg st="2" end="2"/>
+                                            </p:txEl>
+                                          </p:spTgt>
+                                        </p:tgtEl>
+                                        <p:attrNameLst>
+                                          <p:attrName>style.visibility</p:attrName>
+                                        </p:attrNameLst>
+                                      </p:cBhvr>
+                                      <p:to>
+                                        <p:strVal val="visible"/>
+                                      </p:to>
+                                    </p:set>
+                                  </p:childTnLst>
+                                </p:cTn>
+                              </p:par>
+                            </p:childTnLst>
+                          </p:cTn>
+                        </p:par>
+                      </p:childTnLst>
+                    </p:cTn>
+                  </p:par>
+                </p:childTnLst>
+              </p:cTn>
+              <p:prevCondLst>
+                <p:cond evt="onPrev" delay="0">
+                  <p:tgtEl>
+                    <p:sldTgt/>
+                  </p:tgtEl>
+                </p:cond>
+              </p:prevCondLst>
+              <p:nextCondLst>
+                <p:cond evt="onNext" delay="0">
+                  <p:tgtEl>
+                    <p:sldTgt/>
+                  </p:tgtEl>
+                </p:cond>
+              </p:nextCondLst>
+            </p:seq>
+          </p:childTnLst>
+        </p:cTn>
+      </p:par>
+    </p:tnLst>
+  </p:timing>
 </p:sld>
 </file>
 
-<file path=ppt/slides/slide12.xml><?xml version="1.0" encoding="utf-8"?>
+<file path=ppt/slides/slide11.xml><?xml version="1.0" encoding="utf-8"?>
 <p:sld xmlns:a="http://schemas.openxmlformats.org/drawingml/2006/main" xmlns:r="http://schemas.openxmlformats.org/officeDocument/2006/relationships" xmlns:p="http://schemas.openxmlformats.org/presentationml/2006/main">
   <p:cSld>
     <p:spTree>
@@ -3534,6 +3933,678 @@
   <p:clrMapOvr>
     <a:masterClrMapping/>
   </p:clrMapOvr>
+  <p:timing>
+    <p:tnLst>
+      <p:par>
+        <p:cTn id="1" dur="indefinite" restart="never" nodeType="tmRoot">
+          <p:childTnLst>
+            <p:seq concurrent="1" nextAc="seek">
+              <p:cTn id="2" dur="indefinite" nodeType="mainSeq">
+                <p:childTnLst>
+                  <p:par>
+                    <p:cTn id="3" fill="hold">
+                      <p:stCondLst>
+                        <p:cond delay="indefinite"/>
+                      </p:stCondLst>
+                      <p:childTnLst>
+                        <p:par>
+                          <p:cTn id="4" fill="hold">
+                            <p:stCondLst>
+                              <p:cond delay="0"/>
+                            </p:stCondLst>
+                            <p:childTnLst>
+                              <p:par>
+                                <p:cTn id="5" presetID="1" presetClass="entr" presetSubtype="0" fill="hold" nodeType="clickEffect">
+                                  <p:stCondLst>
+                                    <p:cond delay="0"/>
+                                  </p:stCondLst>
+                                  <p:childTnLst>
+                                    <p:set>
+                                      <p:cBhvr>
+                                        <p:cTn id="6" dur="1" fill="hold">
+                                          <p:stCondLst>
+                                            <p:cond delay="0"/>
+                                          </p:stCondLst>
+                                        </p:cTn>
+                                        <p:tgtEl>
+                                          <p:spTgt spid="3">
+                                            <p:txEl>
+                                              <p:pRg st="0" end="0"/>
+                                            </p:txEl>
+                                          </p:spTgt>
+                                        </p:tgtEl>
+                                        <p:attrNameLst>
+                                          <p:attrName>style.visibility</p:attrName>
+                                        </p:attrNameLst>
+                                      </p:cBhvr>
+                                      <p:to>
+                                        <p:strVal val="visible"/>
+                                      </p:to>
+                                    </p:set>
+                                  </p:childTnLst>
+                                </p:cTn>
+                              </p:par>
+                            </p:childTnLst>
+                          </p:cTn>
+                        </p:par>
+                      </p:childTnLst>
+                    </p:cTn>
+                  </p:par>
+                  <p:par>
+                    <p:cTn id="7" fill="hold">
+                      <p:stCondLst>
+                        <p:cond delay="indefinite"/>
+                      </p:stCondLst>
+                      <p:childTnLst>
+                        <p:par>
+                          <p:cTn id="8" fill="hold">
+                            <p:stCondLst>
+                              <p:cond delay="0"/>
+                            </p:stCondLst>
+                            <p:childTnLst>
+                              <p:par>
+                                <p:cTn id="9" presetID="1" presetClass="entr" presetSubtype="0" fill="hold" nodeType="clickEffect">
+                                  <p:stCondLst>
+                                    <p:cond delay="0"/>
+                                  </p:stCondLst>
+                                  <p:childTnLst>
+                                    <p:set>
+                                      <p:cBhvr>
+                                        <p:cTn id="10" dur="1" fill="hold">
+                                          <p:stCondLst>
+                                            <p:cond delay="0"/>
+                                          </p:stCondLst>
+                                        </p:cTn>
+                                        <p:tgtEl>
+                                          <p:spTgt spid="3">
+                                            <p:txEl>
+                                              <p:pRg st="1" end="1"/>
+                                            </p:txEl>
+                                          </p:spTgt>
+                                        </p:tgtEl>
+                                        <p:attrNameLst>
+                                          <p:attrName>style.visibility</p:attrName>
+                                        </p:attrNameLst>
+                                      </p:cBhvr>
+                                      <p:to>
+                                        <p:strVal val="visible"/>
+                                      </p:to>
+                                    </p:set>
+                                  </p:childTnLst>
+                                </p:cTn>
+                              </p:par>
+                            </p:childTnLst>
+                          </p:cTn>
+                        </p:par>
+                      </p:childTnLst>
+                    </p:cTn>
+                  </p:par>
+                  <p:par>
+                    <p:cTn id="11" fill="hold">
+                      <p:stCondLst>
+                        <p:cond delay="indefinite"/>
+                      </p:stCondLst>
+                      <p:childTnLst>
+                        <p:par>
+                          <p:cTn id="12" fill="hold">
+                            <p:stCondLst>
+                              <p:cond delay="0"/>
+                            </p:stCondLst>
+                            <p:childTnLst>
+                              <p:par>
+                                <p:cTn id="13" presetID="1" presetClass="entr" presetSubtype="0" fill="hold" nodeType="clickEffect">
+                                  <p:stCondLst>
+                                    <p:cond delay="0"/>
+                                  </p:stCondLst>
+                                  <p:childTnLst>
+                                    <p:set>
+                                      <p:cBhvr>
+                                        <p:cTn id="14" dur="1" fill="hold">
+                                          <p:stCondLst>
+                                            <p:cond delay="0"/>
+                                          </p:stCondLst>
+                                        </p:cTn>
+                                        <p:tgtEl>
+                                          <p:spTgt spid="3">
+                                            <p:txEl>
+                                              <p:pRg st="2" end="2"/>
+                                            </p:txEl>
+                                          </p:spTgt>
+                                        </p:tgtEl>
+                                        <p:attrNameLst>
+                                          <p:attrName>style.visibility</p:attrName>
+                                        </p:attrNameLst>
+                                      </p:cBhvr>
+                                      <p:to>
+                                        <p:strVal val="visible"/>
+                                      </p:to>
+                                    </p:set>
+                                  </p:childTnLst>
+                                </p:cTn>
+                              </p:par>
+                            </p:childTnLst>
+                          </p:cTn>
+                        </p:par>
+                      </p:childTnLst>
+                    </p:cTn>
+                  </p:par>
+                  <p:par>
+                    <p:cTn id="15" fill="hold">
+                      <p:stCondLst>
+                        <p:cond delay="indefinite"/>
+                      </p:stCondLst>
+                      <p:childTnLst>
+                        <p:par>
+                          <p:cTn id="16" fill="hold">
+                            <p:stCondLst>
+                              <p:cond delay="0"/>
+                            </p:stCondLst>
+                            <p:childTnLst>
+                              <p:par>
+                                <p:cTn id="17" presetID="1" presetClass="entr" presetSubtype="0" fill="hold" nodeType="clickEffect">
+                                  <p:stCondLst>
+                                    <p:cond delay="0"/>
+                                  </p:stCondLst>
+                                  <p:childTnLst>
+                                    <p:set>
+                                      <p:cBhvr>
+                                        <p:cTn id="18" dur="1" fill="hold">
+                                          <p:stCondLst>
+                                            <p:cond delay="0"/>
+                                          </p:stCondLst>
+                                        </p:cTn>
+                                        <p:tgtEl>
+                                          <p:spTgt spid="3">
+                                            <p:txEl>
+                                              <p:pRg st="3" end="3"/>
+                                            </p:txEl>
+                                          </p:spTgt>
+                                        </p:tgtEl>
+                                        <p:attrNameLst>
+                                          <p:attrName>style.visibility</p:attrName>
+                                        </p:attrNameLst>
+                                      </p:cBhvr>
+                                      <p:to>
+                                        <p:strVal val="visible"/>
+                                      </p:to>
+                                    </p:set>
+                                  </p:childTnLst>
+                                </p:cTn>
+                              </p:par>
+                            </p:childTnLst>
+                          </p:cTn>
+                        </p:par>
+                      </p:childTnLst>
+                    </p:cTn>
+                  </p:par>
+                  <p:par>
+                    <p:cTn id="19" fill="hold">
+                      <p:stCondLst>
+                        <p:cond delay="indefinite"/>
+                      </p:stCondLst>
+                      <p:childTnLst>
+                        <p:par>
+                          <p:cTn id="20" fill="hold">
+                            <p:stCondLst>
+                              <p:cond delay="0"/>
+                            </p:stCondLst>
+                            <p:childTnLst>
+                              <p:par>
+                                <p:cTn id="21" presetID="1" presetClass="entr" presetSubtype="0" fill="hold" nodeType="clickEffect">
+                                  <p:stCondLst>
+                                    <p:cond delay="0"/>
+                                  </p:stCondLst>
+                                  <p:childTnLst>
+                                    <p:set>
+                                      <p:cBhvr>
+                                        <p:cTn id="22" dur="1" fill="hold">
+                                          <p:stCondLst>
+                                            <p:cond delay="0"/>
+                                          </p:stCondLst>
+                                        </p:cTn>
+                                        <p:tgtEl>
+                                          <p:spTgt spid="3">
+                                            <p:txEl>
+                                              <p:pRg st="4" end="4"/>
+                                            </p:txEl>
+                                          </p:spTgt>
+                                        </p:tgtEl>
+                                        <p:attrNameLst>
+                                          <p:attrName>style.visibility</p:attrName>
+                                        </p:attrNameLst>
+                                      </p:cBhvr>
+                                      <p:to>
+                                        <p:strVal val="visible"/>
+                                      </p:to>
+                                    </p:set>
+                                  </p:childTnLst>
+                                </p:cTn>
+                              </p:par>
+                            </p:childTnLst>
+                          </p:cTn>
+                        </p:par>
+                      </p:childTnLst>
+                    </p:cTn>
+                  </p:par>
+                  <p:par>
+                    <p:cTn id="23" fill="hold">
+                      <p:stCondLst>
+                        <p:cond delay="indefinite"/>
+                      </p:stCondLst>
+                      <p:childTnLst>
+                        <p:par>
+                          <p:cTn id="24" fill="hold">
+                            <p:stCondLst>
+                              <p:cond delay="0"/>
+                            </p:stCondLst>
+                            <p:childTnLst>
+                              <p:par>
+                                <p:cTn id="25" presetID="1" presetClass="entr" presetSubtype="0" fill="hold" nodeType="clickEffect">
+                                  <p:stCondLst>
+                                    <p:cond delay="0"/>
+                                  </p:stCondLst>
+                                  <p:childTnLst>
+                                    <p:set>
+                                      <p:cBhvr>
+                                        <p:cTn id="26" dur="1" fill="hold">
+                                          <p:stCondLst>
+                                            <p:cond delay="0"/>
+                                          </p:stCondLst>
+                                        </p:cTn>
+                                        <p:tgtEl>
+                                          <p:spTgt spid="3">
+                                            <p:txEl>
+                                              <p:pRg st="5" end="5"/>
+                                            </p:txEl>
+                                          </p:spTgt>
+                                        </p:tgtEl>
+                                        <p:attrNameLst>
+                                          <p:attrName>style.visibility</p:attrName>
+                                        </p:attrNameLst>
+                                      </p:cBhvr>
+                                      <p:to>
+                                        <p:strVal val="visible"/>
+                                      </p:to>
+                                    </p:set>
+                                  </p:childTnLst>
+                                </p:cTn>
+                              </p:par>
+                            </p:childTnLst>
+                          </p:cTn>
+                        </p:par>
+                      </p:childTnLst>
+                    </p:cTn>
+                  </p:par>
+                  <p:par>
+                    <p:cTn id="27" fill="hold">
+                      <p:stCondLst>
+                        <p:cond delay="indefinite"/>
+                      </p:stCondLst>
+                      <p:childTnLst>
+                        <p:par>
+                          <p:cTn id="28" fill="hold">
+                            <p:stCondLst>
+                              <p:cond delay="0"/>
+                            </p:stCondLst>
+                            <p:childTnLst>
+                              <p:par>
+                                <p:cTn id="29" presetID="1" presetClass="entr" presetSubtype="0" fill="hold" grpId="0" nodeType="clickEffect">
+                                  <p:stCondLst>
+                                    <p:cond delay="0"/>
+                                  </p:stCondLst>
+                                  <p:childTnLst>
+                                    <p:set>
+                                      <p:cBhvr>
+                                        <p:cTn id="30" dur="1" fill="hold">
+                                          <p:stCondLst>
+                                            <p:cond delay="0"/>
+                                          </p:stCondLst>
+                                        </p:cTn>
+                                        <p:tgtEl>
+                                          <p:spTgt spid="2"/>
+                                        </p:tgtEl>
+                                        <p:attrNameLst>
+                                          <p:attrName>style.visibility</p:attrName>
+                                        </p:attrNameLst>
+                                      </p:cBhvr>
+                                      <p:to>
+                                        <p:strVal val="visible"/>
+                                      </p:to>
+                                    </p:set>
+                                  </p:childTnLst>
+                                </p:cTn>
+                              </p:par>
+                            </p:childTnLst>
+                          </p:cTn>
+                        </p:par>
+                      </p:childTnLst>
+                    </p:cTn>
+                  </p:par>
+                </p:childTnLst>
+              </p:cTn>
+              <p:prevCondLst>
+                <p:cond evt="onPrev" delay="0">
+                  <p:tgtEl>
+                    <p:sldTgt/>
+                  </p:tgtEl>
+                </p:cond>
+              </p:prevCondLst>
+              <p:nextCondLst>
+                <p:cond evt="onNext" delay="0">
+                  <p:tgtEl>
+                    <p:sldTgt/>
+                  </p:tgtEl>
+                </p:cond>
+              </p:nextCondLst>
+            </p:seq>
+          </p:childTnLst>
+        </p:cTn>
+      </p:par>
+    </p:tnLst>
+    <p:bldLst>
+      <p:bldP spid="2" grpId="0"/>
+    </p:bldLst>
+  </p:timing>
+</p:sld>
+</file>
+
+<file path=ppt/slides/slide12.xml><?xml version="1.0" encoding="utf-8"?>
+<p:sld xmlns:a="http://schemas.openxmlformats.org/drawingml/2006/main" xmlns:r="http://schemas.openxmlformats.org/officeDocument/2006/relationships" xmlns:p="http://schemas.openxmlformats.org/presentationml/2006/main">
+  <p:cSld>
+    <p:spTree>
+      <p:nvGrpSpPr>
+        <p:cNvPr id="1" name=""/>
+        <p:cNvGrpSpPr/>
+        <p:nvPr/>
+      </p:nvGrpSpPr>
+      <p:grpSpPr>
+        <a:xfrm>
+          <a:off x="0" y="0"/>
+          <a:ext cx="0" cy="0"/>
+          <a:chOff x="0" y="0"/>
+          <a:chExt cx="0" cy="0"/>
+        </a:xfrm>
+      </p:grpSpPr>
+      <p:sp>
+        <p:nvSpPr>
+          <p:cNvPr id="2" name="Title 1">
+            <a:extLst>
+              <a:ext uri="{FF2B5EF4-FFF2-40B4-BE49-F238E27FC236}">
+                <a16:creationId xmlns:a16="http://schemas.microsoft.com/office/drawing/2014/main" id="{9A39EED9-1C3C-E371-D423-DCBB304B0360}"/>
+              </a:ext>
+            </a:extLst>
+          </p:cNvPr>
+          <p:cNvSpPr>
+            <a:spLocks noGrp="1"/>
+          </p:cNvSpPr>
+          <p:nvPr>
+            <p:ph type="title"/>
+          </p:nvPr>
+        </p:nvSpPr>
+        <p:spPr/>
+        <p:txBody>
+          <a:bodyPr/>
+          <a:lstStyle/>
+          <a:p>
+            <a:r>
+              <a:rPr lang="en-CA" sz="2900" dirty="0">
+                <a:solidFill>
+                  <a:srgbClr val="1C1F33"/>
+                </a:solidFill>
+              </a:rPr>
+              <a:t>Average spend per customer in stores 5 and 10 is tracking system trends - suggesting price is not a driver. </a:t>
+            </a:r>
+            <a:endParaRPr lang="en-CA" sz="2900" dirty="0"/>
+          </a:p>
+        </p:txBody>
+      </p:sp>
+      <p:sp>
+        <p:nvSpPr>
+          <p:cNvPr id="7" name="TextBox 6">
+            <a:extLst>
+              <a:ext uri="{FF2B5EF4-FFF2-40B4-BE49-F238E27FC236}">
+                <a16:creationId xmlns:a16="http://schemas.microsoft.com/office/drawing/2014/main" id="{11D49E10-568B-D3AF-ED49-322ED0B9C4C9}"/>
+              </a:ext>
+            </a:extLst>
+          </p:cNvPr>
+          <p:cNvSpPr txBox="1"/>
+          <p:nvPr/>
+        </p:nvSpPr>
+        <p:spPr>
+          <a:xfrm>
+            <a:off x="8412480" y="1643641"/>
+            <a:ext cx="3570519" cy="3046988"/>
+          </a:xfrm>
+          <a:prstGeom prst="rect">
+            <a:avLst/>
+          </a:prstGeom>
+          <a:noFill/>
+          <a:ln>
+            <a:solidFill>
+              <a:schemeClr val="tx1"/>
+            </a:solidFill>
+          </a:ln>
+        </p:spPr>
+        <p:txBody>
+          <a:bodyPr wrap="square" rtlCol="0">
+            <a:spAutoFit/>
+          </a:bodyPr>
+          <a:lstStyle/>
+          <a:p>
+            <a:r>
+              <a:rPr lang="en-CA" sz="1600" dirty="0"/>
+              <a:t>Were most of Joe’s customers becoming more price sensitive, we would expect to see a decline in average spend per customer – which we are not.</a:t>
+            </a:r>
+          </a:p>
+          <a:p>
+            <a:endParaRPr lang="en-CA" sz="1600" dirty="0"/>
+          </a:p>
+          <a:p>
+            <a:r>
+              <a:rPr lang="en-CA" sz="1600" dirty="0"/>
+              <a:t>Were a segment of Joe’s customers becoming more price sensitive, we would expect to see a faster rate of increase in average spend per customer relative to the system average – which we are not.</a:t>
+            </a:r>
+          </a:p>
+        </p:txBody>
+      </p:sp>
+      <p:pic>
+        <p:nvPicPr>
+          <p:cNvPr id="9" name="Picture 8">
+            <a:extLst>
+              <a:ext uri="{FF2B5EF4-FFF2-40B4-BE49-F238E27FC236}">
+                <a16:creationId xmlns:a16="http://schemas.microsoft.com/office/drawing/2014/main" id="{55FCD48D-6C41-10C7-D9D5-116BCFC30990}"/>
+              </a:ext>
+            </a:extLst>
+          </p:cNvPr>
+          <p:cNvPicPr>
+            <a:picLocks noChangeAspect="1"/>
+          </p:cNvPicPr>
+          <p:nvPr/>
+        </p:nvPicPr>
+        <p:blipFill>
+          <a:blip r:embed="rId2"/>
+          <a:stretch>
+            <a:fillRect/>
+          </a:stretch>
+        </p:blipFill>
+        <p:spPr>
+          <a:xfrm>
+            <a:off x="394569" y="1541215"/>
+            <a:ext cx="7686889" cy="3683928"/>
+          </a:xfrm>
+          <a:prstGeom prst="rect">
+            <a:avLst/>
+          </a:prstGeom>
+        </p:spPr>
+      </p:pic>
+    </p:spTree>
+    <p:extLst>
+      <p:ext uri="{BB962C8B-B14F-4D97-AF65-F5344CB8AC3E}">
+        <p14:creationId xmlns:p14="http://schemas.microsoft.com/office/powerpoint/2010/main" val="1499372162"/>
+      </p:ext>
+    </p:extLst>
+  </p:cSld>
+  <p:clrMapOvr>
+    <a:masterClrMapping/>
+  </p:clrMapOvr>
+  <p:timing>
+    <p:tnLst>
+      <p:par>
+        <p:cTn id="1" dur="indefinite" restart="never" nodeType="tmRoot">
+          <p:childTnLst>
+            <p:seq concurrent="1" nextAc="seek">
+              <p:cTn id="2" dur="indefinite" nodeType="mainSeq">
+                <p:childTnLst>
+                  <p:par>
+                    <p:cTn id="3" fill="hold">
+                      <p:stCondLst>
+                        <p:cond delay="indefinite"/>
+                      </p:stCondLst>
+                      <p:childTnLst>
+                        <p:par>
+                          <p:cTn id="4" fill="hold">
+                            <p:stCondLst>
+                              <p:cond delay="0"/>
+                            </p:stCondLst>
+                            <p:childTnLst>
+                              <p:par>
+                                <p:cTn id="5" presetID="1" presetClass="entr" presetSubtype="0" fill="hold" grpId="0" nodeType="clickEffect">
+                                  <p:stCondLst>
+                                    <p:cond delay="0"/>
+                                  </p:stCondLst>
+                                  <p:childTnLst>
+                                    <p:set>
+                                      <p:cBhvr>
+                                        <p:cTn id="6" dur="1" fill="hold">
+                                          <p:stCondLst>
+                                            <p:cond delay="0"/>
+                                          </p:stCondLst>
+                                        </p:cTn>
+                                        <p:tgtEl>
+                                          <p:spTgt spid="7"/>
+                                        </p:tgtEl>
+                                        <p:attrNameLst>
+                                          <p:attrName>style.visibility</p:attrName>
+                                        </p:attrNameLst>
+                                      </p:cBhvr>
+                                      <p:to>
+                                        <p:strVal val="visible"/>
+                                      </p:to>
+                                    </p:set>
+                                  </p:childTnLst>
+                                </p:cTn>
+                              </p:par>
+                              <p:par>
+                                <p:cTn id="7" presetID="1" presetClass="entr" presetSubtype="0" fill="hold" nodeType="withEffect">
+                                  <p:stCondLst>
+                                    <p:cond delay="0"/>
+                                  </p:stCondLst>
+                                  <p:childTnLst>
+                                    <p:set>
+                                      <p:cBhvr>
+                                        <p:cTn id="8" dur="1" fill="hold">
+                                          <p:stCondLst>
+                                            <p:cond delay="0"/>
+                                          </p:stCondLst>
+                                        </p:cTn>
+                                        <p:tgtEl>
+                                          <p:spTgt spid="7">
+                                            <p:txEl>
+                                              <p:pRg st="0" end="0"/>
+                                            </p:txEl>
+                                          </p:spTgt>
+                                        </p:tgtEl>
+                                        <p:attrNameLst>
+                                          <p:attrName>style.visibility</p:attrName>
+                                        </p:attrNameLst>
+                                      </p:cBhvr>
+                                      <p:to>
+                                        <p:strVal val="visible"/>
+                                      </p:to>
+                                    </p:set>
+                                  </p:childTnLst>
+                                </p:cTn>
+                              </p:par>
+                            </p:childTnLst>
+                          </p:cTn>
+                        </p:par>
+                      </p:childTnLst>
+                    </p:cTn>
+                  </p:par>
+                  <p:par>
+                    <p:cTn id="9" fill="hold">
+                      <p:stCondLst>
+                        <p:cond delay="indefinite"/>
+                      </p:stCondLst>
+                      <p:childTnLst>
+                        <p:par>
+                          <p:cTn id="10" fill="hold">
+                            <p:stCondLst>
+                              <p:cond delay="0"/>
+                            </p:stCondLst>
+                            <p:childTnLst>
+                              <p:par>
+                                <p:cTn id="11" presetID="1" presetClass="entr" presetSubtype="0" fill="hold" nodeType="clickEffect">
+                                  <p:stCondLst>
+                                    <p:cond delay="0"/>
+                                  </p:stCondLst>
+                                  <p:childTnLst>
+                                    <p:set>
+                                      <p:cBhvr>
+                                        <p:cTn id="12" dur="1" fill="hold">
+                                          <p:stCondLst>
+                                            <p:cond delay="0"/>
+                                          </p:stCondLst>
+                                        </p:cTn>
+                                        <p:tgtEl>
+                                          <p:spTgt spid="7">
+                                            <p:txEl>
+                                              <p:pRg st="2" end="2"/>
+                                            </p:txEl>
+                                          </p:spTgt>
+                                        </p:tgtEl>
+                                        <p:attrNameLst>
+                                          <p:attrName>style.visibility</p:attrName>
+                                        </p:attrNameLst>
+                                      </p:cBhvr>
+                                      <p:to>
+                                        <p:strVal val="visible"/>
+                                      </p:to>
+                                    </p:set>
+                                  </p:childTnLst>
+                                </p:cTn>
+                              </p:par>
+                            </p:childTnLst>
+                          </p:cTn>
+                        </p:par>
+                      </p:childTnLst>
+                    </p:cTn>
+                  </p:par>
+                </p:childTnLst>
+              </p:cTn>
+              <p:prevCondLst>
+                <p:cond evt="onPrev" delay="0">
+                  <p:tgtEl>
+                    <p:sldTgt/>
+                  </p:tgtEl>
+                </p:cond>
+              </p:prevCondLst>
+              <p:nextCondLst>
+                <p:cond evt="onNext" delay="0">
+                  <p:tgtEl>
+                    <p:sldTgt/>
+                  </p:tgtEl>
+                </p:cond>
+              </p:nextCondLst>
+            </p:seq>
+          </p:childTnLst>
+        </p:cTn>
+      </p:par>
+    </p:tnLst>
+    <p:bldLst>
+      <p:bldP spid="7" grpId="0" animBg="1"/>
+    </p:bldLst>
+  </p:timing>
 </p:sld>
 </file>
 
@@ -3576,21 +4647,81 @@
           <a:lstStyle/>
           <a:p>
             <a:r>
-              <a:rPr lang="en-CA" sz="2900" dirty="0">
+              <a:rPr lang="en-CA" sz="2750" dirty="0">
                 <a:solidFill>
                   <a:srgbClr val="1C1F33"/>
                 </a:solidFill>
               </a:rPr>
-              <a:t>Average spend per customer in stores 5 and 10 is tracking system trends - suggesting price is not a driver. </a:t>
-            </a:r>
-            <a:endParaRPr lang="en-CA" sz="2900" dirty="0"/>
+              <a:t>Quasi-price sensitivity models suggest elastic demand – but better price and cost data likely needed for optimization.</a:t>
+            </a:r>
+            <a:endParaRPr lang="en-CA" sz="2750" dirty="0"/>
           </a:p>
         </p:txBody>
       </p:sp>
+      <p:pic>
+        <p:nvPicPr>
+          <p:cNvPr id="4" name="Picture 3">
+            <a:extLst>
+              <a:ext uri="{FF2B5EF4-FFF2-40B4-BE49-F238E27FC236}">
+                <a16:creationId xmlns:a16="http://schemas.microsoft.com/office/drawing/2014/main" id="{0168D36A-A283-E64C-9067-E26D12E27B1D}"/>
+              </a:ext>
+            </a:extLst>
+          </p:cNvPr>
+          <p:cNvPicPr>
+            <a:picLocks noChangeAspect="1"/>
+          </p:cNvPicPr>
+          <p:nvPr/>
+        </p:nvPicPr>
+        <p:blipFill>
+          <a:blip r:embed="rId2"/>
+          <a:stretch>
+            <a:fillRect/>
+          </a:stretch>
+        </p:blipFill>
+        <p:spPr>
+          <a:xfrm>
+            <a:off x="958261" y="1740434"/>
+            <a:ext cx="4593409" cy="3902721"/>
+          </a:xfrm>
+          <a:prstGeom prst="rect">
+            <a:avLst/>
+          </a:prstGeom>
+        </p:spPr>
+      </p:pic>
+      <p:pic>
+        <p:nvPicPr>
+          <p:cNvPr id="6" name="Picture 5">
+            <a:extLst>
+              <a:ext uri="{FF2B5EF4-FFF2-40B4-BE49-F238E27FC236}">
+                <a16:creationId xmlns:a16="http://schemas.microsoft.com/office/drawing/2014/main" id="{44F6B15E-0A0A-E966-0CA9-9280DF356C9E}"/>
+              </a:ext>
+            </a:extLst>
+          </p:cNvPr>
+          <p:cNvPicPr>
+            <a:picLocks noChangeAspect="1"/>
+          </p:cNvPicPr>
+          <p:nvPr/>
+        </p:nvPicPr>
+        <p:blipFill>
+          <a:blip r:embed="rId3"/>
+          <a:stretch>
+            <a:fillRect/>
+          </a:stretch>
+        </p:blipFill>
+        <p:spPr>
+          <a:xfrm>
+            <a:off x="6096000" y="1740433"/>
+            <a:ext cx="4706983" cy="3786623"/>
+          </a:xfrm>
+          <a:prstGeom prst="rect">
+            <a:avLst/>
+          </a:prstGeom>
+        </p:spPr>
+      </p:pic>
     </p:spTree>
     <p:extLst>
       <p:ext uri="{BB962C8B-B14F-4D97-AF65-F5344CB8AC3E}">
-        <p14:creationId xmlns:p14="http://schemas.microsoft.com/office/powerpoint/2010/main" val="1499372162"/>
+        <p14:creationId xmlns:p14="http://schemas.microsoft.com/office/powerpoint/2010/main" val="1552130790"/>
       </p:ext>
     </p:extLst>
   </p:cSld>
@@ -3601,6 +4732,267 @@
 </file>
 
 <file path=ppt/slides/slide14.xml><?xml version="1.0" encoding="utf-8"?>
+<p:sld xmlns:a="http://schemas.openxmlformats.org/drawingml/2006/main" xmlns:r="http://schemas.openxmlformats.org/officeDocument/2006/relationships" xmlns:p="http://schemas.openxmlformats.org/presentationml/2006/main">
+  <p:cSld>
+    <p:spTree>
+      <p:nvGrpSpPr>
+        <p:cNvPr id="1" name=""/>
+        <p:cNvGrpSpPr/>
+        <p:nvPr/>
+      </p:nvGrpSpPr>
+      <p:grpSpPr>
+        <a:xfrm>
+          <a:off x="0" y="0"/>
+          <a:ext cx="0" cy="0"/>
+          <a:chOff x="0" y="0"/>
+          <a:chExt cx="0" cy="0"/>
+        </a:xfrm>
+      </p:grpSpPr>
+      <p:pic>
+        <p:nvPicPr>
+          <p:cNvPr id="6" name="Picture 5">
+            <a:extLst>
+              <a:ext uri="{FF2B5EF4-FFF2-40B4-BE49-F238E27FC236}">
+                <a16:creationId xmlns:a16="http://schemas.microsoft.com/office/drawing/2014/main" id="{C5C4A981-5971-5698-ACB8-B989DC854660}"/>
+              </a:ext>
+            </a:extLst>
+          </p:cNvPr>
+          <p:cNvPicPr>
+            <a:picLocks noChangeAspect="1"/>
+          </p:cNvPicPr>
+          <p:nvPr/>
+        </p:nvPicPr>
+        <p:blipFill>
+          <a:blip r:embed="rId2"/>
+          <a:stretch>
+            <a:fillRect/>
+          </a:stretch>
+        </p:blipFill>
+        <p:spPr>
+          <a:xfrm>
+            <a:off x="1706500" y="1880908"/>
+            <a:ext cx="8779001" cy="3292125"/>
+          </a:xfrm>
+          <a:prstGeom prst="rect">
+            <a:avLst/>
+          </a:prstGeom>
+        </p:spPr>
+      </p:pic>
+      <p:sp>
+        <p:nvSpPr>
+          <p:cNvPr id="2" name="Title 1">
+            <a:extLst>
+              <a:ext uri="{FF2B5EF4-FFF2-40B4-BE49-F238E27FC236}">
+                <a16:creationId xmlns:a16="http://schemas.microsoft.com/office/drawing/2014/main" id="{9A39EED9-1C3C-E371-D423-DCBB304B0360}"/>
+              </a:ext>
+            </a:extLst>
+          </p:cNvPr>
+          <p:cNvSpPr>
+            <a:spLocks noGrp="1"/>
+          </p:cNvSpPr>
+          <p:nvPr>
+            <p:ph type="title"/>
+          </p:nvPr>
+        </p:nvSpPr>
+        <p:spPr>
+          <a:xfrm>
+            <a:off x="394568" y="163289"/>
+            <a:ext cx="10682735" cy="929067"/>
+          </a:xfrm>
+        </p:spPr>
+        <p:txBody>
+          <a:bodyPr/>
+          <a:lstStyle/>
+          <a:p>
+            <a:r>
+              <a:rPr lang="en-CA" sz="2600" dirty="0">
+                <a:solidFill>
+                  <a:srgbClr val="1C1F33"/>
+                </a:solidFill>
+              </a:rPr>
+              <a:t>Key Graph #1: Prices appear to vary across stores. Taking prices </a:t>
+            </a:r>
+            <a:br>
+              <a:rPr lang="en-CA" sz="2600" dirty="0">
+                <a:solidFill>
+                  <a:srgbClr val="1C1F33"/>
+                </a:solidFill>
+              </a:rPr>
+            </a:br>
+            <a:r>
+              <a:rPr lang="en-CA" sz="2600" dirty="0">
+                <a:solidFill>
+                  <a:srgbClr val="1C1F33"/>
+                </a:solidFill>
+              </a:rPr>
+              <a:t>up to the 75</a:t>
+            </a:r>
+            <a:r>
+              <a:rPr lang="en-CA" sz="2600" baseline="30000" dirty="0">
+                <a:solidFill>
+                  <a:srgbClr val="1C1F33"/>
+                </a:solidFill>
+              </a:rPr>
+              <a:t>th</a:t>
+            </a:r>
+            <a:r>
+              <a:rPr lang="en-CA" sz="2600" dirty="0">
+                <a:solidFill>
+                  <a:srgbClr val="1C1F33"/>
+                </a:solidFill>
+              </a:rPr>
+              <a:t> percentile level is likely a safe early-win opportunity.</a:t>
+            </a:r>
+            <a:endParaRPr lang="en-CA" sz="2600" dirty="0"/>
+          </a:p>
+        </p:txBody>
+      </p:sp>
+      <p:sp>
+        <p:nvSpPr>
+          <p:cNvPr id="5" name="Arrow: Down 4">
+            <a:extLst>
+              <a:ext uri="{FF2B5EF4-FFF2-40B4-BE49-F238E27FC236}">
+                <a16:creationId xmlns:a16="http://schemas.microsoft.com/office/drawing/2014/main" id="{C25FABB5-FE38-2F77-3420-4555DAD637E7}"/>
+              </a:ext>
+            </a:extLst>
+          </p:cNvPr>
+          <p:cNvSpPr/>
+          <p:nvPr/>
+        </p:nvSpPr>
+        <p:spPr>
+          <a:xfrm>
+            <a:off x="7609110" y="2527665"/>
+            <a:ext cx="215537" cy="352695"/>
+          </a:xfrm>
+          <a:prstGeom prst="downArrow">
+            <a:avLst/>
+          </a:prstGeom>
+          <a:solidFill>
+            <a:srgbClr val="FF0000"/>
+          </a:solidFill>
+        </p:spPr>
+        <p:style>
+          <a:lnRef idx="2">
+            <a:schemeClr val="accent1">
+              <a:shade val="15000"/>
+            </a:schemeClr>
+          </a:lnRef>
+          <a:fillRef idx="1">
+            <a:schemeClr val="accent1"/>
+          </a:fillRef>
+          <a:effectRef idx="0">
+            <a:schemeClr val="accent1"/>
+          </a:effectRef>
+          <a:fontRef idx="minor">
+            <a:schemeClr val="lt1"/>
+          </a:fontRef>
+        </p:style>
+        <p:txBody>
+          <a:bodyPr rtlCol="0" anchor="ctr"/>
+          <a:lstStyle/>
+          <a:p>
+            <a:pPr algn="ctr"/>
+            <a:endParaRPr lang="en-CA"/>
+          </a:p>
+        </p:txBody>
+      </p:sp>
+      <p:sp>
+        <p:nvSpPr>
+          <p:cNvPr id="7" name="Title 1">
+            <a:extLst>
+              <a:ext uri="{FF2B5EF4-FFF2-40B4-BE49-F238E27FC236}">
+                <a16:creationId xmlns:a16="http://schemas.microsoft.com/office/drawing/2014/main" id="{73697419-D5AD-87E6-6211-9BA8ABEB471E}"/>
+              </a:ext>
+            </a:extLst>
+          </p:cNvPr>
+          <p:cNvSpPr txBox="1">
+            <a:spLocks/>
+          </p:cNvSpPr>
+          <p:nvPr/>
+        </p:nvSpPr>
+        <p:spPr>
+          <a:xfrm>
+            <a:off x="6712379" y="2127762"/>
+            <a:ext cx="1995933" cy="399903"/>
+          </a:xfrm>
+          <a:prstGeom prst="rect">
+            <a:avLst/>
+          </a:prstGeom>
+        </p:spPr>
+        <p:txBody>
+          <a:bodyPr vert="horz" lIns="91440" tIns="45720" rIns="91440" bIns="45720" rtlCol="0" anchor="b">
+            <a:noAutofit/>
+          </a:bodyPr>
+          <a:lstStyle>
+            <a:lvl1pPr algn="l" defTabSz="914400" rtl="0" eaLnBrk="1" latinLnBrk="0" hangingPunct="1">
+              <a:lnSpc>
+                <a:spcPct val="90000"/>
+              </a:lnSpc>
+              <a:spcBef>
+                <a:spcPct val="0"/>
+              </a:spcBef>
+              <a:buNone/>
+              <a:defRPr sz="3000" i="0" kern="1200" spc="-50" baseline="0">
+                <a:solidFill>
+                  <a:schemeClr val="tx1">
+                    <a:lumMod val="75000"/>
+                    <a:lumOff val="25000"/>
+                  </a:schemeClr>
+                </a:solidFill>
+                <a:latin typeface="+mj-lt"/>
+                <a:ea typeface="+mj-ea"/>
+                <a:cs typeface="+mj-cs"/>
+              </a:defRPr>
+            </a:lvl1pPr>
+          </a:lstStyle>
+          <a:p>
+            <a:r>
+              <a:rPr lang="en-CA" sz="1200" dirty="0">
+                <a:solidFill>
+                  <a:srgbClr val="1C1F33"/>
+                </a:solidFill>
+                <a:latin typeface="+mn-lt"/>
+              </a:rPr>
+              <a:t>75</a:t>
+            </a:r>
+            <a:r>
+              <a:rPr lang="en-CA" sz="1200" baseline="30000" dirty="0">
+                <a:solidFill>
+                  <a:srgbClr val="1C1F33"/>
+                </a:solidFill>
+                <a:latin typeface="+mn-lt"/>
+              </a:rPr>
+              <a:t>th</a:t>
+            </a:r>
+            <a:r>
+              <a:rPr lang="en-CA" sz="1200" dirty="0">
+                <a:solidFill>
+                  <a:srgbClr val="1C1F33"/>
+                </a:solidFill>
+                <a:latin typeface="+mn-lt"/>
+              </a:rPr>
+              <a:t> Percentile Category-Qty Weighted Average Price</a:t>
+            </a:r>
+            <a:endParaRPr lang="en-CA" sz="1200" dirty="0">
+              <a:latin typeface="+mn-lt"/>
+            </a:endParaRPr>
+          </a:p>
+        </p:txBody>
+      </p:sp>
+    </p:spTree>
+    <p:extLst>
+      <p:ext uri="{BB962C8B-B14F-4D97-AF65-F5344CB8AC3E}">
+        <p14:creationId xmlns:p14="http://schemas.microsoft.com/office/powerpoint/2010/main" val="3500653878"/>
+      </p:ext>
+    </p:extLst>
+  </p:cSld>
+  <p:clrMapOvr>
+    <a:masterClrMapping/>
+  </p:clrMapOvr>
+</p:sld>
+</file>
+
+<file path=ppt/slides/slide15.xml><?xml version="1.0" encoding="utf-8"?>
 <p:sld xmlns:a="http://schemas.openxmlformats.org/drawingml/2006/main" xmlns:r="http://schemas.openxmlformats.org/officeDocument/2006/relationships" xmlns:p="http://schemas.openxmlformats.org/presentationml/2006/main">
   <p:cSld>
     <p:spTree>
@@ -3644,48 +5036,78 @@
                   <a:srgbClr val="1C1F33"/>
                 </a:solidFill>
               </a:rPr>
-              <a:t>A quasi-price sensitivity model also provides validation that price is not a major contributor re customer counts.</a:t>
+              <a:t>Key Graph #2: With Store 5, we see some softness in both strategic categories – likely warranting further attention </a:t>
             </a:r>
             <a:endParaRPr lang="en-CA" sz="2900" dirty="0"/>
           </a:p>
         </p:txBody>
       </p:sp>
-    </p:spTree>
-    <p:extLst>
-      <p:ext uri="{BB962C8B-B14F-4D97-AF65-F5344CB8AC3E}">
-        <p14:creationId xmlns:p14="http://schemas.microsoft.com/office/powerpoint/2010/main" val="1552130790"/>
-      </p:ext>
-    </p:extLst>
-  </p:cSld>
-  <p:clrMapOvr>
-    <a:masterClrMapping/>
-  </p:clrMapOvr>
-</p:sld>
-</file>
-
-<file path=ppt/slides/slide15.xml><?xml version="1.0" encoding="utf-8"?>
-<p:sld xmlns:a="http://schemas.openxmlformats.org/drawingml/2006/main" xmlns:r="http://schemas.openxmlformats.org/officeDocument/2006/relationships" xmlns:p="http://schemas.openxmlformats.org/presentationml/2006/main">
-  <p:cSld>
-    <p:spTree>
-      <p:nvGrpSpPr>
-        <p:cNvPr id="1" name=""/>
-        <p:cNvGrpSpPr/>
-        <p:nvPr/>
-      </p:nvGrpSpPr>
-      <p:grpSpPr>
-        <a:xfrm>
-          <a:off x="0" y="0"/>
-          <a:ext cx="0" cy="0"/>
-          <a:chOff x="0" y="0"/>
-          <a:chExt cx="0" cy="0"/>
-        </a:xfrm>
-      </p:grpSpPr>
+      <p:pic>
+        <p:nvPicPr>
+          <p:cNvPr id="6" name="Picture 5">
+            <a:extLst>
+              <a:ext uri="{FF2B5EF4-FFF2-40B4-BE49-F238E27FC236}">
+                <a16:creationId xmlns:a16="http://schemas.microsoft.com/office/drawing/2014/main" id="{6A305FB1-F2CC-3B0B-1C4B-C39D13CFA50E}"/>
+              </a:ext>
+            </a:extLst>
+          </p:cNvPr>
+          <p:cNvPicPr>
+            <a:picLocks noChangeAspect="1"/>
+          </p:cNvPicPr>
+          <p:nvPr/>
+        </p:nvPicPr>
+        <p:blipFill>
+          <a:blip r:embed="rId2"/>
+          <a:stretch>
+            <a:fillRect/>
+          </a:stretch>
+        </p:blipFill>
+        <p:spPr>
+          <a:xfrm>
+            <a:off x="1161723" y="2294791"/>
+            <a:ext cx="2936106" cy="2803848"/>
+          </a:xfrm>
+          <a:prstGeom prst="rect">
+            <a:avLst/>
+          </a:prstGeom>
+        </p:spPr>
+      </p:pic>
+      <p:pic>
+        <p:nvPicPr>
+          <p:cNvPr id="8" name="Picture 7">
+            <a:extLst>
+              <a:ext uri="{FF2B5EF4-FFF2-40B4-BE49-F238E27FC236}">
+                <a16:creationId xmlns:a16="http://schemas.microsoft.com/office/drawing/2014/main" id="{D59F46B2-A908-79CE-4391-C73E4540E822}"/>
+              </a:ext>
+            </a:extLst>
+          </p:cNvPr>
+          <p:cNvPicPr>
+            <a:picLocks noChangeAspect="1"/>
+          </p:cNvPicPr>
+          <p:nvPr/>
+        </p:nvPicPr>
+        <p:blipFill>
+          <a:blip r:embed="rId3"/>
+          <a:stretch>
+            <a:fillRect/>
+          </a:stretch>
+        </p:blipFill>
+        <p:spPr>
+          <a:xfrm>
+            <a:off x="4737163" y="2236007"/>
+            <a:ext cx="3022496" cy="2803848"/>
+          </a:xfrm>
+          <a:prstGeom prst="rect">
+            <a:avLst/>
+          </a:prstGeom>
+        </p:spPr>
+      </p:pic>
       <p:sp>
         <p:nvSpPr>
-          <p:cNvPr id="2" name="Title 1">
+          <p:cNvPr id="9" name="Title 1">
             <a:extLst>
               <a:ext uri="{FF2B5EF4-FFF2-40B4-BE49-F238E27FC236}">
-                <a16:creationId xmlns:a16="http://schemas.microsoft.com/office/drawing/2014/main" id="{D313FB9C-0C38-BDAB-F142-33EBEF359DE6}"/>
+                <a16:creationId xmlns:a16="http://schemas.microsoft.com/office/drawing/2014/main" id="{06414576-870A-5596-F04E-47D5397C0219}"/>
               </a:ext>
             </a:extLst>
           </p:cNvPr>
@@ -3696,15 +5118,17 @@
         </p:nvSpPr>
         <p:spPr>
           <a:xfrm>
-            <a:off x="3280410" y="1874523"/>
-            <a:ext cx="5631180" cy="929067"/>
+            <a:off x="1040360" y="1567543"/>
+            <a:ext cx="3159352" cy="611766"/>
           </a:xfrm>
           <a:prstGeom prst="rect">
             <a:avLst/>
           </a:prstGeom>
         </p:spPr>
         <p:txBody>
-          <a:bodyPr/>
+          <a:bodyPr vert="horz" lIns="91440" tIns="45720" rIns="91440" bIns="45720" rtlCol="0" anchor="b">
+            <a:noAutofit/>
+          </a:bodyPr>
           <a:lstStyle>
             <a:lvl1pPr algn="l" defTabSz="914400" rtl="0" eaLnBrk="1" latinLnBrk="0" hangingPunct="1">
               <a:lnSpc>
@@ -3728,71 +5152,1232 @@
             </a:lvl1pPr>
           </a:lstStyle>
           <a:p>
-            <a:pPr algn="ctr"/>
-            <a:r>
-              <a:rPr lang="en-CA" dirty="0">
+            <a:r>
+              <a:rPr lang="en-CA" sz="2900" dirty="0">
                 <a:solidFill>
                   <a:srgbClr val="1C1F33"/>
                 </a:solidFill>
-                <a:latin typeface="+mn-lt"/>
               </a:rPr>
-              <a:t>The </a:t>
-            </a:r>
-            <a:r>
-              <a:rPr lang="en-CA" u="sng" dirty="0">
+              <a:t>Senior Category:</a:t>
+            </a:r>
+            <a:endParaRPr lang="en-CA" sz="2900" dirty="0"/>
+          </a:p>
+        </p:txBody>
+      </p:sp>
+      <p:sp>
+        <p:nvSpPr>
+          <p:cNvPr id="10" name="Title 1">
+            <a:extLst>
+              <a:ext uri="{FF2B5EF4-FFF2-40B4-BE49-F238E27FC236}">
+                <a16:creationId xmlns:a16="http://schemas.microsoft.com/office/drawing/2014/main" id="{C462A350-EDFA-4D4A-B13E-4B092FE37DEC}"/>
+              </a:ext>
+            </a:extLst>
+          </p:cNvPr>
+          <p:cNvSpPr txBox="1">
+            <a:spLocks/>
+          </p:cNvSpPr>
+          <p:nvPr/>
+        </p:nvSpPr>
+        <p:spPr>
+          <a:xfrm>
+            <a:off x="4668735" y="1567543"/>
+            <a:ext cx="3159352" cy="611766"/>
+          </a:xfrm>
+          <a:prstGeom prst="rect">
+            <a:avLst/>
+          </a:prstGeom>
+        </p:spPr>
+        <p:txBody>
+          <a:bodyPr vert="horz" lIns="91440" tIns="45720" rIns="91440" bIns="45720" rtlCol="0" anchor="b">
+            <a:noAutofit/>
+          </a:bodyPr>
+          <a:lstStyle>
+            <a:lvl1pPr algn="l" defTabSz="914400" rtl="0" eaLnBrk="1" latinLnBrk="0" hangingPunct="1">
+              <a:lnSpc>
+                <a:spcPct val="90000"/>
+              </a:lnSpc>
+              <a:spcBef>
+                <a:spcPct val="0"/>
+              </a:spcBef>
+              <a:buNone/>
+              <a:defRPr sz="3000" i="0" kern="1200" spc="-50" baseline="0">
+                <a:solidFill>
+                  <a:schemeClr val="tx1">
+                    <a:lumMod val="75000"/>
+                    <a:lumOff val="25000"/>
+                  </a:schemeClr>
+                </a:solidFill>
+                <a:latin typeface="+mj-lt"/>
+                <a:ea typeface="+mj-ea"/>
+                <a:cs typeface="+mj-cs"/>
+              </a:defRPr>
+            </a:lvl1pPr>
+          </a:lstStyle>
+          <a:p>
+            <a:r>
+              <a:rPr lang="en-CA" sz="2900" dirty="0">
                 <a:solidFill>
                   <a:srgbClr val="1C1F33"/>
                 </a:solidFill>
-                <a:latin typeface="+mn-lt"/>
               </a:rPr>
-              <a:t>Decision Inventory </a:t>
-            </a:r>
-            <a:r>
-              <a:rPr lang="en-CA" dirty="0">
-                <a:solidFill>
-                  <a:srgbClr val="1C1F33"/>
-                </a:solidFill>
-                <a:latin typeface="+mn-lt"/>
-              </a:rPr>
-              <a:t>as a </a:t>
-            </a:r>
-            <a:br>
-              <a:rPr lang="en-CA" dirty="0">
-                <a:solidFill>
-                  <a:srgbClr val="1C1F33"/>
-                </a:solidFill>
-                <a:latin typeface="+mn-lt"/>
-              </a:rPr>
-            </a:br>
-            <a:r>
-              <a:rPr lang="en-CA" dirty="0">
-                <a:solidFill>
-                  <a:srgbClr val="1C1F33"/>
-                </a:solidFill>
-                <a:latin typeface="+mn-lt"/>
-              </a:rPr>
-              <a:t>Tool for Uncovering Opportunities.</a:t>
-            </a:r>
-            <a:endParaRPr lang="en-CA" dirty="0">
-              <a:latin typeface="+mn-lt"/>
-            </a:endParaRPr>
+              <a:t>Kids Category:</a:t>
+            </a:r>
+            <a:endParaRPr lang="en-CA" sz="2900" dirty="0"/>
+          </a:p>
+        </p:txBody>
+      </p:sp>
+      <p:sp>
+        <p:nvSpPr>
+          <p:cNvPr id="11" name="Rectangle 10">
+            <a:extLst>
+              <a:ext uri="{FF2B5EF4-FFF2-40B4-BE49-F238E27FC236}">
+                <a16:creationId xmlns:a16="http://schemas.microsoft.com/office/drawing/2014/main" id="{1ECA4580-9F86-B3CA-0C08-45DC41D91015}"/>
+              </a:ext>
+            </a:extLst>
+          </p:cNvPr>
+          <p:cNvSpPr/>
+          <p:nvPr/>
+        </p:nvSpPr>
+        <p:spPr>
+          <a:xfrm>
+            <a:off x="1678579" y="3448593"/>
+            <a:ext cx="2083523" cy="999309"/>
+          </a:xfrm>
+          <a:prstGeom prst="rect">
+            <a:avLst/>
+          </a:prstGeom>
+          <a:noFill/>
+          <a:ln w="38100">
+            <a:solidFill>
+              <a:srgbClr val="FF0000"/>
+            </a:solidFill>
+          </a:ln>
+        </p:spPr>
+        <p:style>
+          <a:lnRef idx="2">
+            <a:schemeClr val="accent1">
+              <a:shade val="15000"/>
+            </a:schemeClr>
+          </a:lnRef>
+          <a:fillRef idx="1">
+            <a:schemeClr val="accent1"/>
+          </a:fillRef>
+          <a:effectRef idx="0">
+            <a:schemeClr val="accent1"/>
+          </a:effectRef>
+          <a:fontRef idx="minor">
+            <a:schemeClr val="lt1"/>
+          </a:fontRef>
+        </p:style>
+        <p:txBody>
+          <a:bodyPr rtlCol="0" anchor="ctr"/>
+          <a:lstStyle/>
+          <a:p>
+            <a:pPr algn="ctr"/>
+            <a:endParaRPr lang="en-CA"/>
+          </a:p>
+        </p:txBody>
+      </p:sp>
+      <p:sp>
+        <p:nvSpPr>
+          <p:cNvPr id="12" name="Rectangle 11">
+            <a:extLst>
+              <a:ext uri="{FF2B5EF4-FFF2-40B4-BE49-F238E27FC236}">
+                <a16:creationId xmlns:a16="http://schemas.microsoft.com/office/drawing/2014/main" id="{797B96D1-9319-7641-4F08-52C5A1F122E0}"/>
+              </a:ext>
+            </a:extLst>
+          </p:cNvPr>
+          <p:cNvSpPr/>
+          <p:nvPr/>
+        </p:nvSpPr>
+        <p:spPr>
+          <a:xfrm>
+            <a:off x="5264339" y="3468186"/>
+            <a:ext cx="2031276" cy="999309"/>
+          </a:xfrm>
+          <a:prstGeom prst="rect">
+            <a:avLst/>
+          </a:prstGeom>
+          <a:noFill/>
+          <a:ln w="38100">
+            <a:solidFill>
+              <a:srgbClr val="FF0000"/>
+            </a:solidFill>
+          </a:ln>
+        </p:spPr>
+        <p:style>
+          <a:lnRef idx="2">
+            <a:schemeClr val="accent1">
+              <a:shade val="15000"/>
+            </a:schemeClr>
+          </a:lnRef>
+          <a:fillRef idx="1">
+            <a:schemeClr val="accent1"/>
+          </a:fillRef>
+          <a:effectRef idx="0">
+            <a:schemeClr val="accent1"/>
+          </a:effectRef>
+          <a:fontRef idx="minor">
+            <a:schemeClr val="lt1"/>
+          </a:fontRef>
+        </p:style>
+        <p:txBody>
+          <a:bodyPr rtlCol="0" anchor="ctr"/>
+          <a:lstStyle/>
+          <a:p>
+            <a:pPr algn="ctr"/>
+            <a:endParaRPr lang="en-CA"/>
+          </a:p>
+        </p:txBody>
+      </p:sp>
+      <p:sp>
+        <p:nvSpPr>
+          <p:cNvPr id="13" name="TextBox 12">
+            <a:extLst>
+              <a:ext uri="{FF2B5EF4-FFF2-40B4-BE49-F238E27FC236}">
+                <a16:creationId xmlns:a16="http://schemas.microsoft.com/office/drawing/2014/main" id="{FD339C9A-C982-2CE3-DF86-A5E8B5C805ED}"/>
+              </a:ext>
+            </a:extLst>
+          </p:cNvPr>
+          <p:cNvSpPr txBox="1"/>
+          <p:nvPr/>
+        </p:nvSpPr>
+        <p:spPr>
+          <a:xfrm>
+            <a:off x="8412480" y="1643641"/>
+            <a:ext cx="3324497" cy="2800767"/>
+          </a:xfrm>
+          <a:prstGeom prst="rect">
+            <a:avLst/>
+          </a:prstGeom>
+          <a:noFill/>
+          <a:ln>
+            <a:solidFill>
+              <a:schemeClr val="tx1"/>
+            </a:solidFill>
+          </a:ln>
+        </p:spPr>
+        <p:txBody>
+          <a:bodyPr wrap="square" rtlCol="0">
+            <a:spAutoFit/>
+          </a:bodyPr>
+          <a:lstStyle/>
+          <a:p>
+            <a:r>
+              <a:rPr lang="en-CA" sz="1600" dirty="0"/>
+              <a:t>If we are seeing these kinds of declines in strategically important categories:</a:t>
+            </a:r>
+          </a:p>
+          <a:p>
+            <a:endParaRPr lang="en-CA" sz="1600" dirty="0"/>
+          </a:p>
+          <a:p>
+            <a:pPr marL="342900" indent="-342900">
+              <a:buFont typeface="+mj-lt"/>
+              <a:buAutoNum type="arabicPeriod"/>
+            </a:pPr>
+            <a:r>
+              <a:rPr lang="en-CA" sz="1600" dirty="0"/>
+              <a:t>Is our strategy being operationalized in a reasonable fashion?</a:t>
+            </a:r>
+          </a:p>
+          <a:p>
+            <a:pPr marL="342900" indent="-342900">
+              <a:buFont typeface="+mj-lt"/>
+              <a:buAutoNum type="arabicPeriod"/>
+            </a:pPr>
+            <a:endParaRPr lang="en-CA" sz="1600" dirty="0"/>
+          </a:p>
+          <a:p>
+            <a:pPr marL="342900" indent="-342900">
+              <a:buFont typeface="+mj-lt"/>
+              <a:buAutoNum type="arabicPeriod"/>
+            </a:pPr>
+            <a:r>
+              <a:rPr lang="en-CA" sz="1600" dirty="0"/>
+              <a:t>Is our strategy still fit for purpose?</a:t>
+            </a:r>
+          </a:p>
+          <a:p>
+            <a:endParaRPr lang="en-CA" sz="1600" dirty="0"/>
           </a:p>
         </p:txBody>
       </p:sp>
     </p:spTree>
     <p:extLst>
       <p:ext uri="{BB962C8B-B14F-4D97-AF65-F5344CB8AC3E}">
-        <p14:creationId xmlns:p14="http://schemas.microsoft.com/office/powerpoint/2010/main" val="2378188436"/>
+        <p14:creationId xmlns:p14="http://schemas.microsoft.com/office/powerpoint/2010/main" val="1120506006"/>
       </p:ext>
     </p:extLst>
   </p:cSld>
   <p:clrMapOvr>
     <a:masterClrMapping/>
   </p:clrMapOvr>
+  <p:timing>
+    <p:tnLst>
+      <p:par>
+        <p:cTn id="1" dur="indefinite" restart="never" nodeType="tmRoot">
+          <p:childTnLst>
+            <p:seq concurrent="1" nextAc="seek">
+              <p:cTn id="2" dur="indefinite" nodeType="mainSeq">
+                <p:childTnLst>
+                  <p:par>
+                    <p:cTn id="3" fill="hold">
+                      <p:stCondLst>
+                        <p:cond delay="indefinite"/>
+                      </p:stCondLst>
+                      <p:childTnLst>
+                        <p:par>
+                          <p:cTn id="4" fill="hold">
+                            <p:stCondLst>
+                              <p:cond delay="0"/>
+                            </p:stCondLst>
+                            <p:childTnLst>
+                              <p:par>
+                                <p:cTn id="5" presetID="1" presetClass="entr" presetSubtype="0" fill="hold" grpId="0" nodeType="clickEffect">
+                                  <p:stCondLst>
+                                    <p:cond delay="0"/>
+                                  </p:stCondLst>
+                                  <p:childTnLst>
+                                    <p:set>
+                                      <p:cBhvr>
+                                        <p:cTn id="6" dur="1" fill="hold">
+                                          <p:stCondLst>
+                                            <p:cond delay="0"/>
+                                          </p:stCondLst>
+                                        </p:cTn>
+                                        <p:tgtEl>
+                                          <p:spTgt spid="13"/>
+                                        </p:tgtEl>
+                                        <p:attrNameLst>
+                                          <p:attrName>style.visibility</p:attrName>
+                                        </p:attrNameLst>
+                                      </p:cBhvr>
+                                      <p:to>
+                                        <p:strVal val="visible"/>
+                                      </p:to>
+                                    </p:set>
+                                  </p:childTnLst>
+                                </p:cTn>
+                              </p:par>
+                            </p:childTnLst>
+                          </p:cTn>
+                        </p:par>
+                      </p:childTnLst>
+                    </p:cTn>
+                  </p:par>
+                </p:childTnLst>
+              </p:cTn>
+              <p:prevCondLst>
+                <p:cond evt="onPrev" delay="0">
+                  <p:tgtEl>
+                    <p:sldTgt/>
+                  </p:tgtEl>
+                </p:cond>
+              </p:prevCondLst>
+              <p:nextCondLst>
+                <p:cond evt="onNext" delay="0">
+                  <p:tgtEl>
+                    <p:sldTgt/>
+                  </p:tgtEl>
+                </p:cond>
+              </p:nextCondLst>
+            </p:seq>
+          </p:childTnLst>
+        </p:cTn>
+      </p:par>
+    </p:tnLst>
+    <p:bldLst>
+      <p:bldP spid="13" grpId="0" animBg="1"/>
+    </p:bldLst>
+  </p:timing>
 </p:sld>
 </file>
 
 <file path=ppt/slides/slide16.xml><?xml version="1.0" encoding="utf-8"?>
+<p:sld xmlns:a="http://schemas.openxmlformats.org/drawingml/2006/main" xmlns:r="http://schemas.openxmlformats.org/officeDocument/2006/relationships" xmlns:p="http://schemas.openxmlformats.org/presentationml/2006/main">
+  <p:cSld>
+    <p:spTree>
+      <p:nvGrpSpPr>
+        <p:cNvPr id="1" name=""/>
+        <p:cNvGrpSpPr/>
+        <p:nvPr/>
+      </p:nvGrpSpPr>
+      <p:grpSpPr>
+        <a:xfrm>
+          <a:off x="0" y="0"/>
+          <a:ext cx="0" cy="0"/>
+          <a:chOff x="0" y="0"/>
+          <a:chExt cx="0" cy="0"/>
+        </a:xfrm>
+      </p:grpSpPr>
+      <p:sp>
+        <p:nvSpPr>
+          <p:cNvPr id="2" name="Title 1">
+            <a:extLst>
+              <a:ext uri="{FF2B5EF4-FFF2-40B4-BE49-F238E27FC236}">
+                <a16:creationId xmlns:a16="http://schemas.microsoft.com/office/drawing/2014/main" id="{9A39EED9-1C3C-E371-D423-DCBB304B0360}"/>
+              </a:ext>
+            </a:extLst>
+          </p:cNvPr>
+          <p:cNvSpPr>
+            <a:spLocks noGrp="1"/>
+          </p:cNvSpPr>
+          <p:nvPr>
+            <p:ph type="title"/>
+          </p:nvPr>
+        </p:nvSpPr>
+        <p:spPr/>
+        <p:txBody>
+          <a:bodyPr/>
+          <a:lstStyle/>
+          <a:p>
+            <a:r>
+              <a:rPr lang="en-CA" sz="2900" dirty="0">
+                <a:solidFill>
+                  <a:srgbClr val="1C1F33"/>
+                </a:solidFill>
+              </a:rPr>
+              <a:t>Key graph #3: Why is average spend per customer growing ~2x as fast as core inflation?</a:t>
+            </a:r>
+            <a:endParaRPr lang="en-CA" sz="2900" dirty="0"/>
+          </a:p>
+        </p:txBody>
+      </p:sp>
+      <p:sp>
+        <p:nvSpPr>
+          <p:cNvPr id="7" name="TextBox 6">
+            <a:extLst>
+              <a:ext uri="{FF2B5EF4-FFF2-40B4-BE49-F238E27FC236}">
+                <a16:creationId xmlns:a16="http://schemas.microsoft.com/office/drawing/2014/main" id="{11D49E10-568B-D3AF-ED49-322ED0B9C4C9}"/>
+              </a:ext>
+            </a:extLst>
+          </p:cNvPr>
+          <p:cNvSpPr txBox="1"/>
+          <p:nvPr/>
+        </p:nvSpPr>
+        <p:spPr>
+          <a:xfrm>
+            <a:off x="8412480" y="1643641"/>
+            <a:ext cx="3324497" cy="3539430"/>
+          </a:xfrm>
+          <a:prstGeom prst="rect">
+            <a:avLst/>
+          </a:prstGeom>
+          <a:noFill/>
+          <a:ln>
+            <a:solidFill>
+              <a:schemeClr val="tx1"/>
+            </a:solidFill>
+          </a:ln>
+        </p:spPr>
+        <p:txBody>
+          <a:bodyPr wrap="square" rtlCol="0">
+            <a:spAutoFit/>
+          </a:bodyPr>
+          <a:lstStyle/>
+          <a:p>
+            <a:r>
+              <a:rPr lang="en-CA" sz="1600" dirty="0"/>
+              <a:t>Possible Drivers:</a:t>
+            </a:r>
+          </a:p>
+          <a:p>
+            <a:endParaRPr lang="en-CA" sz="1600" dirty="0"/>
+          </a:p>
+          <a:p>
+            <a:r>
+              <a:rPr lang="en-CA" sz="1600" dirty="0"/>
+              <a:t>FDRC is taking price increases beyond core inflation.  But are these changes helping profitability?</a:t>
+            </a:r>
+          </a:p>
+          <a:p>
+            <a:endParaRPr lang="en-CA" sz="1600" dirty="0"/>
+          </a:p>
+          <a:p>
+            <a:r>
+              <a:rPr lang="en-CA" sz="1600" dirty="0"/>
+              <a:t>FDRC is seeing traction with new higher end menu options. Is this helping profitability?</a:t>
+            </a:r>
+          </a:p>
+          <a:p>
+            <a:endParaRPr lang="en-CA" sz="1600" dirty="0"/>
+          </a:p>
+          <a:p>
+            <a:r>
+              <a:rPr lang="en-CA" sz="1600" dirty="0"/>
+              <a:t>A new competitor is taking share from FDRC at the low end – possibly indicating a disruptive threat.</a:t>
+            </a:r>
+          </a:p>
+          <a:p>
+            <a:endParaRPr lang="en-CA" sz="1600" dirty="0"/>
+          </a:p>
+        </p:txBody>
+      </p:sp>
+      <p:pic>
+        <p:nvPicPr>
+          <p:cNvPr id="9" name="Picture 8">
+            <a:extLst>
+              <a:ext uri="{FF2B5EF4-FFF2-40B4-BE49-F238E27FC236}">
+                <a16:creationId xmlns:a16="http://schemas.microsoft.com/office/drawing/2014/main" id="{55FCD48D-6C41-10C7-D9D5-116BCFC30990}"/>
+              </a:ext>
+            </a:extLst>
+          </p:cNvPr>
+          <p:cNvPicPr>
+            <a:picLocks noChangeAspect="1"/>
+          </p:cNvPicPr>
+          <p:nvPr/>
+        </p:nvPicPr>
+        <p:blipFill>
+          <a:blip r:embed="rId2"/>
+          <a:stretch>
+            <a:fillRect/>
+          </a:stretch>
+        </p:blipFill>
+        <p:spPr>
+          <a:xfrm>
+            <a:off x="394569" y="1541215"/>
+            <a:ext cx="7686889" cy="3683928"/>
+          </a:xfrm>
+          <a:prstGeom prst="rect">
+            <a:avLst/>
+          </a:prstGeom>
+        </p:spPr>
+      </p:pic>
+    </p:spTree>
+    <p:extLst>
+      <p:ext uri="{BB962C8B-B14F-4D97-AF65-F5344CB8AC3E}">
+        <p14:creationId xmlns:p14="http://schemas.microsoft.com/office/powerpoint/2010/main" val="1901427678"/>
+      </p:ext>
+    </p:extLst>
+  </p:cSld>
+  <p:clrMapOvr>
+    <a:masterClrMapping/>
+  </p:clrMapOvr>
+  <p:timing>
+    <p:tnLst>
+      <p:par>
+        <p:cTn id="1" dur="indefinite" restart="never" nodeType="tmRoot">
+          <p:childTnLst>
+            <p:seq concurrent="1" nextAc="seek">
+              <p:cTn id="2" dur="indefinite" nodeType="mainSeq">
+                <p:childTnLst>
+                  <p:par>
+                    <p:cTn id="3" fill="hold">
+                      <p:stCondLst>
+                        <p:cond delay="indefinite"/>
+                      </p:stCondLst>
+                      <p:childTnLst>
+                        <p:par>
+                          <p:cTn id="4" fill="hold">
+                            <p:stCondLst>
+                              <p:cond delay="0"/>
+                            </p:stCondLst>
+                            <p:childTnLst>
+                              <p:par>
+                                <p:cTn id="5" presetID="1" presetClass="entr" presetSubtype="0" fill="hold" grpId="0" nodeType="clickEffect">
+                                  <p:stCondLst>
+                                    <p:cond delay="0"/>
+                                  </p:stCondLst>
+                                  <p:childTnLst>
+                                    <p:set>
+                                      <p:cBhvr>
+                                        <p:cTn id="6" dur="1" fill="hold">
+                                          <p:stCondLst>
+                                            <p:cond delay="0"/>
+                                          </p:stCondLst>
+                                        </p:cTn>
+                                        <p:tgtEl>
+                                          <p:spTgt spid="7"/>
+                                        </p:tgtEl>
+                                        <p:attrNameLst>
+                                          <p:attrName>style.visibility</p:attrName>
+                                        </p:attrNameLst>
+                                      </p:cBhvr>
+                                      <p:to>
+                                        <p:strVal val="visible"/>
+                                      </p:to>
+                                    </p:set>
+                                  </p:childTnLst>
+                                </p:cTn>
+                              </p:par>
+                              <p:par>
+                                <p:cTn id="7" presetID="1" presetClass="entr" presetSubtype="0" fill="hold" nodeType="withEffect">
+                                  <p:stCondLst>
+                                    <p:cond delay="0"/>
+                                  </p:stCondLst>
+                                  <p:childTnLst>
+                                    <p:set>
+                                      <p:cBhvr>
+                                        <p:cTn id="8" dur="1" fill="hold">
+                                          <p:stCondLst>
+                                            <p:cond delay="0"/>
+                                          </p:stCondLst>
+                                        </p:cTn>
+                                        <p:tgtEl>
+                                          <p:spTgt spid="7">
+                                            <p:txEl>
+                                              <p:pRg st="0" end="0"/>
+                                            </p:txEl>
+                                          </p:spTgt>
+                                        </p:tgtEl>
+                                        <p:attrNameLst>
+                                          <p:attrName>style.visibility</p:attrName>
+                                        </p:attrNameLst>
+                                      </p:cBhvr>
+                                      <p:to>
+                                        <p:strVal val="visible"/>
+                                      </p:to>
+                                    </p:set>
+                                  </p:childTnLst>
+                                </p:cTn>
+                              </p:par>
+                            </p:childTnLst>
+                          </p:cTn>
+                        </p:par>
+                      </p:childTnLst>
+                    </p:cTn>
+                  </p:par>
+                  <p:par>
+                    <p:cTn id="9" fill="hold">
+                      <p:stCondLst>
+                        <p:cond delay="indefinite"/>
+                      </p:stCondLst>
+                      <p:childTnLst>
+                        <p:par>
+                          <p:cTn id="10" fill="hold">
+                            <p:stCondLst>
+                              <p:cond delay="0"/>
+                            </p:stCondLst>
+                            <p:childTnLst>
+                              <p:par>
+                                <p:cTn id="11" presetID="1" presetClass="entr" presetSubtype="0" fill="hold" nodeType="clickEffect">
+                                  <p:stCondLst>
+                                    <p:cond delay="0"/>
+                                  </p:stCondLst>
+                                  <p:childTnLst>
+                                    <p:set>
+                                      <p:cBhvr>
+                                        <p:cTn id="12" dur="1" fill="hold">
+                                          <p:stCondLst>
+                                            <p:cond delay="0"/>
+                                          </p:stCondLst>
+                                        </p:cTn>
+                                        <p:tgtEl>
+                                          <p:spTgt spid="7">
+                                            <p:txEl>
+                                              <p:pRg st="2" end="2"/>
+                                            </p:txEl>
+                                          </p:spTgt>
+                                        </p:tgtEl>
+                                        <p:attrNameLst>
+                                          <p:attrName>style.visibility</p:attrName>
+                                        </p:attrNameLst>
+                                      </p:cBhvr>
+                                      <p:to>
+                                        <p:strVal val="visible"/>
+                                      </p:to>
+                                    </p:set>
+                                  </p:childTnLst>
+                                </p:cTn>
+                              </p:par>
+                            </p:childTnLst>
+                          </p:cTn>
+                        </p:par>
+                      </p:childTnLst>
+                    </p:cTn>
+                  </p:par>
+                  <p:par>
+                    <p:cTn id="13" fill="hold">
+                      <p:stCondLst>
+                        <p:cond delay="indefinite"/>
+                      </p:stCondLst>
+                      <p:childTnLst>
+                        <p:par>
+                          <p:cTn id="14" fill="hold">
+                            <p:stCondLst>
+                              <p:cond delay="0"/>
+                            </p:stCondLst>
+                            <p:childTnLst>
+                              <p:par>
+                                <p:cTn id="15" presetID="1" presetClass="entr" presetSubtype="0" fill="hold" nodeType="clickEffect">
+                                  <p:stCondLst>
+                                    <p:cond delay="0"/>
+                                  </p:stCondLst>
+                                  <p:childTnLst>
+                                    <p:set>
+                                      <p:cBhvr>
+                                        <p:cTn id="16" dur="1" fill="hold">
+                                          <p:stCondLst>
+                                            <p:cond delay="0"/>
+                                          </p:stCondLst>
+                                        </p:cTn>
+                                        <p:tgtEl>
+                                          <p:spTgt spid="7">
+                                            <p:txEl>
+                                              <p:pRg st="4" end="4"/>
+                                            </p:txEl>
+                                          </p:spTgt>
+                                        </p:tgtEl>
+                                        <p:attrNameLst>
+                                          <p:attrName>style.visibility</p:attrName>
+                                        </p:attrNameLst>
+                                      </p:cBhvr>
+                                      <p:to>
+                                        <p:strVal val="visible"/>
+                                      </p:to>
+                                    </p:set>
+                                  </p:childTnLst>
+                                </p:cTn>
+                              </p:par>
+                            </p:childTnLst>
+                          </p:cTn>
+                        </p:par>
+                      </p:childTnLst>
+                    </p:cTn>
+                  </p:par>
+                  <p:par>
+                    <p:cTn id="17" fill="hold">
+                      <p:stCondLst>
+                        <p:cond delay="indefinite"/>
+                      </p:stCondLst>
+                      <p:childTnLst>
+                        <p:par>
+                          <p:cTn id="18" fill="hold">
+                            <p:stCondLst>
+                              <p:cond delay="0"/>
+                            </p:stCondLst>
+                            <p:childTnLst>
+                              <p:par>
+                                <p:cTn id="19" presetID="1" presetClass="entr" presetSubtype="0" fill="hold" nodeType="clickEffect">
+                                  <p:stCondLst>
+                                    <p:cond delay="0"/>
+                                  </p:stCondLst>
+                                  <p:childTnLst>
+                                    <p:set>
+                                      <p:cBhvr>
+                                        <p:cTn id="20" dur="1" fill="hold">
+                                          <p:stCondLst>
+                                            <p:cond delay="0"/>
+                                          </p:stCondLst>
+                                        </p:cTn>
+                                        <p:tgtEl>
+                                          <p:spTgt spid="7">
+                                            <p:txEl>
+                                              <p:pRg st="6" end="6"/>
+                                            </p:txEl>
+                                          </p:spTgt>
+                                        </p:tgtEl>
+                                        <p:attrNameLst>
+                                          <p:attrName>style.visibility</p:attrName>
+                                        </p:attrNameLst>
+                                      </p:cBhvr>
+                                      <p:to>
+                                        <p:strVal val="visible"/>
+                                      </p:to>
+                                    </p:set>
+                                  </p:childTnLst>
+                                </p:cTn>
+                              </p:par>
+                            </p:childTnLst>
+                          </p:cTn>
+                        </p:par>
+                      </p:childTnLst>
+                    </p:cTn>
+                  </p:par>
+                </p:childTnLst>
+              </p:cTn>
+              <p:prevCondLst>
+                <p:cond evt="onPrev" delay="0">
+                  <p:tgtEl>
+                    <p:sldTgt/>
+                  </p:tgtEl>
+                </p:cond>
+              </p:prevCondLst>
+              <p:nextCondLst>
+                <p:cond evt="onNext" delay="0">
+                  <p:tgtEl>
+                    <p:sldTgt/>
+                  </p:tgtEl>
+                </p:cond>
+              </p:nextCondLst>
+            </p:seq>
+          </p:childTnLst>
+        </p:cTn>
+      </p:par>
+    </p:tnLst>
+    <p:bldLst>
+      <p:bldP spid="7" grpId="0" animBg="1"/>
+    </p:bldLst>
+  </p:timing>
+</p:sld>
+</file>
+
+<file path=ppt/slides/slide17.xml><?xml version="1.0" encoding="utf-8"?>
+<p:sld xmlns:a="http://schemas.openxmlformats.org/drawingml/2006/main" xmlns:r="http://schemas.openxmlformats.org/officeDocument/2006/relationships" xmlns:p="http://schemas.openxmlformats.org/presentationml/2006/main">
+  <p:cSld>
+    <p:spTree>
+      <p:nvGrpSpPr>
+        <p:cNvPr id="1" name=""/>
+        <p:cNvGrpSpPr/>
+        <p:nvPr/>
+      </p:nvGrpSpPr>
+      <p:grpSpPr>
+        <a:xfrm>
+          <a:off x="0" y="0"/>
+          <a:ext cx="0" cy="0"/>
+          <a:chOff x="0" y="0"/>
+          <a:chExt cx="0" cy="0"/>
+        </a:xfrm>
+      </p:grpSpPr>
+      <p:sp>
+        <p:nvSpPr>
+          <p:cNvPr id="2" name="Title 1">
+            <a:extLst>
+              <a:ext uri="{FF2B5EF4-FFF2-40B4-BE49-F238E27FC236}">
+                <a16:creationId xmlns:a16="http://schemas.microsoft.com/office/drawing/2014/main" id="{9A39EED9-1C3C-E371-D423-DCBB304B0360}"/>
+              </a:ext>
+            </a:extLst>
+          </p:cNvPr>
+          <p:cNvSpPr>
+            <a:spLocks noGrp="1"/>
+          </p:cNvSpPr>
+          <p:nvPr>
+            <p:ph type="title"/>
+          </p:nvPr>
+        </p:nvSpPr>
+        <p:spPr/>
+        <p:txBody>
+          <a:bodyPr/>
+          <a:lstStyle/>
+          <a:p>
+            <a:r>
+              <a:rPr lang="en-CA" sz="2900" dirty="0">
+                <a:solidFill>
+                  <a:srgbClr val="1C1F33"/>
+                </a:solidFill>
+              </a:rPr>
+              <a:t>One caveat . . . the pricing calculations in this analysis are very simple groupings across dates and stores . . .</a:t>
+            </a:r>
+            <a:endParaRPr lang="en-CA" sz="2900" dirty="0"/>
+          </a:p>
+        </p:txBody>
+      </p:sp>
+      <p:pic>
+        <p:nvPicPr>
+          <p:cNvPr id="4" name="Picture 3">
+            <a:extLst>
+              <a:ext uri="{FF2B5EF4-FFF2-40B4-BE49-F238E27FC236}">
+                <a16:creationId xmlns:a16="http://schemas.microsoft.com/office/drawing/2014/main" id="{182B70EC-83BF-253D-C255-0229DA52BFD2}"/>
+              </a:ext>
+            </a:extLst>
+          </p:cNvPr>
+          <p:cNvPicPr>
+            <a:picLocks noChangeAspect="1"/>
+          </p:cNvPicPr>
+          <p:nvPr/>
+        </p:nvPicPr>
+        <p:blipFill>
+          <a:blip r:embed="rId2"/>
+          <a:stretch>
+            <a:fillRect/>
+          </a:stretch>
+        </p:blipFill>
+        <p:spPr>
+          <a:xfrm>
+            <a:off x="394570" y="1427389"/>
+            <a:ext cx="5547832" cy="4588057"/>
+          </a:xfrm>
+          <a:prstGeom prst="rect">
+            <a:avLst/>
+          </a:prstGeom>
+        </p:spPr>
+      </p:pic>
+      <p:sp>
+        <p:nvSpPr>
+          <p:cNvPr id="5" name="TextBox 4">
+            <a:extLst>
+              <a:ext uri="{FF2B5EF4-FFF2-40B4-BE49-F238E27FC236}">
+                <a16:creationId xmlns:a16="http://schemas.microsoft.com/office/drawing/2014/main" id="{7A161D21-4661-3787-94F7-99D3699487B4}"/>
+              </a:ext>
+            </a:extLst>
+          </p:cNvPr>
+          <p:cNvSpPr txBox="1"/>
+          <p:nvPr/>
+        </p:nvSpPr>
+        <p:spPr>
+          <a:xfrm>
+            <a:off x="6374674" y="1427389"/>
+            <a:ext cx="3324497" cy="3539430"/>
+          </a:xfrm>
+          <a:prstGeom prst="rect">
+            <a:avLst/>
+          </a:prstGeom>
+          <a:noFill/>
+          <a:ln>
+            <a:solidFill>
+              <a:schemeClr val="tx1"/>
+            </a:solidFill>
+          </a:ln>
+        </p:spPr>
+        <p:txBody>
+          <a:bodyPr wrap="square" rtlCol="0">
+            <a:spAutoFit/>
+          </a:bodyPr>
+          <a:lstStyle/>
+          <a:p>
+            <a:r>
+              <a:rPr lang="en-CA" sz="1600" dirty="0"/>
+              <a:t>Possible Issues:</a:t>
+            </a:r>
+          </a:p>
+          <a:p>
+            <a:endParaRPr lang="en-CA" sz="1600" dirty="0"/>
+          </a:p>
+          <a:p>
+            <a:r>
+              <a:rPr lang="en-CA" sz="1600" dirty="0"/>
+              <a:t>We may have very different mixes across dayparts and categories between stores.</a:t>
+            </a:r>
+          </a:p>
+          <a:p>
+            <a:endParaRPr lang="en-CA" sz="1600" dirty="0"/>
+          </a:p>
+          <a:p>
+            <a:r>
+              <a:rPr lang="en-CA" sz="1600" dirty="0"/>
+              <a:t>We may have very different mixes within dayparts and categories between stores.</a:t>
+            </a:r>
+          </a:p>
+          <a:p>
+            <a:endParaRPr lang="en-CA" sz="1600" dirty="0"/>
+          </a:p>
+          <a:p>
+            <a:r>
+              <a:rPr lang="en-CA" sz="1600" dirty="0"/>
+              <a:t>We are thinking about: Are there approaches to producing price data that reflect these differences.</a:t>
+            </a:r>
+          </a:p>
+          <a:p>
+            <a:endParaRPr lang="en-CA" sz="1600" dirty="0"/>
+          </a:p>
+        </p:txBody>
+      </p:sp>
+    </p:spTree>
+    <p:extLst>
+      <p:ext uri="{BB962C8B-B14F-4D97-AF65-F5344CB8AC3E}">
+        <p14:creationId xmlns:p14="http://schemas.microsoft.com/office/powerpoint/2010/main" val="1069523795"/>
+      </p:ext>
+    </p:extLst>
+  </p:cSld>
+  <p:clrMapOvr>
+    <a:masterClrMapping/>
+  </p:clrMapOvr>
+  <p:timing>
+    <p:tnLst>
+      <p:par>
+        <p:cTn id="1" dur="indefinite" restart="never" nodeType="tmRoot">
+          <p:childTnLst>
+            <p:seq concurrent="1" nextAc="seek">
+              <p:cTn id="2" dur="indefinite" nodeType="mainSeq">
+                <p:childTnLst>
+                  <p:par>
+                    <p:cTn id="3" fill="hold">
+                      <p:stCondLst>
+                        <p:cond delay="indefinite"/>
+                      </p:stCondLst>
+                      <p:childTnLst>
+                        <p:par>
+                          <p:cTn id="4" fill="hold">
+                            <p:stCondLst>
+                              <p:cond delay="0"/>
+                            </p:stCondLst>
+                            <p:childTnLst>
+                              <p:par>
+                                <p:cTn id="5" presetID="1" presetClass="entr" presetSubtype="0" fill="hold" nodeType="clickEffect">
+                                  <p:stCondLst>
+                                    <p:cond delay="0"/>
+                                  </p:stCondLst>
+                                  <p:childTnLst>
+                                    <p:set>
+                                      <p:cBhvr>
+                                        <p:cTn id="6" dur="1" fill="hold">
+                                          <p:stCondLst>
+                                            <p:cond delay="0"/>
+                                          </p:stCondLst>
+                                        </p:cTn>
+                                        <p:tgtEl>
+                                          <p:spTgt spid="4"/>
+                                        </p:tgtEl>
+                                        <p:attrNameLst>
+                                          <p:attrName>style.visibility</p:attrName>
+                                        </p:attrNameLst>
+                                      </p:cBhvr>
+                                      <p:to>
+                                        <p:strVal val="visible"/>
+                                      </p:to>
+                                    </p:set>
+                                  </p:childTnLst>
+                                </p:cTn>
+                              </p:par>
+                            </p:childTnLst>
+                          </p:cTn>
+                        </p:par>
+                      </p:childTnLst>
+                    </p:cTn>
+                  </p:par>
+                  <p:par>
+                    <p:cTn id="7" fill="hold">
+                      <p:stCondLst>
+                        <p:cond delay="indefinite"/>
+                      </p:stCondLst>
+                      <p:childTnLst>
+                        <p:par>
+                          <p:cTn id="8" fill="hold">
+                            <p:stCondLst>
+                              <p:cond delay="0"/>
+                            </p:stCondLst>
+                            <p:childTnLst>
+                              <p:par>
+                                <p:cTn id="9" presetID="1" presetClass="entr" presetSubtype="0" fill="hold" grpId="0" nodeType="clickEffect">
+                                  <p:stCondLst>
+                                    <p:cond delay="0"/>
+                                  </p:stCondLst>
+                                  <p:childTnLst>
+                                    <p:set>
+                                      <p:cBhvr>
+                                        <p:cTn id="10" dur="1" fill="hold">
+                                          <p:stCondLst>
+                                            <p:cond delay="0"/>
+                                          </p:stCondLst>
+                                        </p:cTn>
+                                        <p:tgtEl>
+                                          <p:spTgt spid="5"/>
+                                        </p:tgtEl>
+                                        <p:attrNameLst>
+                                          <p:attrName>style.visibility</p:attrName>
+                                        </p:attrNameLst>
+                                      </p:cBhvr>
+                                      <p:to>
+                                        <p:strVal val="visible"/>
+                                      </p:to>
+                                    </p:set>
+                                  </p:childTnLst>
+                                </p:cTn>
+                              </p:par>
+                              <p:par>
+                                <p:cTn id="11" presetID="1" presetClass="entr" presetSubtype="0" fill="hold" nodeType="withEffect">
+                                  <p:stCondLst>
+                                    <p:cond delay="0"/>
+                                  </p:stCondLst>
+                                  <p:childTnLst>
+                                    <p:set>
+                                      <p:cBhvr>
+                                        <p:cTn id="12" dur="1" fill="hold">
+                                          <p:stCondLst>
+                                            <p:cond delay="0"/>
+                                          </p:stCondLst>
+                                        </p:cTn>
+                                        <p:tgtEl>
+                                          <p:spTgt spid="5">
+                                            <p:txEl>
+                                              <p:pRg st="0" end="0"/>
+                                            </p:txEl>
+                                          </p:spTgt>
+                                        </p:tgtEl>
+                                        <p:attrNameLst>
+                                          <p:attrName>style.visibility</p:attrName>
+                                        </p:attrNameLst>
+                                      </p:cBhvr>
+                                      <p:to>
+                                        <p:strVal val="visible"/>
+                                      </p:to>
+                                    </p:set>
+                                  </p:childTnLst>
+                                </p:cTn>
+                              </p:par>
+                            </p:childTnLst>
+                          </p:cTn>
+                        </p:par>
+                      </p:childTnLst>
+                    </p:cTn>
+                  </p:par>
+                  <p:par>
+                    <p:cTn id="13" fill="hold">
+                      <p:stCondLst>
+                        <p:cond delay="indefinite"/>
+                      </p:stCondLst>
+                      <p:childTnLst>
+                        <p:par>
+                          <p:cTn id="14" fill="hold">
+                            <p:stCondLst>
+                              <p:cond delay="0"/>
+                            </p:stCondLst>
+                            <p:childTnLst>
+                              <p:par>
+                                <p:cTn id="15" presetID="1" presetClass="entr" presetSubtype="0" fill="hold" nodeType="clickEffect">
+                                  <p:stCondLst>
+                                    <p:cond delay="0"/>
+                                  </p:stCondLst>
+                                  <p:childTnLst>
+                                    <p:set>
+                                      <p:cBhvr>
+                                        <p:cTn id="16" dur="1" fill="hold">
+                                          <p:stCondLst>
+                                            <p:cond delay="0"/>
+                                          </p:stCondLst>
+                                        </p:cTn>
+                                        <p:tgtEl>
+                                          <p:spTgt spid="5">
+                                            <p:txEl>
+                                              <p:pRg st="2" end="2"/>
+                                            </p:txEl>
+                                          </p:spTgt>
+                                        </p:tgtEl>
+                                        <p:attrNameLst>
+                                          <p:attrName>style.visibility</p:attrName>
+                                        </p:attrNameLst>
+                                      </p:cBhvr>
+                                      <p:to>
+                                        <p:strVal val="visible"/>
+                                      </p:to>
+                                    </p:set>
+                                  </p:childTnLst>
+                                </p:cTn>
+                              </p:par>
+                            </p:childTnLst>
+                          </p:cTn>
+                        </p:par>
+                      </p:childTnLst>
+                    </p:cTn>
+                  </p:par>
+                  <p:par>
+                    <p:cTn id="17" fill="hold">
+                      <p:stCondLst>
+                        <p:cond delay="indefinite"/>
+                      </p:stCondLst>
+                      <p:childTnLst>
+                        <p:par>
+                          <p:cTn id="18" fill="hold">
+                            <p:stCondLst>
+                              <p:cond delay="0"/>
+                            </p:stCondLst>
+                            <p:childTnLst>
+                              <p:par>
+                                <p:cTn id="19" presetID="1" presetClass="entr" presetSubtype="0" fill="hold" nodeType="clickEffect">
+                                  <p:stCondLst>
+                                    <p:cond delay="0"/>
+                                  </p:stCondLst>
+                                  <p:childTnLst>
+                                    <p:set>
+                                      <p:cBhvr>
+                                        <p:cTn id="20" dur="1" fill="hold">
+                                          <p:stCondLst>
+                                            <p:cond delay="0"/>
+                                          </p:stCondLst>
+                                        </p:cTn>
+                                        <p:tgtEl>
+                                          <p:spTgt spid="5">
+                                            <p:txEl>
+                                              <p:pRg st="4" end="4"/>
+                                            </p:txEl>
+                                          </p:spTgt>
+                                        </p:tgtEl>
+                                        <p:attrNameLst>
+                                          <p:attrName>style.visibility</p:attrName>
+                                        </p:attrNameLst>
+                                      </p:cBhvr>
+                                      <p:to>
+                                        <p:strVal val="visible"/>
+                                      </p:to>
+                                    </p:set>
+                                  </p:childTnLst>
+                                </p:cTn>
+                              </p:par>
+                            </p:childTnLst>
+                          </p:cTn>
+                        </p:par>
+                      </p:childTnLst>
+                    </p:cTn>
+                  </p:par>
+                  <p:par>
+                    <p:cTn id="21" fill="hold">
+                      <p:stCondLst>
+                        <p:cond delay="indefinite"/>
+                      </p:stCondLst>
+                      <p:childTnLst>
+                        <p:par>
+                          <p:cTn id="22" fill="hold">
+                            <p:stCondLst>
+                              <p:cond delay="0"/>
+                            </p:stCondLst>
+                            <p:childTnLst>
+                              <p:par>
+                                <p:cTn id="23" presetID="1" presetClass="entr" presetSubtype="0" fill="hold" nodeType="clickEffect">
+                                  <p:stCondLst>
+                                    <p:cond delay="0"/>
+                                  </p:stCondLst>
+                                  <p:childTnLst>
+                                    <p:set>
+                                      <p:cBhvr>
+                                        <p:cTn id="24" dur="1" fill="hold">
+                                          <p:stCondLst>
+                                            <p:cond delay="0"/>
+                                          </p:stCondLst>
+                                        </p:cTn>
+                                        <p:tgtEl>
+                                          <p:spTgt spid="5">
+                                            <p:txEl>
+                                              <p:pRg st="6" end="6"/>
+                                            </p:txEl>
+                                          </p:spTgt>
+                                        </p:tgtEl>
+                                        <p:attrNameLst>
+                                          <p:attrName>style.visibility</p:attrName>
+                                        </p:attrNameLst>
+                                      </p:cBhvr>
+                                      <p:to>
+                                        <p:strVal val="visible"/>
+                                      </p:to>
+                                    </p:set>
+                                  </p:childTnLst>
+                                </p:cTn>
+                              </p:par>
+                            </p:childTnLst>
+                          </p:cTn>
+                        </p:par>
+                      </p:childTnLst>
+                    </p:cTn>
+                  </p:par>
+                </p:childTnLst>
+              </p:cTn>
+              <p:prevCondLst>
+                <p:cond evt="onPrev" delay="0">
+                  <p:tgtEl>
+                    <p:sldTgt/>
+                  </p:tgtEl>
+                </p:cond>
+              </p:prevCondLst>
+              <p:nextCondLst>
+                <p:cond evt="onNext" delay="0">
+                  <p:tgtEl>
+                    <p:sldTgt/>
+                  </p:tgtEl>
+                </p:cond>
+              </p:nextCondLst>
+            </p:seq>
+          </p:childTnLst>
+        </p:cTn>
+      </p:par>
+    </p:tnLst>
+    <p:bldLst>
+      <p:bldP spid="5" grpId="0" animBg="1"/>
+    </p:bldLst>
+  </p:timing>
+</p:sld>
+</file>
+
+<file path=ppt/slides/slide18.xml><?xml version="1.0" encoding="utf-8"?>
 <p:sld xmlns:a="http://schemas.openxmlformats.org/drawingml/2006/main" xmlns:r="http://schemas.openxmlformats.org/officeDocument/2006/relationships" xmlns:p="http://schemas.openxmlformats.org/presentationml/2006/main">
   <p:cSld>
     <p:spTree>
@@ -3841,7 +6426,7 @@
                   <a:srgbClr val="1C1F33"/>
                 </a:solidFill>
               </a:rPr>
-              <a:t>Beyond Joe’s issues, a five-point framework might be helpful in uncovering further pricing-related opportunity.</a:t>
+              <a:t>Beyond Joe’s issues, a five-point framework might be useful in uncovering further pricing-related opportunity.</a:t>
             </a:r>
             <a:endParaRPr lang="en-CA" sz="2900" dirty="0"/>
           </a:p>
@@ -3861,8 +6446,8 @@
         </p:nvSpPr>
         <p:spPr>
           <a:xfrm>
-            <a:off x="189415" y="1933306"/>
-            <a:ext cx="2135777" cy="2862322"/>
+            <a:off x="215532" y="1693607"/>
+            <a:ext cx="2135777" cy="3970318"/>
           </a:xfrm>
           <a:prstGeom prst="rect">
             <a:avLst/>
@@ -3881,58 +6466,63 @@
           <a:lstStyle/>
           <a:p>
             <a:r>
-              <a:rPr lang="en-CA" dirty="0" err="1"/>
-              <a:t>Eee</a:t>
-            </a:r>
-            <a:endParaRPr lang="en-CA" dirty="0"/>
-          </a:p>
-          <a:p>
+              <a:rPr lang="en-CA" b="1" dirty="0">
+                <a:solidFill>
+                  <a:srgbClr val="1C1F33"/>
+                </a:solidFill>
+              </a:rPr>
+              <a:t>Advancing Customer Insights:</a:t>
+            </a:r>
+          </a:p>
+          <a:p>
+            <a:pPr marL="177800" indent="-177800">
+              <a:buFont typeface="Arial" panose="020B0604020202020204" pitchFamily="34" charset="0"/>
+              <a:buChar char="•"/>
+            </a:pPr>
             <a:r>
               <a:rPr lang="en-CA" dirty="0"/>
-              <a:t>Dd</a:t>
-            </a:r>
-          </a:p>
-          <a:p>
+              <a:t>customer segmentation</a:t>
+            </a:r>
+          </a:p>
+          <a:p>
+            <a:pPr marL="177800" indent="-177800">
+              <a:buFont typeface="Arial" panose="020B0604020202020204" pitchFamily="34" charset="0"/>
+              <a:buChar char="•"/>
+            </a:pPr>
             <a:r>
               <a:rPr lang="en-CA" dirty="0"/>
-              <a:t>D</a:t>
-            </a:r>
-          </a:p>
-          <a:p>
+              <a:t>buying group mapping</a:t>
+            </a:r>
+          </a:p>
+          <a:p>
+            <a:pPr marL="177800" indent="-177800">
+              <a:buFont typeface="Arial" panose="020B0604020202020204" pitchFamily="34" charset="0"/>
+              <a:buChar char="•"/>
+            </a:pPr>
             <a:r>
               <a:rPr lang="en-CA" dirty="0"/>
-              <a:t>D</a:t>
-            </a:r>
-          </a:p>
-          <a:p>
+              <a:t>customer value criteria identification and assessment</a:t>
+            </a:r>
+          </a:p>
+          <a:p>
+            <a:pPr marL="177800" indent="-177800">
+              <a:buFont typeface="Arial" panose="020B0604020202020204" pitchFamily="34" charset="0"/>
+              <a:buChar char="•"/>
+            </a:pPr>
             <a:r>
               <a:rPr lang="en-CA" dirty="0"/>
-              <a:t>Dd</a:t>
-            </a:r>
-          </a:p>
-          <a:p>
+              <a:t>economic value modelling</a:t>
+            </a:r>
+          </a:p>
+          <a:p>
+            <a:pPr marL="177800" indent="-177800">
+              <a:buFont typeface="Arial" panose="020B0604020202020204" pitchFamily="34" charset="0"/>
+              <a:buChar char="•"/>
+            </a:pPr>
             <a:r>
               <a:rPr lang="en-CA" dirty="0"/>
-              <a:t>D</a:t>
-            </a:r>
-          </a:p>
-          <a:p>
-            <a:r>
-              <a:rPr lang="en-CA" dirty="0"/>
-              <a:t>Dd</a:t>
-            </a:r>
-          </a:p>
-          <a:p>
-            <a:r>
-              <a:rPr lang="en-CA" dirty="0"/>
-              <a:t>D</a:t>
-            </a:r>
-          </a:p>
-          <a:p>
-            <a:endParaRPr lang="en-CA" dirty="0"/>
-          </a:p>
-          <a:p>
-            <a:endParaRPr lang="en-CA" dirty="0"/>
+              <a:t>price sensitivity estimation</a:t>
+            </a:r>
           </a:p>
         </p:txBody>
       </p:sp>
@@ -3950,8 +6540,8 @@
         </p:nvSpPr>
         <p:spPr>
           <a:xfrm>
-            <a:off x="2602234" y="1933306"/>
-            <a:ext cx="2135777" cy="2862322"/>
+            <a:off x="2628351" y="1693607"/>
+            <a:ext cx="2135777" cy="3970318"/>
           </a:xfrm>
           <a:prstGeom prst="rect">
             <a:avLst/>
@@ -3970,55 +6560,47 @@
           <a:lstStyle/>
           <a:p>
             <a:r>
-              <a:rPr lang="en-CA" dirty="0" err="1"/>
-              <a:t>Eee</a:t>
-            </a:r>
-            <a:endParaRPr lang="en-CA" dirty="0"/>
-          </a:p>
-          <a:p>
+              <a:rPr lang="en-CA" b="1" dirty="0">
+                <a:solidFill>
+                  <a:srgbClr val="1C1F33"/>
+                </a:solidFill>
+              </a:rPr>
+              <a:t>Advancing Price Structure Design:</a:t>
+            </a:r>
+          </a:p>
+          <a:p>
+            <a:pPr marL="177800" indent="-177800">
+              <a:buFont typeface="Arial" panose="020B0604020202020204" pitchFamily="34" charset="0"/>
+              <a:buChar char="•"/>
+            </a:pPr>
             <a:r>
               <a:rPr lang="en-CA" dirty="0"/>
-              <a:t>Dd</a:t>
-            </a:r>
-          </a:p>
-          <a:p>
+              <a:t>price-offer configuration</a:t>
+            </a:r>
+          </a:p>
+          <a:p>
+            <a:pPr marL="177800" indent="-177800">
+              <a:buFont typeface="Arial" panose="020B0604020202020204" pitchFamily="34" charset="0"/>
+              <a:buChar char="•"/>
+            </a:pPr>
             <a:r>
               <a:rPr lang="en-CA" dirty="0"/>
-              <a:t>D</a:t>
-            </a:r>
-          </a:p>
-          <a:p>
+              <a:t>price metrics (i.e. the unit to which a price is applied)</a:t>
+            </a:r>
+          </a:p>
+          <a:p>
+            <a:pPr marL="177800" indent="-177800">
+              <a:buFont typeface="Arial" panose="020B0604020202020204" pitchFamily="34" charset="0"/>
+              <a:buChar char="•"/>
+            </a:pPr>
             <a:r>
               <a:rPr lang="en-CA" dirty="0"/>
-              <a:t>D</a:t>
-            </a:r>
-          </a:p>
-          <a:p>
-            <a:r>
-              <a:rPr lang="en-CA" dirty="0"/>
-              <a:t>Dd</a:t>
-            </a:r>
-          </a:p>
-          <a:p>
-            <a:r>
-              <a:rPr lang="en-CA" dirty="0"/>
-              <a:t>D</a:t>
-            </a:r>
-          </a:p>
-          <a:p>
-            <a:r>
-              <a:rPr lang="en-CA" dirty="0"/>
-              <a:t>Dd</a:t>
-            </a:r>
-          </a:p>
-          <a:p>
-            <a:r>
-              <a:rPr lang="en-CA" dirty="0"/>
-              <a:t>D</a:t>
-            </a:r>
-          </a:p>
-          <a:p>
-            <a:endParaRPr lang="en-CA" dirty="0"/>
+              <a:t>segmentation fences (i.e. </a:t>
+            </a:r>
+            <a:r>
+              <a:rPr lang="en-US" dirty="0"/>
+              <a:t>fixed criteria the customer must meet to qualify for a lower price)</a:t>
+            </a:r>
           </a:p>
           <a:p>
             <a:endParaRPr lang="en-CA" dirty="0"/>
@@ -4039,8 +6621,8 @@
         </p:nvSpPr>
         <p:spPr>
           <a:xfrm>
-            <a:off x="5015053" y="1933306"/>
-            <a:ext cx="2135777" cy="2862322"/>
+            <a:off x="5041170" y="1693607"/>
+            <a:ext cx="2135777" cy="3970318"/>
           </a:xfrm>
           <a:prstGeom prst="rect">
             <a:avLst/>
@@ -4059,52 +6641,57 @@
           <a:lstStyle/>
           <a:p>
             <a:r>
-              <a:rPr lang="en-CA" dirty="0" err="1"/>
-              <a:t>Eee</a:t>
-            </a:r>
+              <a:rPr lang="en-CA" b="1" dirty="0">
+                <a:solidFill>
+                  <a:srgbClr val="1C1F33"/>
+                </a:solidFill>
+              </a:rPr>
+              <a:t>Advancing Price Level Planning:</a:t>
+            </a:r>
+          </a:p>
+          <a:p>
+            <a:pPr marL="177800" indent="-177800">
+              <a:buFont typeface="Arial" panose="020B0604020202020204" pitchFamily="34" charset="0"/>
+              <a:buChar char="•"/>
+            </a:pPr>
+            <a:r>
+              <a:rPr lang="en-CA" dirty="0"/>
+              <a:t>iterating towards price levels that maximize key outcomes</a:t>
+            </a:r>
+          </a:p>
+          <a:p>
+            <a:pPr marL="285750" indent="-285750">
+              <a:buFont typeface="Arial" panose="020B0604020202020204" pitchFamily="34" charset="0"/>
+              <a:buChar char="•"/>
+            </a:pPr>
             <a:endParaRPr lang="en-CA" dirty="0"/>
           </a:p>
           <a:p>
-            <a:r>
-              <a:rPr lang="en-CA" dirty="0"/>
-              <a:t>Dd</a:t>
-            </a:r>
-          </a:p>
-          <a:p>
-            <a:r>
-              <a:rPr lang="en-CA" dirty="0"/>
-              <a:t>D</a:t>
-            </a:r>
-          </a:p>
-          <a:p>
-            <a:r>
-              <a:rPr lang="en-CA" dirty="0"/>
-              <a:t>D</a:t>
-            </a:r>
-          </a:p>
-          <a:p>
-            <a:r>
-              <a:rPr lang="en-CA" dirty="0"/>
-              <a:t>Dd</a:t>
-            </a:r>
-          </a:p>
-          <a:p>
-            <a:r>
-              <a:rPr lang="en-CA" dirty="0"/>
-              <a:t>D</a:t>
-            </a:r>
-          </a:p>
-          <a:p>
-            <a:r>
-              <a:rPr lang="en-CA" dirty="0"/>
-              <a:t>Dd</a:t>
-            </a:r>
-          </a:p>
-          <a:p>
-            <a:r>
-              <a:rPr lang="en-CA" dirty="0"/>
-              <a:t>D</a:t>
-            </a:r>
+            <a:pPr marL="285750" indent="-285750">
+              <a:buFont typeface="Arial" panose="020B0604020202020204" pitchFamily="34" charset="0"/>
+              <a:buChar char="•"/>
+            </a:pPr>
+            <a:endParaRPr lang="en-CA" dirty="0"/>
+          </a:p>
+          <a:p>
+            <a:pPr marL="285750" indent="-285750">
+              <a:buFont typeface="Arial" panose="020B0604020202020204" pitchFamily="34" charset="0"/>
+              <a:buChar char="•"/>
+            </a:pPr>
+            <a:endParaRPr lang="en-CA" dirty="0"/>
+          </a:p>
+          <a:p>
+            <a:pPr marL="285750" indent="-285750">
+              <a:buFont typeface="Arial" panose="020B0604020202020204" pitchFamily="34" charset="0"/>
+              <a:buChar char="•"/>
+            </a:pPr>
+            <a:endParaRPr lang="en-CA" dirty="0"/>
+          </a:p>
+          <a:p>
+            <a:endParaRPr lang="en-CA" dirty="0"/>
+          </a:p>
+          <a:p>
+            <a:endParaRPr lang="en-CA" dirty="0"/>
           </a:p>
           <a:p>
             <a:endParaRPr lang="en-CA" dirty="0"/>
@@ -4128,8 +6715,8 @@
         </p:nvSpPr>
         <p:spPr>
           <a:xfrm>
-            <a:off x="7427872" y="1933306"/>
-            <a:ext cx="2135777" cy="2862322"/>
+            <a:off x="7453989" y="1693607"/>
+            <a:ext cx="2135777" cy="3970318"/>
           </a:xfrm>
           <a:prstGeom prst="rect">
             <a:avLst/>
@@ -4148,52 +6735,56 @@
           <a:lstStyle/>
           <a:p>
             <a:r>
-              <a:rPr lang="en-CA" dirty="0" err="1"/>
-              <a:t>Eee</a:t>
-            </a:r>
+              <a:rPr lang="en-CA" b="1" dirty="0">
+                <a:solidFill>
+                  <a:srgbClr val="1C1F33"/>
+                </a:solidFill>
+              </a:rPr>
+              <a:t>Pricing Execution:</a:t>
+            </a:r>
+          </a:p>
+          <a:p>
+            <a:pPr marL="177800" indent="-177800">
+              <a:buFont typeface="Arial" panose="020B0604020202020204" pitchFamily="34" charset="0"/>
+              <a:buChar char="•"/>
+            </a:pPr>
+            <a:r>
+              <a:rPr lang="en-CA" dirty="0"/>
+              <a:t>the approach to communicating price and value</a:t>
+            </a:r>
+          </a:p>
+          <a:p>
+            <a:pPr marL="177800" indent="-177800">
+              <a:buFont typeface="Arial" panose="020B0604020202020204" pitchFamily="34" charset="0"/>
+              <a:buChar char="•"/>
+            </a:pPr>
+            <a:r>
+              <a:rPr lang="en-CA" dirty="0"/>
+              <a:t>pricing policy</a:t>
+            </a:r>
+          </a:p>
+          <a:p>
+            <a:pPr marL="177800" indent="-177800">
+              <a:buFont typeface="Arial" panose="020B0604020202020204" pitchFamily="34" charset="0"/>
+              <a:buChar char="•"/>
+            </a:pPr>
+            <a:r>
+              <a:rPr lang="en-CA" dirty="0"/>
+              <a:t>approach to assessing pricing performance</a:t>
+            </a:r>
+          </a:p>
+          <a:p>
+            <a:pPr marL="177800" indent="-177800">
+              <a:buFont typeface="Arial" panose="020B0604020202020204" pitchFamily="34" charset="0"/>
+              <a:buChar char="•"/>
+            </a:pPr>
+            <a:r>
+              <a:rPr lang="en-CA" dirty="0"/>
+              <a:t>approach to collecting relevant external data</a:t>
+            </a:r>
+          </a:p>
+          <a:p>
             <a:endParaRPr lang="en-CA" dirty="0"/>
-          </a:p>
-          <a:p>
-            <a:r>
-              <a:rPr lang="en-CA" dirty="0"/>
-              <a:t>Dd</a:t>
-            </a:r>
-          </a:p>
-          <a:p>
-            <a:r>
-              <a:rPr lang="en-CA" dirty="0"/>
-              <a:t>D</a:t>
-            </a:r>
-          </a:p>
-          <a:p>
-            <a:r>
-              <a:rPr lang="en-CA" dirty="0"/>
-              <a:t>D</a:t>
-            </a:r>
-          </a:p>
-          <a:p>
-            <a:r>
-              <a:rPr lang="en-CA" dirty="0"/>
-              <a:t>Dd</a:t>
-            </a:r>
-          </a:p>
-          <a:p>
-            <a:r>
-              <a:rPr lang="en-CA" dirty="0"/>
-              <a:t>D</a:t>
-            </a:r>
-          </a:p>
-          <a:p>
-            <a:r>
-              <a:rPr lang="en-CA" dirty="0"/>
-              <a:t>Dd</a:t>
-            </a:r>
-          </a:p>
-          <a:p>
-            <a:r>
-              <a:rPr lang="en-CA" dirty="0"/>
-              <a:t>D</a:t>
-            </a:r>
           </a:p>
           <a:p>
             <a:endParaRPr lang="en-CA" dirty="0"/>
@@ -4217,8 +6808,8 @@
         </p:nvSpPr>
         <p:spPr>
           <a:xfrm>
-            <a:off x="9840691" y="1933306"/>
-            <a:ext cx="2135777" cy="2862322"/>
+            <a:off x="9840691" y="1693607"/>
+            <a:ext cx="2135777" cy="3970318"/>
           </a:xfrm>
           <a:prstGeom prst="rect">
             <a:avLst/>
@@ -4237,57 +6828,53 @@
           <a:lstStyle/>
           <a:p>
             <a:r>
-              <a:rPr lang="en-CA" dirty="0" err="1"/>
-              <a:t>Eee</a:t>
-            </a:r>
-            <a:endParaRPr lang="en-CA" dirty="0"/>
-          </a:p>
-          <a:p>
+              <a:rPr lang="en-CA" b="1" dirty="0">
+                <a:solidFill>
+                  <a:srgbClr val="1C1F33"/>
+                </a:solidFill>
+              </a:rPr>
+              <a:t>Influencing More Favourable Industry-level Pricing Conduct:</a:t>
+            </a:r>
+          </a:p>
+          <a:p>
+            <a:pPr marL="177800" indent="-177800">
+              <a:buFont typeface="Arial" panose="020B0604020202020204" pitchFamily="34" charset="0"/>
+              <a:buChar char="•"/>
+            </a:pPr>
             <a:r>
               <a:rPr lang="en-CA" dirty="0"/>
-              <a:t>Dd</a:t>
-            </a:r>
-          </a:p>
-          <a:p>
+              <a:t>profit and culture</a:t>
+            </a:r>
+          </a:p>
+          <a:p>
+            <a:pPr marL="177800" indent="-177800">
+              <a:buFont typeface="Arial" panose="020B0604020202020204" pitchFamily="34" charset="0"/>
+              <a:buChar char="•"/>
+            </a:pPr>
             <a:r>
               <a:rPr lang="en-CA" dirty="0"/>
-              <a:t>D</a:t>
-            </a:r>
-          </a:p>
-          <a:p>
+              <a:t>monitoring competitor actions</a:t>
+            </a:r>
+          </a:p>
+          <a:p>
+            <a:pPr marL="177800" indent="-177800">
+              <a:buFont typeface="Arial" panose="020B0604020202020204" pitchFamily="34" charset="0"/>
+              <a:buChar char="•"/>
+            </a:pPr>
             <a:r>
               <a:rPr lang="en-CA" dirty="0"/>
-              <a:t>D</a:t>
-            </a:r>
-          </a:p>
-          <a:p>
-            <a:r>
-              <a:rPr lang="en-CA" dirty="0"/>
-              <a:t>Dd</a:t>
-            </a:r>
-          </a:p>
-          <a:p>
-            <a:r>
-              <a:rPr lang="en-CA" dirty="0"/>
-              <a:t>D</a:t>
-            </a:r>
-          </a:p>
-          <a:p>
-            <a:r>
-              <a:rPr lang="en-CA" dirty="0"/>
-              <a:t>Dd</a:t>
-            </a:r>
-          </a:p>
-          <a:p>
-            <a:r>
-              <a:rPr lang="en-CA" dirty="0"/>
-              <a:t>D</a:t>
-            </a:r>
-          </a:p>
-          <a:p>
-            <a:endParaRPr lang="en-CA" dirty="0"/>
-          </a:p>
-          <a:p>
+              <a:t>pursuing constructive cooperation</a:t>
+            </a:r>
+          </a:p>
+          <a:p>
+            <a:pPr marL="177800" indent="-177800">
+              <a:buFont typeface="Arial" panose="020B0604020202020204" pitchFamily="34" charset="0"/>
+              <a:buChar char="•"/>
+            </a:pPr>
+            <a:r>
+              <a:rPr lang="en-US" dirty="0"/>
+              <a:t>selectively increasing price transparency</a:t>
+            </a:r>
             <a:endParaRPr lang="en-CA" dirty="0"/>
           </a:p>
         </p:txBody>
@@ -4302,10 +6889,570 @@
   <p:clrMapOvr>
     <a:masterClrMapping/>
   </p:clrMapOvr>
+  <p:timing>
+    <p:tnLst>
+      <p:par>
+        <p:cTn id="1" dur="indefinite" restart="never" nodeType="tmRoot">
+          <p:childTnLst>
+            <p:seq concurrent="1" nextAc="seek">
+              <p:cTn id="2" dur="indefinite" nodeType="mainSeq">
+                <p:childTnLst>
+                  <p:par>
+                    <p:cTn id="3" fill="hold">
+                      <p:stCondLst>
+                        <p:cond delay="indefinite"/>
+                      </p:stCondLst>
+                      <p:childTnLst>
+                        <p:par>
+                          <p:cTn id="4" fill="hold">
+                            <p:stCondLst>
+                              <p:cond delay="0"/>
+                            </p:stCondLst>
+                            <p:childTnLst>
+                              <p:par>
+                                <p:cTn id="5" presetID="1" presetClass="entr" presetSubtype="0" fill="hold" grpId="0" nodeType="clickEffect">
+                                  <p:stCondLst>
+                                    <p:cond delay="0"/>
+                                  </p:stCondLst>
+                                  <p:childTnLst>
+                                    <p:set>
+                                      <p:cBhvr>
+                                        <p:cTn id="6" dur="1" fill="hold">
+                                          <p:stCondLst>
+                                            <p:cond delay="0"/>
+                                          </p:stCondLst>
+                                        </p:cTn>
+                                        <p:tgtEl>
+                                          <p:spTgt spid="3"/>
+                                        </p:tgtEl>
+                                        <p:attrNameLst>
+                                          <p:attrName>style.visibility</p:attrName>
+                                        </p:attrNameLst>
+                                      </p:cBhvr>
+                                      <p:to>
+                                        <p:strVal val="visible"/>
+                                      </p:to>
+                                    </p:set>
+                                  </p:childTnLst>
+                                </p:cTn>
+                              </p:par>
+                            </p:childTnLst>
+                          </p:cTn>
+                        </p:par>
+                      </p:childTnLst>
+                    </p:cTn>
+                  </p:par>
+                  <p:par>
+                    <p:cTn id="7" fill="hold">
+                      <p:stCondLst>
+                        <p:cond delay="indefinite"/>
+                      </p:stCondLst>
+                      <p:childTnLst>
+                        <p:par>
+                          <p:cTn id="8" fill="hold">
+                            <p:stCondLst>
+                              <p:cond delay="0"/>
+                            </p:stCondLst>
+                            <p:childTnLst>
+                              <p:par>
+                                <p:cTn id="9" presetID="1" presetClass="entr" presetSubtype="0" fill="hold" grpId="0" nodeType="clickEffect">
+                                  <p:stCondLst>
+                                    <p:cond delay="0"/>
+                                  </p:stCondLst>
+                                  <p:childTnLst>
+                                    <p:set>
+                                      <p:cBhvr>
+                                        <p:cTn id="10" dur="1" fill="hold">
+                                          <p:stCondLst>
+                                            <p:cond delay="0"/>
+                                          </p:stCondLst>
+                                        </p:cTn>
+                                        <p:tgtEl>
+                                          <p:spTgt spid="4"/>
+                                        </p:tgtEl>
+                                        <p:attrNameLst>
+                                          <p:attrName>style.visibility</p:attrName>
+                                        </p:attrNameLst>
+                                      </p:cBhvr>
+                                      <p:to>
+                                        <p:strVal val="visible"/>
+                                      </p:to>
+                                    </p:set>
+                                  </p:childTnLst>
+                                </p:cTn>
+                              </p:par>
+                            </p:childTnLst>
+                          </p:cTn>
+                        </p:par>
+                      </p:childTnLst>
+                    </p:cTn>
+                  </p:par>
+                  <p:par>
+                    <p:cTn id="11" fill="hold">
+                      <p:stCondLst>
+                        <p:cond delay="indefinite"/>
+                      </p:stCondLst>
+                      <p:childTnLst>
+                        <p:par>
+                          <p:cTn id="12" fill="hold">
+                            <p:stCondLst>
+                              <p:cond delay="0"/>
+                            </p:stCondLst>
+                            <p:childTnLst>
+                              <p:par>
+                                <p:cTn id="13" presetID="1" presetClass="entr" presetSubtype="0" fill="hold" grpId="0" nodeType="clickEffect">
+                                  <p:stCondLst>
+                                    <p:cond delay="0"/>
+                                  </p:stCondLst>
+                                  <p:childTnLst>
+                                    <p:set>
+                                      <p:cBhvr>
+                                        <p:cTn id="14" dur="1" fill="hold">
+                                          <p:stCondLst>
+                                            <p:cond delay="0"/>
+                                          </p:stCondLst>
+                                        </p:cTn>
+                                        <p:tgtEl>
+                                          <p:spTgt spid="5"/>
+                                        </p:tgtEl>
+                                        <p:attrNameLst>
+                                          <p:attrName>style.visibility</p:attrName>
+                                        </p:attrNameLst>
+                                      </p:cBhvr>
+                                      <p:to>
+                                        <p:strVal val="visible"/>
+                                      </p:to>
+                                    </p:set>
+                                  </p:childTnLst>
+                                </p:cTn>
+                              </p:par>
+                            </p:childTnLst>
+                          </p:cTn>
+                        </p:par>
+                      </p:childTnLst>
+                    </p:cTn>
+                  </p:par>
+                  <p:par>
+                    <p:cTn id="15" fill="hold">
+                      <p:stCondLst>
+                        <p:cond delay="indefinite"/>
+                      </p:stCondLst>
+                      <p:childTnLst>
+                        <p:par>
+                          <p:cTn id="16" fill="hold">
+                            <p:stCondLst>
+                              <p:cond delay="0"/>
+                            </p:stCondLst>
+                            <p:childTnLst>
+                              <p:par>
+                                <p:cTn id="17" presetID="1" presetClass="entr" presetSubtype="0" fill="hold" grpId="0" nodeType="clickEffect">
+                                  <p:stCondLst>
+                                    <p:cond delay="0"/>
+                                  </p:stCondLst>
+                                  <p:childTnLst>
+                                    <p:set>
+                                      <p:cBhvr>
+                                        <p:cTn id="18" dur="1" fill="hold">
+                                          <p:stCondLst>
+                                            <p:cond delay="0"/>
+                                          </p:stCondLst>
+                                        </p:cTn>
+                                        <p:tgtEl>
+                                          <p:spTgt spid="6"/>
+                                        </p:tgtEl>
+                                        <p:attrNameLst>
+                                          <p:attrName>style.visibility</p:attrName>
+                                        </p:attrNameLst>
+                                      </p:cBhvr>
+                                      <p:to>
+                                        <p:strVal val="visible"/>
+                                      </p:to>
+                                    </p:set>
+                                  </p:childTnLst>
+                                </p:cTn>
+                              </p:par>
+                            </p:childTnLst>
+                          </p:cTn>
+                        </p:par>
+                      </p:childTnLst>
+                    </p:cTn>
+                  </p:par>
+                  <p:par>
+                    <p:cTn id="19" fill="hold">
+                      <p:stCondLst>
+                        <p:cond delay="indefinite"/>
+                      </p:stCondLst>
+                      <p:childTnLst>
+                        <p:par>
+                          <p:cTn id="20" fill="hold">
+                            <p:stCondLst>
+                              <p:cond delay="0"/>
+                            </p:stCondLst>
+                            <p:childTnLst>
+                              <p:par>
+                                <p:cTn id="21" presetID="1" presetClass="entr" presetSubtype="0" fill="hold" grpId="0" nodeType="clickEffect">
+                                  <p:stCondLst>
+                                    <p:cond delay="0"/>
+                                  </p:stCondLst>
+                                  <p:childTnLst>
+                                    <p:set>
+                                      <p:cBhvr>
+                                        <p:cTn id="22" dur="1" fill="hold">
+                                          <p:stCondLst>
+                                            <p:cond delay="0"/>
+                                          </p:stCondLst>
+                                        </p:cTn>
+                                        <p:tgtEl>
+                                          <p:spTgt spid="7"/>
+                                        </p:tgtEl>
+                                        <p:attrNameLst>
+                                          <p:attrName>style.visibility</p:attrName>
+                                        </p:attrNameLst>
+                                      </p:cBhvr>
+                                      <p:to>
+                                        <p:strVal val="visible"/>
+                                      </p:to>
+                                    </p:set>
+                                  </p:childTnLst>
+                                </p:cTn>
+                              </p:par>
+                            </p:childTnLst>
+                          </p:cTn>
+                        </p:par>
+                      </p:childTnLst>
+                    </p:cTn>
+                  </p:par>
+                </p:childTnLst>
+              </p:cTn>
+              <p:prevCondLst>
+                <p:cond evt="onPrev" delay="0">
+                  <p:tgtEl>
+                    <p:sldTgt/>
+                  </p:tgtEl>
+                </p:cond>
+              </p:prevCondLst>
+              <p:nextCondLst>
+                <p:cond evt="onNext" delay="0">
+                  <p:tgtEl>
+                    <p:sldTgt/>
+                  </p:tgtEl>
+                </p:cond>
+              </p:nextCondLst>
+            </p:seq>
+          </p:childTnLst>
+        </p:cTn>
+      </p:par>
+    </p:tnLst>
+    <p:bldLst>
+      <p:bldP spid="3" grpId="0" animBg="1"/>
+      <p:bldP spid="4" grpId="0" animBg="1"/>
+      <p:bldP spid="5" grpId="0" animBg="1"/>
+      <p:bldP spid="6" grpId="0" animBg="1"/>
+      <p:bldP spid="7" grpId="0" animBg="1"/>
+    </p:bldLst>
+  </p:timing>
 </p:sld>
 </file>
 
-<file path=ppt/slides/slide17.xml><?xml version="1.0" encoding="utf-8"?>
+<file path=ppt/slides/slide19.xml><?xml version="1.0" encoding="utf-8"?>
+<p:sld xmlns:a="http://schemas.openxmlformats.org/drawingml/2006/main" xmlns:r="http://schemas.openxmlformats.org/officeDocument/2006/relationships" xmlns:p="http://schemas.openxmlformats.org/presentationml/2006/main">
+  <p:cSld>
+    <p:spTree>
+      <p:nvGrpSpPr>
+        <p:cNvPr id="1" name=""/>
+        <p:cNvGrpSpPr/>
+        <p:nvPr/>
+      </p:nvGrpSpPr>
+      <p:grpSpPr>
+        <a:xfrm>
+          <a:off x="0" y="0"/>
+          <a:ext cx="0" cy="0"/>
+          <a:chOff x="0" y="0"/>
+          <a:chExt cx="0" cy="0"/>
+        </a:xfrm>
+      </p:grpSpPr>
+      <p:sp>
+        <p:nvSpPr>
+          <p:cNvPr id="2" name="Title 1">
+            <a:extLst>
+              <a:ext uri="{FF2B5EF4-FFF2-40B4-BE49-F238E27FC236}">
+                <a16:creationId xmlns:a16="http://schemas.microsoft.com/office/drawing/2014/main" id="{D313FB9C-0C38-BDAB-F142-33EBEF359DE6}"/>
+              </a:ext>
+            </a:extLst>
+          </p:cNvPr>
+          <p:cNvSpPr txBox="1">
+            <a:spLocks/>
+          </p:cNvSpPr>
+          <p:nvPr/>
+        </p:nvSpPr>
+        <p:spPr>
+          <a:xfrm>
+            <a:off x="3273878" y="1900649"/>
+            <a:ext cx="5631180" cy="1528351"/>
+          </a:xfrm>
+          <a:prstGeom prst="rect">
+            <a:avLst/>
+          </a:prstGeom>
+        </p:spPr>
+        <p:txBody>
+          <a:bodyPr/>
+          <a:lstStyle>
+            <a:lvl1pPr algn="l" defTabSz="914400" rtl="0" eaLnBrk="1" latinLnBrk="0" hangingPunct="1">
+              <a:lnSpc>
+                <a:spcPct val="90000"/>
+              </a:lnSpc>
+              <a:spcBef>
+                <a:spcPct val="0"/>
+              </a:spcBef>
+              <a:buNone/>
+              <a:defRPr sz="3000" i="0" kern="1200" spc="-50" baseline="0">
+                <a:solidFill>
+                  <a:schemeClr val="tx1">
+                    <a:lumMod val="75000"/>
+                    <a:lumOff val="25000"/>
+                  </a:schemeClr>
+                </a:solidFill>
+                <a:latin typeface="+mj-lt"/>
+                <a:ea typeface="+mj-ea"/>
+                <a:cs typeface="+mj-cs"/>
+              </a:defRPr>
+            </a:lvl1pPr>
+          </a:lstStyle>
+          <a:p>
+            <a:pPr algn="ctr">
+              <a:lnSpc>
+                <a:spcPct val="150000"/>
+              </a:lnSpc>
+            </a:pPr>
+            <a:r>
+              <a:rPr lang="en-CA" dirty="0">
+                <a:solidFill>
+                  <a:srgbClr val="1C1F33"/>
+                </a:solidFill>
+                <a:latin typeface="+mn-lt"/>
+              </a:rPr>
+              <a:t>The </a:t>
+            </a:r>
+            <a:r>
+              <a:rPr lang="en-CA" u="sng" dirty="0">
+                <a:solidFill>
+                  <a:srgbClr val="1C1F33"/>
+                </a:solidFill>
+                <a:latin typeface="+mn-lt"/>
+              </a:rPr>
+              <a:t>Decision Inventory </a:t>
+            </a:r>
+            <a:r>
+              <a:rPr lang="en-CA" dirty="0">
+                <a:solidFill>
+                  <a:srgbClr val="1C1F33"/>
+                </a:solidFill>
+                <a:latin typeface="+mn-lt"/>
+              </a:rPr>
+              <a:t>as a </a:t>
+            </a:r>
+            <a:br>
+              <a:rPr lang="en-CA" dirty="0">
+                <a:solidFill>
+                  <a:srgbClr val="1C1F33"/>
+                </a:solidFill>
+                <a:latin typeface="+mn-lt"/>
+              </a:rPr>
+            </a:br>
+            <a:r>
+              <a:rPr lang="en-CA" dirty="0">
+                <a:solidFill>
+                  <a:srgbClr val="1C1F33"/>
+                </a:solidFill>
+                <a:latin typeface="+mn-lt"/>
+              </a:rPr>
+              <a:t>Tool for Uncovering Opportunities.</a:t>
+            </a:r>
+            <a:endParaRPr lang="en-CA" dirty="0">
+              <a:latin typeface="+mn-lt"/>
+            </a:endParaRPr>
+          </a:p>
+        </p:txBody>
+      </p:sp>
+    </p:spTree>
+    <p:extLst>
+      <p:ext uri="{BB962C8B-B14F-4D97-AF65-F5344CB8AC3E}">
+        <p14:creationId xmlns:p14="http://schemas.microsoft.com/office/powerpoint/2010/main" val="2378188436"/>
+      </p:ext>
+    </p:extLst>
+  </p:cSld>
+  <p:clrMapOvr>
+    <a:masterClrMapping/>
+  </p:clrMapOvr>
+</p:sld>
+</file>
+
+<file path=ppt/slides/slide2.xml><?xml version="1.0" encoding="utf-8"?>
+<p:sld xmlns:a="http://schemas.openxmlformats.org/drawingml/2006/main" xmlns:r="http://schemas.openxmlformats.org/officeDocument/2006/relationships" xmlns:p="http://schemas.openxmlformats.org/presentationml/2006/main">
+  <p:cSld>
+    <p:spTree>
+      <p:nvGrpSpPr>
+        <p:cNvPr id="1" name=""/>
+        <p:cNvGrpSpPr/>
+        <p:nvPr/>
+      </p:nvGrpSpPr>
+      <p:grpSpPr>
+        <a:xfrm>
+          <a:off x="0" y="0"/>
+          <a:ext cx="0" cy="0"/>
+          <a:chOff x="0" y="0"/>
+          <a:chExt cx="0" cy="0"/>
+        </a:xfrm>
+      </p:grpSpPr>
+      <p:sp>
+        <p:nvSpPr>
+          <p:cNvPr id="2" name="Title 1">
+            <a:extLst>
+              <a:ext uri="{FF2B5EF4-FFF2-40B4-BE49-F238E27FC236}">
+                <a16:creationId xmlns:a16="http://schemas.microsoft.com/office/drawing/2014/main" id="{1BAC5A16-1B97-17CC-4604-B1A64E71D26A}"/>
+              </a:ext>
+            </a:extLst>
+          </p:cNvPr>
+          <p:cNvSpPr>
+            <a:spLocks noGrp="1"/>
+          </p:cNvSpPr>
+          <p:nvPr>
+            <p:ph type="title"/>
+          </p:nvPr>
+        </p:nvSpPr>
+        <p:spPr/>
+        <p:txBody>
+          <a:bodyPr/>
+          <a:lstStyle/>
+          <a:p>
+            <a:r>
+              <a:rPr lang="en-CA" dirty="0"/>
+              <a:t>Agenda</a:t>
+            </a:r>
+          </a:p>
+        </p:txBody>
+      </p:sp>
+      <p:sp>
+        <p:nvSpPr>
+          <p:cNvPr id="3" name="Content Placeholder 2">
+            <a:extLst>
+              <a:ext uri="{FF2B5EF4-FFF2-40B4-BE49-F238E27FC236}">
+                <a16:creationId xmlns:a16="http://schemas.microsoft.com/office/drawing/2014/main" id="{3550A247-225E-2D40-C178-76F2B5E3C7F9}"/>
+              </a:ext>
+            </a:extLst>
+          </p:cNvPr>
+          <p:cNvSpPr>
+            <a:spLocks noGrp="1"/>
+          </p:cNvSpPr>
+          <p:nvPr>
+            <p:ph idx="1"/>
+          </p:nvPr>
+        </p:nvSpPr>
+        <p:spPr/>
+        <p:txBody>
+          <a:bodyPr/>
+          <a:lstStyle/>
+          <a:p>
+            <a:pPr marL="358775" indent="-358775">
+              <a:buClr>
+                <a:srgbClr val="1C1F33"/>
+              </a:buClr>
+              <a:buFont typeface="+mj-lt"/>
+              <a:buAutoNum type="arabicPeriod"/>
+            </a:pPr>
+            <a:r>
+              <a:rPr lang="en-CA" dirty="0">
+                <a:solidFill>
+                  <a:srgbClr val="1C1F33"/>
+                </a:solidFill>
+              </a:rPr>
+              <a:t>A review of the input data</a:t>
+            </a:r>
+          </a:p>
+          <a:p>
+            <a:pPr marL="358775" indent="-358775">
+              <a:buClr>
+                <a:srgbClr val="1C1F33"/>
+              </a:buClr>
+              <a:buFont typeface="+mj-lt"/>
+              <a:buAutoNum type="arabicPeriod"/>
+            </a:pPr>
+            <a:r>
+              <a:rPr lang="en-CA" dirty="0">
+                <a:solidFill>
+                  <a:srgbClr val="1C1F33"/>
+                </a:solidFill>
+              </a:rPr>
+              <a:t>A review of the questions</a:t>
+            </a:r>
+          </a:p>
+          <a:p>
+            <a:pPr marL="358775" indent="-358775">
+              <a:buClr>
+                <a:srgbClr val="1C1F33"/>
+              </a:buClr>
+              <a:buFont typeface="+mj-lt"/>
+              <a:buAutoNum type="arabicPeriod"/>
+            </a:pPr>
+            <a:r>
+              <a:rPr lang="en-CA" dirty="0">
+                <a:solidFill>
+                  <a:srgbClr val="1C1F33"/>
+                </a:solidFill>
+              </a:rPr>
+              <a:t>My read on what the data indicates in terms of answers – and further questions</a:t>
+            </a:r>
+          </a:p>
+          <a:p>
+            <a:pPr marL="358775" indent="-358775">
+              <a:buClr>
+                <a:srgbClr val="1C1F33"/>
+              </a:buClr>
+              <a:buFont typeface="+mj-lt"/>
+              <a:buAutoNum type="arabicPeriod"/>
+            </a:pPr>
+            <a:r>
+              <a:rPr lang="en-CA" dirty="0">
+                <a:solidFill>
+                  <a:srgbClr val="1C1F33"/>
+                </a:solidFill>
+              </a:rPr>
+              <a:t>Some thoughts on possible further areas of pricing opportunity</a:t>
+            </a:r>
+          </a:p>
+          <a:p>
+            <a:pPr marL="358775" indent="-358775">
+              <a:buClr>
+                <a:srgbClr val="1C1F33"/>
+              </a:buClr>
+              <a:buFont typeface="+mj-lt"/>
+              <a:buAutoNum type="arabicPeriod"/>
+            </a:pPr>
+            <a:r>
+              <a:rPr lang="en-CA" dirty="0">
+                <a:solidFill>
+                  <a:srgbClr val="1C1F33"/>
+                </a:solidFill>
+              </a:rPr>
+              <a:t>A bonus topic</a:t>
+            </a:r>
+          </a:p>
+        </p:txBody>
+      </p:sp>
+    </p:spTree>
+    <p:extLst>
+      <p:ext uri="{BB962C8B-B14F-4D97-AF65-F5344CB8AC3E}">
+        <p14:creationId xmlns:p14="http://schemas.microsoft.com/office/powerpoint/2010/main" val="601936476"/>
+      </p:ext>
+    </p:extLst>
+  </p:cSld>
+  <p:clrMapOvr>
+    <a:masterClrMapping/>
+  </p:clrMapOvr>
+</p:sld>
+</file>
+
+<file path=ppt/slides/slide20.xml><?xml version="1.0" encoding="utf-8"?>
 <p:sld xmlns:a="http://schemas.openxmlformats.org/drawingml/2006/main" xmlns:r="http://schemas.openxmlformats.org/officeDocument/2006/relationships" xmlns:p="http://schemas.openxmlformats.org/presentationml/2006/main">
   <p:cSld>
     <p:spTree>
@@ -4354,7 +7501,7 @@
                   <a:srgbClr val="1C1F33"/>
                 </a:solidFill>
               </a:rPr>
-              <a:t>Forecasting: The limited amount of data and the small amount of signal in the data make forecasting a challenge.</a:t>
+              <a:t>Re forecasting: The limited amount of data and the small amount of signal in the data make forecasting a challenge.</a:t>
             </a:r>
             <a:endParaRPr lang="en-CA" sz="2900" dirty="0"/>
           </a:p>
@@ -4395,7 +7542,7 @@
           <a:p>
             <a:r>
               <a:rPr lang="en-CA" sz="1600" dirty="0"/>
-              <a:t>Some opportunities:</a:t>
+              <a:t>Some possible opportunities:</a:t>
             </a:r>
           </a:p>
           <a:p>
@@ -4445,7 +7592,7 @@
             </a:pPr>
             <a:r>
               <a:rPr lang="en-CA" sz="1600" dirty="0"/>
-              <a:t>model evaluation</a:t>
+              <a:t>with more signal, look at time series models beyond seasonal naive</a:t>
             </a:r>
           </a:p>
           <a:p>
@@ -4455,7 +7602,7 @@
             </a:pPr>
             <a:r>
               <a:rPr lang="en-CA" sz="1600" dirty="0"/>
-              <a:t>with more signal, look at time series models beyond seasonal naive</a:t>
+              <a:t>looking at SARIMAX and other modeling-types that factor in exogenous variables</a:t>
             </a:r>
           </a:p>
           <a:p>
@@ -4465,7 +7612,7 @@
             </a:pPr>
             <a:r>
               <a:rPr lang="en-CA" sz="1600" dirty="0"/>
-              <a:t>looking at SARIMAX and other modeling-types that factor in exogenous variables</a:t>
+              <a:t>adding a model evaluation regime</a:t>
             </a:r>
           </a:p>
           <a:p>
@@ -4480,6 +7627,36 @@
           </a:p>
         </p:txBody>
       </p:sp>
+      <p:pic>
+        <p:nvPicPr>
+          <p:cNvPr id="7" name="Picture 6">
+            <a:extLst>
+              <a:ext uri="{FF2B5EF4-FFF2-40B4-BE49-F238E27FC236}">
+                <a16:creationId xmlns:a16="http://schemas.microsoft.com/office/drawing/2014/main" id="{A01C841B-85BA-7BC9-CFD0-8D1D30CAB101}"/>
+              </a:ext>
+            </a:extLst>
+          </p:cNvPr>
+          <p:cNvPicPr>
+            <a:picLocks noChangeAspect="1"/>
+          </p:cNvPicPr>
+          <p:nvPr/>
+        </p:nvPicPr>
+        <p:blipFill>
+          <a:blip r:embed="rId2"/>
+          <a:stretch>
+            <a:fillRect/>
+          </a:stretch>
+        </p:blipFill>
+        <p:spPr>
+          <a:xfrm>
+            <a:off x="394570" y="1419273"/>
+            <a:ext cx="7407643" cy="3975688"/>
+          </a:xfrm>
+          <a:prstGeom prst="rect">
+            <a:avLst/>
+          </a:prstGeom>
+        </p:spPr>
+      </p:pic>
     </p:spTree>
     <p:extLst>
       <p:ext uri="{BB962C8B-B14F-4D97-AF65-F5344CB8AC3E}">
@@ -4490,10 +7667,556 @@
   <p:clrMapOvr>
     <a:masterClrMapping/>
   </p:clrMapOvr>
+  <p:timing>
+    <p:tnLst>
+      <p:par>
+        <p:cTn id="1" dur="indefinite" restart="never" nodeType="tmRoot">
+          <p:childTnLst>
+            <p:seq concurrent="1" nextAc="seek">
+              <p:cTn id="2" dur="indefinite" nodeType="mainSeq">
+                <p:childTnLst>
+                  <p:par>
+                    <p:cTn id="3" fill="hold">
+                      <p:stCondLst>
+                        <p:cond delay="indefinite"/>
+                      </p:stCondLst>
+                      <p:childTnLst>
+                        <p:par>
+                          <p:cTn id="4" fill="hold">
+                            <p:stCondLst>
+                              <p:cond delay="0"/>
+                            </p:stCondLst>
+                            <p:childTnLst>
+                              <p:par>
+                                <p:cTn id="5" presetID="1" presetClass="entr" presetSubtype="0" fill="hold" nodeType="clickEffect">
+                                  <p:stCondLst>
+                                    <p:cond delay="0"/>
+                                  </p:stCondLst>
+                                  <p:childTnLst>
+                                    <p:set>
+                                      <p:cBhvr>
+                                        <p:cTn id="6" dur="1" fill="hold">
+                                          <p:stCondLst>
+                                            <p:cond delay="0"/>
+                                          </p:stCondLst>
+                                        </p:cTn>
+                                        <p:tgtEl>
+                                          <p:spTgt spid="7"/>
+                                        </p:tgtEl>
+                                        <p:attrNameLst>
+                                          <p:attrName>style.visibility</p:attrName>
+                                        </p:attrNameLst>
+                                      </p:cBhvr>
+                                      <p:to>
+                                        <p:strVal val="visible"/>
+                                      </p:to>
+                                    </p:set>
+                                  </p:childTnLst>
+                                </p:cTn>
+                              </p:par>
+                            </p:childTnLst>
+                          </p:cTn>
+                        </p:par>
+                      </p:childTnLst>
+                    </p:cTn>
+                  </p:par>
+                  <p:par>
+                    <p:cTn id="7" fill="hold">
+                      <p:stCondLst>
+                        <p:cond delay="indefinite"/>
+                      </p:stCondLst>
+                      <p:childTnLst>
+                        <p:par>
+                          <p:cTn id="8" fill="hold">
+                            <p:stCondLst>
+                              <p:cond delay="0"/>
+                            </p:stCondLst>
+                            <p:childTnLst>
+                              <p:par>
+                                <p:cTn id="9" presetID="1" presetClass="entr" presetSubtype="0" fill="hold" grpId="0" nodeType="clickEffect">
+                                  <p:stCondLst>
+                                    <p:cond delay="0"/>
+                                  </p:stCondLst>
+                                  <p:childTnLst>
+                                    <p:set>
+                                      <p:cBhvr>
+                                        <p:cTn id="10" dur="1" fill="hold">
+                                          <p:stCondLst>
+                                            <p:cond delay="0"/>
+                                          </p:stCondLst>
+                                        </p:cTn>
+                                        <p:tgtEl>
+                                          <p:spTgt spid="3"/>
+                                        </p:tgtEl>
+                                        <p:attrNameLst>
+                                          <p:attrName>style.visibility</p:attrName>
+                                        </p:attrNameLst>
+                                      </p:cBhvr>
+                                      <p:to>
+                                        <p:strVal val="visible"/>
+                                      </p:to>
+                                    </p:set>
+                                  </p:childTnLst>
+                                </p:cTn>
+                              </p:par>
+                              <p:par>
+                                <p:cTn id="11" presetID="1" presetClass="entr" presetSubtype="0" fill="hold" nodeType="withEffect">
+                                  <p:stCondLst>
+                                    <p:cond delay="0"/>
+                                  </p:stCondLst>
+                                  <p:childTnLst>
+                                    <p:set>
+                                      <p:cBhvr>
+                                        <p:cTn id="12" dur="1" fill="hold">
+                                          <p:stCondLst>
+                                            <p:cond delay="0"/>
+                                          </p:stCondLst>
+                                        </p:cTn>
+                                        <p:tgtEl>
+                                          <p:spTgt spid="3">
+                                            <p:txEl>
+                                              <p:pRg st="0" end="0"/>
+                                            </p:txEl>
+                                          </p:spTgt>
+                                        </p:tgtEl>
+                                        <p:attrNameLst>
+                                          <p:attrName>style.visibility</p:attrName>
+                                        </p:attrNameLst>
+                                      </p:cBhvr>
+                                      <p:to>
+                                        <p:strVal val="visible"/>
+                                      </p:to>
+                                    </p:set>
+                                  </p:childTnLst>
+                                </p:cTn>
+                              </p:par>
+                            </p:childTnLst>
+                          </p:cTn>
+                        </p:par>
+                      </p:childTnLst>
+                    </p:cTn>
+                  </p:par>
+                  <p:par>
+                    <p:cTn id="13" fill="hold">
+                      <p:stCondLst>
+                        <p:cond delay="indefinite"/>
+                      </p:stCondLst>
+                      <p:childTnLst>
+                        <p:par>
+                          <p:cTn id="14" fill="hold">
+                            <p:stCondLst>
+                              <p:cond delay="0"/>
+                            </p:stCondLst>
+                            <p:childTnLst>
+                              <p:par>
+                                <p:cTn id="15" presetID="1" presetClass="entr" presetSubtype="0" fill="hold" nodeType="clickEffect">
+                                  <p:stCondLst>
+                                    <p:cond delay="0"/>
+                                  </p:stCondLst>
+                                  <p:childTnLst>
+                                    <p:set>
+                                      <p:cBhvr>
+                                        <p:cTn id="16" dur="1" fill="hold">
+                                          <p:stCondLst>
+                                            <p:cond delay="0"/>
+                                          </p:stCondLst>
+                                        </p:cTn>
+                                        <p:tgtEl>
+                                          <p:spTgt spid="3">
+                                            <p:txEl>
+                                              <p:pRg st="1" end="1"/>
+                                            </p:txEl>
+                                          </p:spTgt>
+                                        </p:tgtEl>
+                                        <p:attrNameLst>
+                                          <p:attrName>style.visibility</p:attrName>
+                                        </p:attrNameLst>
+                                      </p:cBhvr>
+                                      <p:to>
+                                        <p:strVal val="visible"/>
+                                      </p:to>
+                                    </p:set>
+                                  </p:childTnLst>
+                                </p:cTn>
+                              </p:par>
+                            </p:childTnLst>
+                          </p:cTn>
+                        </p:par>
+                      </p:childTnLst>
+                    </p:cTn>
+                  </p:par>
+                  <p:par>
+                    <p:cTn id="17" fill="hold">
+                      <p:stCondLst>
+                        <p:cond delay="indefinite"/>
+                      </p:stCondLst>
+                      <p:childTnLst>
+                        <p:par>
+                          <p:cTn id="18" fill="hold">
+                            <p:stCondLst>
+                              <p:cond delay="0"/>
+                            </p:stCondLst>
+                            <p:childTnLst>
+                              <p:par>
+                                <p:cTn id="19" presetID="1" presetClass="entr" presetSubtype="0" fill="hold" nodeType="clickEffect">
+                                  <p:stCondLst>
+                                    <p:cond delay="0"/>
+                                  </p:stCondLst>
+                                  <p:childTnLst>
+                                    <p:set>
+                                      <p:cBhvr>
+                                        <p:cTn id="20" dur="1" fill="hold">
+                                          <p:stCondLst>
+                                            <p:cond delay="0"/>
+                                          </p:stCondLst>
+                                        </p:cTn>
+                                        <p:tgtEl>
+                                          <p:spTgt spid="3">
+                                            <p:txEl>
+                                              <p:pRg st="2" end="2"/>
+                                            </p:txEl>
+                                          </p:spTgt>
+                                        </p:tgtEl>
+                                        <p:attrNameLst>
+                                          <p:attrName>style.visibility</p:attrName>
+                                        </p:attrNameLst>
+                                      </p:cBhvr>
+                                      <p:to>
+                                        <p:strVal val="visible"/>
+                                      </p:to>
+                                    </p:set>
+                                  </p:childTnLst>
+                                </p:cTn>
+                              </p:par>
+                            </p:childTnLst>
+                          </p:cTn>
+                        </p:par>
+                      </p:childTnLst>
+                    </p:cTn>
+                  </p:par>
+                  <p:par>
+                    <p:cTn id="21" fill="hold">
+                      <p:stCondLst>
+                        <p:cond delay="indefinite"/>
+                      </p:stCondLst>
+                      <p:childTnLst>
+                        <p:par>
+                          <p:cTn id="22" fill="hold">
+                            <p:stCondLst>
+                              <p:cond delay="0"/>
+                            </p:stCondLst>
+                            <p:childTnLst>
+                              <p:par>
+                                <p:cTn id="23" presetID="1" presetClass="entr" presetSubtype="0" fill="hold" nodeType="clickEffect">
+                                  <p:stCondLst>
+                                    <p:cond delay="0"/>
+                                  </p:stCondLst>
+                                  <p:childTnLst>
+                                    <p:set>
+                                      <p:cBhvr>
+                                        <p:cTn id="24" dur="1" fill="hold">
+                                          <p:stCondLst>
+                                            <p:cond delay="0"/>
+                                          </p:stCondLst>
+                                        </p:cTn>
+                                        <p:tgtEl>
+                                          <p:spTgt spid="3">
+                                            <p:txEl>
+                                              <p:pRg st="3" end="3"/>
+                                            </p:txEl>
+                                          </p:spTgt>
+                                        </p:tgtEl>
+                                        <p:attrNameLst>
+                                          <p:attrName>style.visibility</p:attrName>
+                                        </p:attrNameLst>
+                                      </p:cBhvr>
+                                      <p:to>
+                                        <p:strVal val="visible"/>
+                                      </p:to>
+                                    </p:set>
+                                  </p:childTnLst>
+                                </p:cTn>
+                              </p:par>
+                            </p:childTnLst>
+                          </p:cTn>
+                        </p:par>
+                      </p:childTnLst>
+                    </p:cTn>
+                  </p:par>
+                  <p:par>
+                    <p:cTn id="25" fill="hold">
+                      <p:stCondLst>
+                        <p:cond delay="indefinite"/>
+                      </p:stCondLst>
+                      <p:childTnLst>
+                        <p:par>
+                          <p:cTn id="26" fill="hold">
+                            <p:stCondLst>
+                              <p:cond delay="0"/>
+                            </p:stCondLst>
+                            <p:childTnLst>
+                              <p:par>
+                                <p:cTn id="27" presetID="1" presetClass="entr" presetSubtype="0" fill="hold" nodeType="clickEffect">
+                                  <p:stCondLst>
+                                    <p:cond delay="0"/>
+                                  </p:stCondLst>
+                                  <p:childTnLst>
+                                    <p:set>
+                                      <p:cBhvr>
+                                        <p:cTn id="28" dur="1" fill="hold">
+                                          <p:stCondLst>
+                                            <p:cond delay="0"/>
+                                          </p:stCondLst>
+                                        </p:cTn>
+                                        <p:tgtEl>
+                                          <p:spTgt spid="3">
+                                            <p:txEl>
+                                              <p:pRg st="4" end="4"/>
+                                            </p:txEl>
+                                          </p:spTgt>
+                                        </p:tgtEl>
+                                        <p:attrNameLst>
+                                          <p:attrName>style.visibility</p:attrName>
+                                        </p:attrNameLst>
+                                      </p:cBhvr>
+                                      <p:to>
+                                        <p:strVal val="visible"/>
+                                      </p:to>
+                                    </p:set>
+                                  </p:childTnLst>
+                                </p:cTn>
+                              </p:par>
+                            </p:childTnLst>
+                          </p:cTn>
+                        </p:par>
+                      </p:childTnLst>
+                    </p:cTn>
+                  </p:par>
+                  <p:par>
+                    <p:cTn id="29" fill="hold">
+                      <p:stCondLst>
+                        <p:cond delay="indefinite"/>
+                      </p:stCondLst>
+                      <p:childTnLst>
+                        <p:par>
+                          <p:cTn id="30" fill="hold">
+                            <p:stCondLst>
+                              <p:cond delay="0"/>
+                            </p:stCondLst>
+                            <p:childTnLst>
+                              <p:par>
+                                <p:cTn id="31" presetID="1" presetClass="entr" presetSubtype="0" fill="hold" nodeType="clickEffect">
+                                  <p:stCondLst>
+                                    <p:cond delay="0"/>
+                                  </p:stCondLst>
+                                  <p:childTnLst>
+                                    <p:set>
+                                      <p:cBhvr>
+                                        <p:cTn id="32" dur="1" fill="hold">
+                                          <p:stCondLst>
+                                            <p:cond delay="0"/>
+                                          </p:stCondLst>
+                                        </p:cTn>
+                                        <p:tgtEl>
+                                          <p:spTgt spid="3">
+                                            <p:txEl>
+                                              <p:pRg st="5" end="5"/>
+                                            </p:txEl>
+                                          </p:spTgt>
+                                        </p:tgtEl>
+                                        <p:attrNameLst>
+                                          <p:attrName>style.visibility</p:attrName>
+                                        </p:attrNameLst>
+                                      </p:cBhvr>
+                                      <p:to>
+                                        <p:strVal val="visible"/>
+                                      </p:to>
+                                    </p:set>
+                                  </p:childTnLst>
+                                </p:cTn>
+                              </p:par>
+                            </p:childTnLst>
+                          </p:cTn>
+                        </p:par>
+                      </p:childTnLst>
+                    </p:cTn>
+                  </p:par>
+                  <p:par>
+                    <p:cTn id="33" fill="hold">
+                      <p:stCondLst>
+                        <p:cond delay="indefinite"/>
+                      </p:stCondLst>
+                      <p:childTnLst>
+                        <p:par>
+                          <p:cTn id="34" fill="hold">
+                            <p:stCondLst>
+                              <p:cond delay="0"/>
+                            </p:stCondLst>
+                            <p:childTnLst>
+                              <p:par>
+                                <p:cTn id="35" presetID="1" presetClass="entr" presetSubtype="0" fill="hold" nodeType="clickEffect">
+                                  <p:stCondLst>
+                                    <p:cond delay="0"/>
+                                  </p:stCondLst>
+                                  <p:childTnLst>
+                                    <p:set>
+                                      <p:cBhvr>
+                                        <p:cTn id="36" dur="1" fill="hold">
+                                          <p:stCondLst>
+                                            <p:cond delay="0"/>
+                                          </p:stCondLst>
+                                        </p:cTn>
+                                        <p:tgtEl>
+                                          <p:spTgt spid="3">
+                                            <p:txEl>
+                                              <p:pRg st="6" end="6"/>
+                                            </p:txEl>
+                                          </p:spTgt>
+                                        </p:tgtEl>
+                                        <p:attrNameLst>
+                                          <p:attrName>style.visibility</p:attrName>
+                                        </p:attrNameLst>
+                                      </p:cBhvr>
+                                      <p:to>
+                                        <p:strVal val="visible"/>
+                                      </p:to>
+                                    </p:set>
+                                  </p:childTnLst>
+                                </p:cTn>
+                              </p:par>
+                            </p:childTnLst>
+                          </p:cTn>
+                        </p:par>
+                      </p:childTnLst>
+                    </p:cTn>
+                  </p:par>
+                  <p:par>
+                    <p:cTn id="37" fill="hold">
+                      <p:stCondLst>
+                        <p:cond delay="indefinite"/>
+                      </p:stCondLst>
+                      <p:childTnLst>
+                        <p:par>
+                          <p:cTn id="38" fill="hold">
+                            <p:stCondLst>
+                              <p:cond delay="0"/>
+                            </p:stCondLst>
+                            <p:childTnLst>
+                              <p:par>
+                                <p:cTn id="39" presetID="1" presetClass="entr" presetSubtype="0" fill="hold" nodeType="clickEffect">
+                                  <p:stCondLst>
+                                    <p:cond delay="0"/>
+                                  </p:stCondLst>
+                                  <p:childTnLst>
+                                    <p:set>
+                                      <p:cBhvr>
+                                        <p:cTn id="40" dur="1" fill="hold">
+                                          <p:stCondLst>
+                                            <p:cond delay="0"/>
+                                          </p:stCondLst>
+                                        </p:cTn>
+                                        <p:tgtEl>
+                                          <p:spTgt spid="3">
+                                            <p:txEl>
+                                              <p:pRg st="7" end="7"/>
+                                            </p:txEl>
+                                          </p:spTgt>
+                                        </p:tgtEl>
+                                        <p:attrNameLst>
+                                          <p:attrName>style.visibility</p:attrName>
+                                        </p:attrNameLst>
+                                      </p:cBhvr>
+                                      <p:to>
+                                        <p:strVal val="visible"/>
+                                      </p:to>
+                                    </p:set>
+                                  </p:childTnLst>
+                                </p:cTn>
+                              </p:par>
+                            </p:childTnLst>
+                          </p:cTn>
+                        </p:par>
+                      </p:childTnLst>
+                    </p:cTn>
+                  </p:par>
+                  <p:par>
+                    <p:cTn id="41" fill="hold">
+                      <p:stCondLst>
+                        <p:cond delay="indefinite"/>
+                      </p:stCondLst>
+                      <p:childTnLst>
+                        <p:par>
+                          <p:cTn id="42" fill="hold">
+                            <p:stCondLst>
+                              <p:cond delay="0"/>
+                            </p:stCondLst>
+                            <p:childTnLst>
+                              <p:par>
+                                <p:cTn id="43" presetID="1" presetClass="entr" presetSubtype="0" fill="hold" nodeType="clickEffect">
+                                  <p:stCondLst>
+                                    <p:cond delay="0"/>
+                                  </p:stCondLst>
+                                  <p:childTnLst>
+                                    <p:set>
+                                      <p:cBhvr>
+                                        <p:cTn id="44" dur="1" fill="hold">
+                                          <p:stCondLst>
+                                            <p:cond delay="0"/>
+                                          </p:stCondLst>
+                                        </p:cTn>
+                                        <p:tgtEl>
+                                          <p:spTgt spid="3">
+                                            <p:txEl>
+                                              <p:pRg st="8" end="8"/>
+                                            </p:txEl>
+                                          </p:spTgt>
+                                        </p:tgtEl>
+                                        <p:attrNameLst>
+                                          <p:attrName>style.visibility</p:attrName>
+                                        </p:attrNameLst>
+                                      </p:cBhvr>
+                                      <p:to>
+                                        <p:strVal val="visible"/>
+                                      </p:to>
+                                    </p:set>
+                                  </p:childTnLst>
+                                </p:cTn>
+                              </p:par>
+                            </p:childTnLst>
+                          </p:cTn>
+                        </p:par>
+                      </p:childTnLst>
+                    </p:cTn>
+                  </p:par>
+                </p:childTnLst>
+              </p:cTn>
+              <p:prevCondLst>
+                <p:cond evt="onPrev" delay="0">
+                  <p:tgtEl>
+                    <p:sldTgt/>
+                  </p:tgtEl>
+                </p:cond>
+              </p:prevCondLst>
+              <p:nextCondLst>
+                <p:cond evt="onNext" delay="0">
+                  <p:tgtEl>
+                    <p:sldTgt/>
+                  </p:tgtEl>
+                </p:cond>
+              </p:nextCondLst>
+            </p:seq>
+          </p:childTnLst>
+        </p:cTn>
+      </p:par>
+    </p:tnLst>
+    <p:bldLst>
+      <p:bldP spid="3" grpId="0" animBg="1"/>
+    </p:bldLst>
+  </p:timing>
 </p:sld>
 </file>
 
-<file path=ppt/slides/slide18.xml><?xml version="1.0" encoding="utf-8"?>
+<file path=ppt/slides/slide21.xml><?xml version="1.0" encoding="utf-8"?>
 <p:sld xmlns:a="http://schemas.openxmlformats.org/drawingml/2006/main" xmlns:r="http://schemas.openxmlformats.org/officeDocument/2006/relationships" xmlns:p="http://schemas.openxmlformats.org/presentationml/2006/main">
   <p:cSld>
     <p:spTree>
@@ -4579,7 +8302,7 @@
                   <a:srgbClr val="1C1F33"/>
                 </a:solidFill>
               </a:rPr>
-              <a:t>someone who will roll up the sleeves and do the work</a:t>
+              <a:t>someone who will roll up his sleeves and do the work</a:t>
             </a:r>
           </a:p>
           <a:p>
@@ -4613,7 +8336,7 @@
                   <a:srgbClr val="1C1F33"/>
                 </a:solidFill>
               </a:rPr>
-              <a:t>a proven mentor of developing talent</a:t>
+              <a:t>an enthusiastic mentor of developing talent</a:t>
             </a:r>
           </a:p>
           <a:p>
@@ -4647,7 +8370,7 @@
                   <a:srgbClr val="1C1F33"/>
                 </a:solidFill>
               </a:rPr>
-              <a:t>a passionate contributor to RML’s intellectual capital</a:t>
+              <a:t>a useful contributor to the firm’s visibility-building efforts</a:t>
             </a:r>
           </a:p>
           <a:p>
@@ -4664,8 +8387,103 @@
                   <a:srgbClr val="1C1F33"/>
                 </a:solidFill>
               </a:rPr>
+              <a:t>a passionate contributor to RML’s intellectual capital</a:t>
+            </a:r>
+          </a:p>
+          <a:p>
+            <a:pPr marL="358775" indent="-358775">
+              <a:buClr>
+                <a:srgbClr val="1C1F33"/>
+              </a:buClr>
+              <a:buFont typeface="+mj-lt"/>
+              <a:buAutoNum type="arabicPeriod"/>
+            </a:pPr>
+            <a:r>
+              <a:rPr lang="en-CA" sz="2100" dirty="0">
+                <a:solidFill>
+                  <a:srgbClr val="1C1F33"/>
+                </a:solidFill>
+              </a:rPr>
               <a:t>an able business developer – someone who can bring in some work</a:t>
             </a:r>
+          </a:p>
+        </p:txBody>
+      </p:sp>
+      <p:sp>
+        <p:nvSpPr>
+          <p:cNvPr id="3" name="Title 1">
+            <a:extLst>
+              <a:ext uri="{FF2B5EF4-FFF2-40B4-BE49-F238E27FC236}">
+                <a16:creationId xmlns:a16="http://schemas.microsoft.com/office/drawing/2014/main" id="{49DC69A6-56DE-9B2A-FC6C-2E496652D78C}"/>
+              </a:ext>
+            </a:extLst>
+          </p:cNvPr>
+          <p:cNvSpPr txBox="1">
+            <a:spLocks/>
+          </p:cNvSpPr>
+          <p:nvPr/>
+        </p:nvSpPr>
+        <p:spPr>
+          <a:xfrm>
+            <a:off x="342323" y="4957358"/>
+            <a:ext cx="10813357" cy="437605"/>
+          </a:xfrm>
+          <a:prstGeom prst="rect">
+            <a:avLst/>
+          </a:prstGeom>
+        </p:spPr>
+        <p:txBody>
+          <a:bodyPr vert="horz" lIns="91440" tIns="45720" rIns="91440" bIns="45720" rtlCol="0" anchor="b">
+            <a:noAutofit/>
+          </a:bodyPr>
+          <a:lstStyle>
+            <a:lvl1pPr algn="l" defTabSz="914400" rtl="0" eaLnBrk="1" latinLnBrk="0" hangingPunct="1">
+              <a:lnSpc>
+                <a:spcPct val="90000"/>
+              </a:lnSpc>
+              <a:spcBef>
+                <a:spcPct val="0"/>
+              </a:spcBef>
+              <a:buNone/>
+              <a:defRPr sz="3000" i="0" kern="1200" spc="-50" baseline="0">
+                <a:solidFill>
+                  <a:schemeClr val="tx1">
+                    <a:lumMod val="75000"/>
+                    <a:lumOff val="25000"/>
+                  </a:schemeClr>
+                </a:solidFill>
+                <a:latin typeface="+mj-lt"/>
+                <a:ea typeface="+mj-ea"/>
+                <a:cs typeface="+mj-cs"/>
+              </a:defRPr>
+            </a:lvl1pPr>
+          </a:lstStyle>
+          <a:p>
+            <a:r>
+              <a:rPr lang="en-CA" sz="2200" dirty="0">
+                <a:solidFill>
+                  <a:srgbClr val="FF0000"/>
+                </a:solidFill>
+                <a:latin typeface="+mn-lt"/>
+              </a:rPr>
+              <a:t>Bonus:</a:t>
+            </a:r>
+            <a:r>
+              <a:rPr lang="en-CA" sz="2200" dirty="0">
+                <a:latin typeface="+mn-lt"/>
+              </a:rPr>
+              <a:t> Is known to be a little bit of fun from time to time. </a:t>
+            </a:r>
+            <a:r>
+              <a:rPr lang="en-CA" sz="2200" dirty="0">
+                <a:latin typeface="+mn-lt"/>
+                <a:sym typeface="Wingdings" panose="05000000000000000000" pitchFamily="2" charset="2"/>
+              </a:rPr>
+              <a:t></a:t>
+            </a:r>
+            <a:endParaRPr lang="en-CA" sz="2200" dirty="0">
+              <a:latin typeface="+mn-lt"/>
+            </a:endParaRPr>
           </a:p>
         </p:txBody>
       </p:sp>
@@ -4679,20 +8497,433 @@
   <p:clrMapOvr>
     <a:masterClrMapping/>
   </p:clrMapOvr>
+  <p:timing>
+    <p:tnLst>
+      <p:par>
+        <p:cTn id="1" dur="indefinite" restart="never" nodeType="tmRoot">
+          <p:childTnLst>
+            <p:seq concurrent="1" nextAc="seek">
+              <p:cTn id="2" dur="indefinite" nodeType="mainSeq">
+                <p:childTnLst>
+                  <p:par>
+                    <p:cTn id="3" fill="hold">
+                      <p:stCondLst>
+                        <p:cond delay="indefinite"/>
+                      </p:stCondLst>
+                      <p:childTnLst>
+                        <p:par>
+                          <p:cTn id="4" fill="hold">
+                            <p:stCondLst>
+                              <p:cond delay="0"/>
+                            </p:stCondLst>
+                            <p:childTnLst>
+                              <p:par>
+                                <p:cTn id="5" presetID="1" presetClass="entr" presetSubtype="0" fill="hold" nodeType="clickEffect">
+                                  <p:stCondLst>
+                                    <p:cond delay="0"/>
+                                  </p:stCondLst>
+                                  <p:childTnLst>
+                                    <p:set>
+                                      <p:cBhvr>
+                                        <p:cTn id="6" dur="1" fill="hold">
+                                          <p:stCondLst>
+                                            <p:cond delay="0"/>
+                                          </p:stCondLst>
+                                        </p:cTn>
+                                        <p:tgtEl>
+                                          <p:spTgt spid="6">
+                                            <p:txEl>
+                                              <p:pRg st="0" end="0"/>
+                                            </p:txEl>
+                                          </p:spTgt>
+                                        </p:tgtEl>
+                                        <p:attrNameLst>
+                                          <p:attrName>style.visibility</p:attrName>
+                                        </p:attrNameLst>
+                                      </p:cBhvr>
+                                      <p:to>
+                                        <p:strVal val="visible"/>
+                                      </p:to>
+                                    </p:set>
+                                  </p:childTnLst>
+                                </p:cTn>
+                              </p:par>
+                            </p:childTnLst>
+                          </p:cTn>
+                        </p:par>
+                      </p:childTnLst>
+                    </p:cTn>
+                  </p:par>
+                  <p:par>
+                    <p:cTn id="7" fill="hold">
+                      <p:stCondLst>
+                        <p:cond delay="indefinite"/>
+                      </p:stCondLst>
+                      <p:childTnLst>
+                        <p:par>
+                          <p:cTn id="8" fill="hold">
+                            <p:stCondLst>
+                              <p:cond delay="0"/>
+                            </p:stCondLst>
+                            <p:childTnLst>
+                              <p:par>
+                                <p:cTn id="9" presetID="1" presetClass="entr" presetSubtype="0" fill="hold" nodeType="clickEffect">
+                                  <p:stCondLst>
+                                    <p:cond delay="0"/>
+                                  </p:stCondLst>
+                                  <p:childTnLst>
+                                    <p:set>
+                                      <p:cBhvr>
+                                        <p:cTn id="10" dur="1" fill="hold">
+                                          <p:stCondLst>
+                                            <p:cond delay="0"/>
+                                          </p:stCondLst>
+                                        </p:cTn>
+                                        <p:tgtEl>
+                                          <p:spTgt spid="6">
+                                            <p:txEl>
+                                              <p:pRg st="1" end="1"/>
+                                            </p:txEl>
+                                          </p:spTgt>
+                                        </p:tgtEl>
+                                        <p:attrNameLst>
+                                          <p:attrName>style.visibility</p:attrName>
+                                        </p:attrNameLst>
+                                      </p:cBhvr>
+                                      <p:to>
+                                        <p:strVal val="visible"/>
+                                      </p:to>
+                                    </p:set>
+                                  </p:childTnLst>
+                                </p:cTn>
+                              </p:par>
+                            </p:childTnLst>
+                          </p:cTn>
+                        </p:par>
+                      </p:childTnLst>
+                    </p:cTn>
+                  </p:par>
+                  <p:par>
+                    <p:cTn id="11" fill="hold">
+                      <p:stCondLst>
+                        <p:cond delay="indefinite"/>
+                      </p:stCondLst>
+                      <p:childTnLst>
+                        <p:par>
+                          <p:cTn id="12" fill="hold">
+                            <p:stCondLst>
+                              <p:cond delay="0"/>
+                            </p:stCondLst>
+                            <p:childTnLst>
+                              <p:par>
+                                <p:cTn id="13" presetID="1" presetClass="entr" presetSubtype="0" fill="hold" nodeType="clickEffect">
+                                  <p:stCondLst>
+                                    <p:cond delay="0"/>
+                                  </p:stCondLst>
+                                  <p:childTnLst>
+                                    <p:set>
+                                      <p:cBhvr>
+                                        <p:cTn id="14" dur="1" fill="hold">
+                                          <p:stCondLst>
+                                            <p:cond delay="0"/>
+                                          </p:stCondLst>
+                                        </p:cTn>
+                                        <p:tgtEl>
+                                          <p:spTgt spid="6">
+                                            <p:txEl>
+                                              <p:pRg st="2" end="2"/>
+                                            </p:txEl>
+                                          </p:spTgt>
+                                        </p:tgtEl>
+                                        <p:attrNameLst>
+                                          <p:attrName>style.visibility</p:attrName>
+                                        </p:attrNameLst>
+                                      </p:cBhvr>
+                                      <p:to>
+                                        <p:strVal val="visible"/>
+                                      </p:to>
+                                    </p:set>
+                                  </p:childTnLst>
+                                </p:cTn>
+                              </p:par>
+                            </p:childTnLst>
+                          </p:cTn>
+                        </p:par>
+                      </p:childTnLst>
+                    </p:cTn>
+                  </p:par>
+                  <p:par>
+                    <p:cTn id="15" fill="hold">
+                      <p:stCondLst>
+                        <p:cond delay="indefinite"/>
+                      </p:stCondLst>
+                      <p:childTnLst>
+                        <p:par>
+                          <p:cTn id="16" fill="hold">
+                            <p:stCondLst>
+                              <p:cond delay="0"/>
+                            </p:stCondLst>
+                            <p:childTnLst>
+                              <p:par>
+                                <p:cTn id="17" presetID="1" presetClass="entr" presetSubtype="0" fill="hold" nodeType="clickEffect">
+                                  <p:stCondLst>
+                                    <p:cond delay="0"/>
+                                  </p:stCondLst>
+                                  <p:childTnLst>
+                                    <p:set>
+                                      <p:cBhvr>
+                                        <p:cTn id="18" dur="1" fill="hold">
+                                          <p:stCondLst>
+                                            <p:cond delay="0"/>
+                                          </p:stCondLst>
+                                        </p:cTn>
+                                        <p:tgtEl>
+                                          <p:spTgt spid="6">
+                                            <p:txEl>
+                                              <p:pRg st="3" end="3"/>
+                                            </p:txEl>
+                                          </p:spTgt>
+                                        </p:tgtEl>
+                                        <p:attrNameLst>
+                                          <p:attrName>style.visibility</p:attrName>
+                                        </p:attrNameLst>
+                                      </p:cBhvr>
+                                      <p:to>
+                                        <p:strVal val="visible"/>
+                                      </p:to>
+                                    </p:set>
+                                  </p:childTnLst>
+                                </p:cTn>
+                              </p:par>
+                            </p:childTnLst>
+                          </p:cTn>
+                        </p:par>
+                      </p:childTnLst>
+                    </p:cTn>
+                  </p:par>
+                  <p:par>
+                    <p:cTn id="19" fill="hold">
+                      <p:stCondLst>
+                        <p:cond delay="indefinite"/>
+                      </p:stCondLst>
+                      <p:childTnLst>
+                        <p:par>
+                          <p:cTn id="20" fill="hold">
+                            <p:stCondLst>
+                              <p:cond delay="0"/>
+                            </p:stCondLst>
+                            <p:childTnLst>
+                              <p:par>
+                                <p:cTn id="21" presetID="1" presetClass="entr" presetSubtype="0" fill="hold" nodeType="clickEffect">
+                                  <p:stCondLst>
+                                    <p:cond delay="0"/>
+                                  </p:stCondLst>
+                                  <p:childTnLst>
+                                    <p:set>
+                                      <p:cBhvr>
+                                        <p:cTn id="22" dur="1" fill="hold">
+                                          <p:stCondLst>
+                                            <p:cond delay="0"/>
+                                          </p:stCondLst>
+                                        </p:cTn>
+                                        <p:tgtEl>
+                                          <p:spTgt spid="6">
+                                            <p:txEl>
+                                              <p:pRg st="4" end="4"/>
+                                            </p:txEl>
+                                          </p:spTgt>
+                                        </p:tgtEl>
+                                        <p:attrNameLst>
+                                          <p:attrName>style.visibility</p:attrName>
+                                        </p:attrNameLst>
+                                      </p:cBhvr>
+                                      <p:to>
+                                        <p:strVal val="visible"/>
+                                      </p:to>
+                                    </p:set>
+                                  </p:childTnLst>
+                                </p:cTn>
+                              </p:par>
+                            </p:childTnLst>
+                          </p:cTn>
+                        </p:par>
+                      </p:childTnLst>
+                    </p:cTn>
+                  </p:par>
+                  <p:par>
+                    <p:cTn id="23" fill="hold">
+                      <p:stCondLst>
+                        <p:cond delay="indefinite"/>
+                      </p:stCondLst>
+                      <p:childTnLst>
+                        <p:par>
+                          <p:cTn id="24" fill="hold">
+                            <p:stCondLst>
+                              <p:cond delay="0"/>
+                            </p:stCondLst>
+                            <p:childTnLst>
+                              <p:par>
+                                <p:cTn id="25" presetID="1" presetClass="entr" presetSubtype="0" fill="hold" nodeType="clickEffect">
+                                  <p:stCondLst>
+                                    <p:cond delay="0"/>
+                                  </p:stCondLst>
+                                  <p:childTnLst>
+                                    <p:set>
+                                      <p:cBhvr>
+                                        <p:cTn id="26" dur="1" fill="hold">
+                                          <p:stCondLst>
+                                            <p:cond delay="0"/>
+                                          </p:stCondLst>
+                                        </p:cTn>
+                                        <p:tgtEl>
+                                          <p:spTgt spid="6">
+                                            <p:txEl>
+                                              <p:pRg st="5" end="5"/>
+                                            </p:txEl>
+                                          </p:spTgt>
+                                        </p:tgtEl>
+                                        <p:attrNameLst>
+                                          <p:attrName>style.visibility</p:attrName>
+                                        </p:attrNameLst>
+                                      </p:cBhvr>
+                                      <p:to>
+                                        <p:strVal val="visible"/>
+                                      </p:to>
+                                    </p:set>
+                                  </p:childTnLst>
+                                </p:cTn>
+                              </p:par>
+                            </p:childTnLst>
+                          </p:cTn>
+                        </p:par>
+                      </p:childTnLst>
+                    </p:cTn>
+                  </p:par>
+                  <p:par>
+                    <p:cTn id="27" fill="hold">
+                      <p:stCondLst>
+                        <p:cond delay="indefinite"/>
+                      </p:stCondLst>
+                      <p:childTnLst>
+                        <p:par>
+                          <p:cTn id="28" fill="hold">
+                            <p:stCondLst>
+                              <p:cond delay="0"/>
+                            </p:stCondLst>
+                            <p:childTnLst>
+                              <p:par>
+                                <p:cTn id="29" presetID="1" presetClass="entr" presetSubtype="0" fill="hold" nodeType="clickEffect">
+                                  <p:stCondLst>
+                                    <p:cond delay="0"/>
+                                  </p:stCondLst>
+                                  <p:childTnLst>
+                                    <p:set>
+                                      <p:cBhvr>
+                                        <p:cTn id="30" dur="1" fill="hold">
+                                          <p:stCondLst>
+                                            <p:cond delay="0"/>
+                                          </p:stCondLst>
+                                        </p:cTn>
+                                        <p:tgtEl>
+                                          <p:spTgt spid="6">
+                                            <p:txEl>
+                                              <p:pRg st="6" end="6"/>
+                                            </p:txEl>
+                                          </p:spTgt>
+                                        </p:tgtEl>
+                                        <p:attrNameLst>
+                                          <p:attrName>style.visibility</p:attrName>
+                                        </p:attrNameLst>
+                                      </p:cBhvr>
+                                      <p:to>
+                                        <p:strVal val="visible"/>
+                                      </p:to>
+                                    </p:set>
+                                  </p:childTnLst>
+                                </p:cTn>
+                              </p:par>
+                            </p:childTnLst>
+                          </p:cTn>
+                        </p:par>
+                      </p:childTnLst>
+                    </p:cTn>
+                  </p:par>
+                  <p:par>
+                    <p:cTn id="31" fill="hold">
+                      <p:stCondLst>
+                        <p:cond delay="indefinite"/>
+                      </p:stCondLst>
+                      <p:childTnLst>
+                        <p:par>
+                          <p:cTn id="32" fill="hold">
+                            <p:stCondLst>
+                              <p:cond delay="0"/>
+                            </p:stCondLst>
+                            <p:childTnLst>
+                              <p:par>
+                                <p:cTn id="33" presetID="1" presetClass="entr" presetSubtype="0" fill="hold" grpId="0" nodeType="clickEffect">
+                                  <p:stCondLst>
+                                    <p:cond delay="0"/>
+                                  </p:stCondLst>
+                                  <p:childTnLst>
+                                    <p:set>
+                                      <p:cBhvr>
+                                        <p:cTn id="34" dur="1" fill="hold">
+                                          <p:stCondLst>
+                                            <p:cond delay="0"/>
+                                          </p:stCondLst>
+                                        </p:cTn>
+                                        <p:tgtEl>
+                                          <p:spTgt spid="3"/>
+                                        </p:tgtEl>
+                                        <p:attrNameLst>
+                                          <p:attrName>style.visibility</p:attrName>
+                                        </p:attrNameLst>
+                                      </p:cBhvr>
+                                      <p:to>
+                                        <p:strVal val="visible"/>
+                                      </p:to>
+                                    </p:set>
+                                  </p:childTnLst>
+                                </p:cTn>
+                              </p:par>
+                            </p:childTnLst>
+                          </p:cTn>
+                        </p:par>
+                      </p:childTnLst>
+                    </p:cTn>
+                  </p:par>
+                </p:childTnLst>
+              </p:cTn>
+              <p:prevCondLst>
+                <p:cond evt="onPrev" delay="0">
+                  <p:tgtEl>
+                    <p:sldTgt/>
+                  </p:tgtEl>
+                </p:cond>
+              </p:prevCondLst>
+              <p:nextCondLst>
+                <p:cond evt="onNext" delay="0">
+                  <p:tgtEl>
+                    <p:sldTgt/>
+                  </p:tgtEl>
+                </p:cond>
+              </p:nextCondLst>
+            </p:seq>
+          </p:childTnLst>
+        </p:cTn>
+      </p:par>
+    </p:tnLst>
+    <p:bldLst>
+      <p:bldP spid="3" grpId="0"/>
+    </p:bldLst>
+  </p:timing>
 </p:sld>
 </file>
 
-<file path=ppt/slides/slide19.xml><?xml version="1.0" encoding="utf-8"?>
+<file path=ppt/slides/slide22.xml><?xml version="1.0" encoding="utf-8"?>
 <p:sld xmlns:a="http://schemas.openxmlformats.org/drawingml/2006/main" xmlns:r="http://schemas.openxmlformats.org/officeDocument/2006/relationships" xmlns:p="http://schemas.openxmlformats.org/presentationml/2006/main">
   <p:cSld>
-    <p:bg>
-      <p:bgPr>
-        <a:solidFill>
-          <a:schemeClr val="bg1"/>
-        </a:solidFill>
-        <a:effectLst/>
-      </p:bgPr>
-    </p:bg>
     <p:spTree>
       <p:nvGrpSpPr>
         <p:cNvPr id="1" name=""/>
@@ -4709,204 +8940,84 @@
       </p:grpSpPr>
       <p:sp>
         <p:nvSpPr>
-          <p:cNvPr id="47" name="Rectangle 46">
+          <p:cNvPr id="3" name="Title 1">
             <a:extLst>
               <a:ext uri="{FF2B5EF4-FFF2-40B4-BE49-F238E27FC236}">
-                <a16:creationId xmlns:a16="http://schemas.microsoft.com/office/drawing/2014/main" id="{FBDCECDC-EEE3-4128-AA5E-82A8C08796E8}"/>
-              </a:ext>
-              <a:ext uri="{C183D7F6-B498-43B3-948B-1728B52AA6E4}">
-                <adec:decorative xmlns:adec="http://schemas.microsoft.com/office/drawing/2017/decorative" val="1"/>
+                <a16:creationId xmlns:a16="http://schemas.microsoft.com/office/drawing/2014/main" id="{72064DEA-84D4-FEFE-E83D-D1285296E8EC}"/>
               </a:ext>
             </a:extLst>
           </p:cNvPr>
-          <p:cNvSpPr>
-            <a:spLocks noGrp="1" noRot="1" noChangeAspect="1" noMove="1" noResize="1" noEditPoints="1" noAdjustHandles="1" noChangeArrowheads="1" noChangeShapeType="1" noTextEdit="1"/>
+          <p:cNvSpPr txBox="1">
+            <a:spLocks/>
           </p:cNvSpPr>
-          <p:nvPr>
-            <p:extLst>
-              <p:ext uri="{386F3935-93C4-4BCD-93E2-E3B085C9AB24}">
-                <p16:designElem xmlns:p16="http://schemas.microsoft.com/office/powerpoint/2015/main" val="1"/>
-              </p:ext>
-            </p:extLst>
-          </p:nvPr>
-        </p:nvSpPr>
-        <p:spPr>
-          <a:xfrm>
-            <a:off x="1507" y="0"/>
-            <a:ext cx="12192000" cy="6858000"/>
-          </a:xfrm>
-          <a:prstGeom prst="rect">
-            <a:avLst/>
-          </a:prstGeom>
-          <a:solidFill>
-            <a:schemeClr val="accent1"/>
-          </a:solidFill>
-          <a:ln>
-            <a:noFill/>
-          </a:ln>
-        </p:spPr>
-        <p:style>
-          <a:lnRef idx="2">
-            <a:schemeClr val="accent1">
-              <a:shade val="50000"/>
-            </a:schemeClr>
-          </a:lnRef>
-          <a:fillRef idx="1">
-            <a:schemeClr val="accent1"/>
-          </a:fillRef>
-          <a:effectRef idx="0">
-            <a:schemeClr val="accent1"/>
-          </a:effectRef>
-          <a:fontRef idx="minor">
-            <a:schemeClr val="lt1"/>
-          </a:fontRef>
-        </p:style>
-        <p:txBody>
-          <a:bodyPr rtlCol="0" anchor="ctr"/>
-          <a:lstStyle/>
-          <a:p>
-            <a:pPr algn="ctr"/>
-            <a:endParaRPr lang="en-US"/>
-          </a:p>
-        </p:txBody>
-      </p:sp>
-      <p:sp>
-        <p:nvSpPr>
-          <p:cNvPr id="2" name="Title 1">
-            <a:extLst>
-              <a:ext uri="{FF2B5EF4-FFF2-40B4-BE49-F238E27FC236}">
-                <a16:creationId xmlns:a16="http://schemas.microsoft.com/office/drawing/2014/main" id="{9AB2EA78-AEB3-469B-9025-3B17201A457B}"/>
-              </a:ext>
-            </a:extLst>
-          </p:cNvPr>
-          <p:cNvSpPr>
-            <a:spLocks noGrp="1"/>
-          </p:cNvSpPr>
-          <p:nvPr>
-            <p:ph type="ctrTitle"/>
-          </p:nvPr>
+          <p:nvPr/>
         </p:nvSpPr>
         <p:spPr>
           <a:xfrm>
             <a:off x="1097280" y="758952"/>
             <a:ext cx="10058400" cy="3892168"/>
           </a:xfrm>
+          <a:prstGeom prst="rect">
+            <a:avLst/>
+          </a:prstGeom>
         </p:spPr>
         <p:txBody>
           <a:bodyPr anchor="ctr">
             <a:normAutofit/>
           </a:bodyPr>
-          <a:lstStyle/>
-          <a:p>
-            <a:pPr lvl="0"/>
+          <a:lstStyle>
+            <a:lvl1pPr algn="l" defTabSz="914400" rtl="0" eaLnBrk="1" latinLnBrk="0" hangingPunct="1">
+              <a:lnSpc>
+                <a:spcPct val="90000"/>
+              </a:lnSpc>
+              <a:spcBef>
+                <a:spcPct val="0"/>
+              </a:spcBef>
+              <a:buNone/>
+              <a:defRPr sz="3000" i="0" kern="1200" spc="-50" baseline="0">
+                <a:solidFill>
+                  <a:schemeClr val="tx1">
+                    <a:lumMod val="75000"/>
+                    <a:lumOff val="25000"/>
+                  </a:schemeClr>
+                </a:solidFill>
+                <a:latin typeface="+mj-lt"/>
+                <a:ea typeface="+mj-ea"/>
+                <a:cs typeface="+mj-cs"/>
+              </a:defRPr>
+            </a:lvl1pPr>
+          </a:lstStyle>
+          <a:p>
+            <a:pPr algn="ctr"/>
             <a:r>
               <a:rPr lang="en-US" sz="4800" i="1" dirty="0">
                 <a:solidFill>
-                  <a:srgbClr val="FFFFFF"/>
+                  <a:srgbClr val="1C1F33"/>
                 </a:solidFill>
               </a:rPr>
-              <a:t>Your best quote that reflects your approach… “It’s one small step for man, one giant leap for mankind.”</a:t>
-            </a:r>
-          </a:p>
-        </p:txBody>
-      </p:sp>
-      <p:sp>
-        <p:nvSpPr>
-          <p:cNvPr id="49" name="Rectangle 48">
-            <a:extLst>
-              <a:ext uri="{FF2B5EF4-FFF2-40B4-BE49-F238E27FC236}">
-                <a16:creationId xmlns:a16="http://schemas.microsoft.com/office/drawing/2014/main" id="{4260EDE0-989C-4E16-AF94-F652294D828E}"/>
-              </a:ext>
-              <a:ext uri="{C183D7F6-B498-43B3-948B-1728B52AA6E4}">
-                <adec:decorative xmlns:adec="http://schemas.microsoft.com/office/drawing/2017/decorative" val="1"/>
-              </a:ext>
-            </a:extLst>
-          </p:cNvPr>
-          <p:cNvSpPr>
-            <a:spLocks noGrp="1" noRot="1" noChangeAspect="1" noMove="1" noResize="1" noEditPoints="1" noAdjustHandles="1" noChangeArrowheads="1" noChangeShapeType="1" noTextEdit="1"/>
-          </p:cNvSpPr>
-          <p:nvPr>
-            <p:extLst>
-              <p:ext uri="{386F3935-93C4-4BCD-93E2-E3B085C9AB24}">
-                <p16:designElem xmlns:p16="http://schemas.microsoft.com/office/powerpoint/2015/main" val="1"/>
-              </p:ext>
-            </p:extLst>
-          </p:nvPr>
-        </p:nvSpPr>
-        <p:spPr bwMode="white">
-          <a:xfrm>
-            <a:off x="1507" y="4953000"/>
-            <a:ext cx="12188952" cy="1905000"/>
-          </a:xfrm>
-          <a:prstGeom prst="rect">
-            <a:avLst/>
-          </a:prstGeom>
-          <a:solidFill>
-            <a:srgbClr val="262626"/>
-          </a:solidFill>
-          <a:ln>
-            <a:noFill/>
-          </a:ln>
-        </p:spPr>
-        <p:style>
-          <a:lnRef idx="2">
-            <a:schemeClr val="accent1">
-              <a:shade val="50000"/>
-            </a:schemeClr>
-          </a:lnRef>
-          <a:fillRef idx="1">
-            <a:schemeClr val="accent1"/>
-          </a:fillRef>
-          <a:effectRef idx="0">
-            <a:schemeClr val="accent1"/>
-          </a:effectRef>
-          <a:fontRef idx="minor">
-            <a:schemeClr val="lt1"/>
-          </a:fontRef>
-        </p:style>
-        <p:txBody>
-          <a:bodyPr/>
-          <a:lstStyle/>
-          <a:p>
-            <a:endParaRPr lang="en-CA"/>
-          </a:p>
-        </p:txBody>
-      </p:sp>
-      <p:sp>
-        <p:nvSpPr>
-          <p:cNvPr id="3" name="Subtitle 2">
-            <a:extLst>
-              <a:ext uri="{FF2B5EF4-FFF2-40B4-BE49-F238E27FC236}">
-                <a16:creationId xmlns:a16="http://schemas.microsoft.com/office/drawing/2014/main" id="{255E1F2F-E259-4EA8-9FFD-3A10AF541859}"/>
-              </a:ext>
-            </a:extLst>
-          </p:cNvPr>
-          <p:cNvSpPr>
-            <a:spLocks noGrp="1"/>
-          </p:cNvSpPr>
-          <p:nvPr>
-            <p:ph type="subTitle" idx="1"/>
-          </p:nvPr>
-        </p:nvSpPr>
-        <p:spPr>
-          <a:xfrm>
-            <a:off x="1100051" y="5225240"/>
-            <a:ext cx="10058400" cy="1143000"/>
-          </a:xfrm>
-        </p:spPr>
-        <p:txBody>
-          <a:bodyPr>
-            <a:normAutofit/>
-          </a:bodyPr>
-          <a:lstStyle/>
-          <a:p>
-            <a:r>
-              <a:rPr lang="en-US">
+              <a:t>Questions?</a:t>
+            </a:r>
+            <a:br>
+              <a:rPr lang="en-US" sz="4800" i="1" dirty="0">
                 <a:solidFill>
-                  <a:srgbClr val="FFFFFF"/>
+                  <a:srgbClr val="1C1F33"/>
                 </a:solidFill>
               </a:rPr>
-              <a:t>- Neil Armstrong</a:t>
+            </a:br>
+            <a:br>
+              <a:rPr lang="en-US" sz="4800" i="1" dirty="0">
+                <a:solidFill>
+                  <a:srgbClr val="1C1F33"/>
+                </a:solidFill>
+              </a:rPr>
+            </a:br>
+            <a:r>
+              <a:rPr lang="en-US" sz="4800" i="1" dirty="0">
+                <a:solidFill>
+                  <a:srgbClr val="1C1F33"/>
+                </a:solidFill>
+              </a:rPr>
+              <a:t>Thank-you again!</a:t>
             </a:r>
           </a:p>
         </p:txBody>
@@ -4914,7 +9025,7 @@
     </p:spTree>
     <p:extLst>
       <p:ext uri="{BB962C8B-B14F-4D97-AF65-F5344CB8AC3E}">
-        <p14:creationId xmlns:p14="http://schemas.microsoft.com/office/powerpoint/2010/main" val="191714609"/>
+        <p14:creationId xmlns:p14="http://schemas.microsoft.com/office/powerpoint/2010/main" val="4290874800"/>
       </p:ext>
     </p:extLst>
   </p:cSld>
@@ -4924,7 +9035,7 @@
 </p:sld>
 </file>
 
-<file path=ppt/slides/slide2.xml><?xml version="1.0" encoding="utf-8"?>
+<file path=ppt/slides/slide3.xml><?xml version="1.0" encoding="utf-8"?>
 <p:sld xmlns:a="http://schemas.openxmlformats.org/drawingml/2006/main" xmlns:r="http://schemas.openxmlformats.org/officeDocument/2006/relationships" xmlns:p="http://schemas.openxmlformats.org/presentationml/2006/main">
   <p:cSld>
     <p:spTree>
@@ -4946,65 +9057,158 @@
           <p:cNvPr id="2" name="Title 1">
             <a:extLst>
               <a:ext uri="{FF2B5EF4-FFF2-40B4-BE49-F238E27FC236}">
-                <a16:creationId xmlns:a16="http://schemas.microsoft.com/office/drawing/2014/main" id="{3631F4EC-E4CE-6109-CF47-B56D512E50D2}"/>
+                <a16:creationId xmlns:a16="http://schemas.microsoft.com/office/drawing/2014/main" id="{9A39EED9-1C3C-E371-D423-DCBB304B0360}"/>
               </a:ext>
             </a:extLst>
           </p:cNvPr>
-          <p:cNvSpPr txBox="1">
-            <a:spLocks/>
+          <p:cNvSpPr>
+            <a:spLocks noGrp="1"/>
           </p:cNvSpPr>
+          <p:nvPr>
+            <p:ph type="title"/>
+          </p:nvPr>
+        </p:nvSpPr>
+        <p:spPr/>
+        <p:txBody>
+          <a:bodyPr/>
+          <a:lstStyle/>
+          <a:p>
+            <a:r>
+              <a:rPr lang="en-CA" sz="2800" dirty="0">
+                <a:solidFill>
+                  <a:srgbClr val="1C1F33"/>
+                </a:solidFill>
+              </a:rPr>
+              <a:t>Our input consisted of 4 data sets.  A preliminary review indicates that we have at least reasonably clean data.</a:t>
+            </a:r>
+            <a:endParaRPr lang="en-CA" sz="2900" dirty="0"/>
+          </a:p>
+        </p:txBody>
+      </p:sp>
+      <p:pic>
+        <p:nvPicPr>
+          <p:cNvPr id="8" name="Picture 7">
+            <a:extLst>
+              <a:ext uri="{FF2B5EF4-FFF2-40B4-BE49-F238E27FC236}">
+                <a16:creationId xmlns:a16="http://schemas.microsoft.com/office/drawing/2014/main" id="{72FF31B7-53E0-060F-DB95-4E4ECD6AC293}"/>
+              </a:ext>
+            </a:extLst>
+          </p:cNvPr>
+          <p:cNvPicPr>
+            <a:picLocks noChangeAspect="1"/>
+          </p:cNvPicPr>
           <p:nvPr/>
-        </p:nvSpPr>
+        </p:nvPicPr>
+        <p:blipFill>
+          <a:blip r:embed="rId2"/>
+          <a:stretch>
+            <a:fillRect/>
+          </a:stretch>
+        </p:blipFill>
         <p:spPr>
           <a:xfrm>
-            <a:off x="3947006" y="2419227"/>
-            <a:ext cx="4297989" cy="905270"/>
+            <a:off x="397516" y="1482589"/>
+            <a:ext cx="7620660" cy="1005927"/>
           </a:xfrm>
           <a:prstGeom prst="rect">
             <a:avLst/>
           </a:prstGeom>
         </p:spPr>
-        <p:txBody>
-          <a:bodyPr/>
-          <a:lstStyle>
-            <a:lvl1pPr algn="l" defTabSz="914400" rtl="0" eaLnBrk="1" latinLnBrk="0" hangingPunct="1">
-              <a:lnSpc>
-                <a:spcPct val="90000"/>
-              </a:lnSpc>
-              <a:spcBef>
-                <a:spcPct val="0"/>
-              </a:spcBef>
-              <a:buNone/>
-              <a:defRPr sz="3500" i="0" kern="1200" spc="-50" baseline="0">
-                <a:solidFill>
-                  <a:schemeClr val="tx1">
-                    <a:lumMod val="75000"/>
-                    <a:lumOff val="25000"/>
-                  </a:schemeClr>
-                </a:solidFill>
-                <a:latin typeface="+mj-lt"/>
-                <a:ea typeface="+mj-ea"/>
-                <a:cs typeface="+mj-cs"/>
-              </a:defRPr>
-            </a:lvl1pPr>
-          </a:lstStyle>
-          <a:p>
-            <a:pPr algn="ctr"/>
-            <a:r>
-              <a:rPr lang="en-CA" sz="5500" dirty="0">
-                <a:solidFill>
-                  <a:srgbClr val="1C1F33"/>
-                </a:solidFill>
-              </a:rPr>
-              <a:t>Thank-you!</a:t>
-            </a:r>
-          </a:p>
-        </p:txBody>
-      </p:sp>
+      </p:pic>
+      <p:pic>
+        <p:nvPicPr>
+          <p:cNvPr id="12" name="Picture 11">
+            <a:extLst>
+              <a:ext uri="{FF2B5EF4-FFF2-40B4-BE49-F238E27FC236}">
+                <a16:creationId xmlns:a16="http://schemas.microsoft.com/office/drawing/2014/main" id="{1559E643-249C-265C-E0BC-85C7C2C0F285}"/>
+              </a:ext>
+            </a:extLst>
+          </p:cNvPr>
+          <p:cNvPicPr>
+            <a:picLocks noChangeAspect="1"/>
+          </p:cNvPicPr>
+          <p:nvPr/>
+        </p:nvPicPr>
+        <p:blipFill>
+          <a:blip r:embed="rId3"/>
+          <a:stretch>
+            <a:fillRect/>
+          </a:stretch>
+        </p:blipFill>
+        <p:spPr>
+          <a:xfrm>
+            <a:off x="397516" y="2775852"/>
+            <a:ext cx="5848221" cy="855622"/>
+          </a:xfrm>
+          <a:prstGeom prst="rect">
+            <a:avLst/>
+          </a:prstGeom>
+        </p:spPr>
+      </p:pic>
+      <p:pic>
+        <p:nvPicPr>
+          <p:cNvPr id="14" name="Picture 13">
+            <a:extLst>
+              <a:ext uri="{FF2B5EF4-FFF2-40B4-BE49-F238E27FC236}">
+                <a16:creationId xmlns:a16="http://schemas.microsoft.com/office/drawing/2014/main" id="{51D9C558-49FB-EDEF-50EE-F125090D164A}"/>
+              </a:ext>
+            </a:extLst>
+          </p:cNvPr>
+          <p:cNvPicPr>
+            <a:picLocks noChangeAspect="1"/>
+          </p:cNvPicPr>
+          <p:nvPr/>
+        </p:nvPicPr>
+        <p:blipFill>
+          <a:blip r:embed="rId4"/>
+          <a:stretch>
+            <a:fillRect/>
+          </a:stretch>
+        </p:blipFill>
+        <p:spPr>
+          <a:xfrm>
+            <a:off x="397516" y="3912325"/>
+            <a:ext cx="10143881" cy="855622"/>
+          </a:xfrm>
+          <a:prstGeom prst="rect">
+            <a:avLst/>
+          </a:prstGeom>
+        </p:spPr>
+      </p:pic>
+      <p:pic>
+        <p:nvPicPr>
+          <p:cNvPr id="16" name="Picture 15">
+            <a:extLst>
+              <a:ext uri="{FF2B5EF4-FFF2-40B4-BE49-F238E27FC236}">
+                <a16:creationId xmlns:a16="http://schemas.microsoft.com/office/drawing/2014/main" id="{4E6250EF-9F00-194B-DF65-4377B34FCC55}"/>
+              </a:ext>
+            </a:extLst>
+          </p:cNvPr>
+          <p:cNvPicPr>
+            <a:picLocks noChangeAspect="1"/>
+          </p:cNvPicPr>
+          <p:nvPr/>
+        </p:nvPicPr>
+        <p:blipFill>
+          <a:blip r:embed="rId5"/>
+          <a:stretch>
+            <a:fillRect/>
+          </a:stretch>
+        </p:blipFill>
+        <p:spPr>
+          <a:xfrm>
+            <a:off x="397516" y="5103191"/>
+            <a:ext cx="5691744" cy="855622"/>
+          </a:xfrm>
+          <a:prstGeom prst="rect">
+            <a:avLst/>
+          </a:prstGeom>
+        </p:spPr>
+      </p:pic>
     </p:spTree>
     <p:extLst>
       <p:ext uri="{BB962C8B-B14F-4D97-AF65-F5344CB8AC3E}">
-        <p14:creationId xmlns:p14="http://schemas.microsoft.com/office/powerpoint/2010/main" val="757890476"/>
+        <p14:creationId xmlns:p14="http://schemas.microsoft.com/office/powerpoint/2010/main" val="953263138"/>
       </p:ext>
     </p:extLst>
   </p:cSld>
@@ -5014,7 +9218,7 @@
 </p:sld>
 </file>
 
-<file path=ppt/slides/slide3.xml><?xml version="1.0" encoding="utf-8"?>
+<file path=ppt/slides/slide4.xml><?xml version="1.0" encoding="utf-8"?>
 <p:sld xmlns:a="http://schemas.openxmlformats.org/drawingml/2006/main" xmlns:r="http://schemas.openxmlformats.org/officeDocument/2006/relationships" xmlns:p="http://schemas.openxmlformats.org/presentationml/2006/main">
   <p:cSld>
     <p:spTree>
@@ -5054,7 +9258,7 @@
           <a:p>
             <a:r>
               <a:rPr lang="en-CA" dirty="0"/>
-              <a:t>Agenda</a:t>
+              <a:t>Our Initial Questions for FDRC</a:t>
             </a:r>
           </a:p>
         </p:txBody>
@@ -5075,9 +9279,16 @@
             <p:ph idx="1"/>
           </p:nvPr>
         </p:nvSpPr>
-        <p:spPr/>
+        <p:spPr>
+          <a:xfrm>
+            <a:off x="394570" y="914401"/>
+            <a:ext cx="11379022" cy="5009606"/>
+          </a:xfrm>
+        </p:spPr>
         <p:txBody>
-          <a:bodyPr/>
+          <a:bodyPr>
+            <a:normAutofit/>
+          </a:bodyPr>
           <a:lstStyle/>
           <a:p>
             <a:pPr marL="358775" indent="-358775">
@@ -5088,13 +9299,18 @@
               <a:buAutoNum type="arabicPeriod"/>
             </a:pPr>
             <a:r>
-              <a:rPr lang="en-CA" dirty="0">
+              <a:rPr lang="en-US" sz="2200" dirty="0">
                 <a:solidFill>
                   <a:srgbClr val="1C1F33"/>
                 </a:solidFill>
               </a:rPr>
-              <a:t>Ss</a:t>
-            </a:r>
+              <a:t>How has the revenue and customer count changed between 2019 vs 2018?</a:t>
+            </a:r>
+            <a:endParaRPr lang="en-CA" sz="2200" dirty="0">
+              <a:solidFill>
+                <a:srgbClr val="1C1F33"/>
+              </a:solidFill>
+            </a:endParaRPr>
           </a:p>
           <a:p>
             <a:pPr marL="358775" indent="-358775">
@@ -5105,13 +9321,18 @@
               <a:buAutoNum type="arabicPeriod"/>
             </a:pPr>
             <a:r>
-              <a:rPr lang="en-CA" dirty="0">
+              <a:rPr lang="en-US" sz="2200" dirty="0">
                 <a:solidFill>
                   <a:srgbClr val="1C1F33"/>
                 </a:solidFill>
               </a:rPr>
-              <a:t>Ss</a:t>
-            </a:r>
+              <a:t>What is driving the change in customer count? Ex. Region, State, Daypart etc.?</a:t>
+            </a:r>
+            <a:endParaRPr lang="en-CA" sz="2200" dirty="0">
+              <a:solidFill>
+                <a:srgbClr val="1C1F33"/>
+              </a:solidFill>
+            </a:endParaRPr>
           </a:p>
           <a:p>
             <a:pPr marL="358775" indent="-358775">
@@ -5122,13 +9343,18 @@
               <a:buAutoNum type="arabicPeriod"/>
             </a:pPr>
             <a:r>
-              <a:rPr lang="en-CA" dirty="0">
+              <a:rPr lang="en-US" sz="2200" dirty="0">
                 <a:solidFill>
                   <a:srgbClr val="1C1F33"/>
                 </a:solidFill>
               </a:rPr>
-              <a:t>Ss</a:t>
-            </a:r>
+              <a:t>When comparing revenue for 2019 vs similar months in 2018, which Regional Director is facing the biggest challenge? (and why)</a:t>
+            </a:r>
+            <a:endParaRPr lang="en-CA" sz="2200" dirty="0">
+              <a:solidFill>
+                <a:srgbClr val="1C1F33"/>
+              </a:solidFill>
+            </a:endParaRPr>
           </a:p>
           <a:p>
             <a:pPr marL="358775" indent="-358775">
@@ -5139,13 +9365,18 @@
               <a:buAutoNum type="arabicPeriod"/>
             </a:pPr>
             <a:r>
-              <a:rPr lang="en-CA" dirty="0">
+              <a:rPr lang="en-US" sz="2200" dirty="0">
                 <a:solidFill>
                   <a:srgbClr val="1C1F33"/>
                 </a:solidFill>
               </a:rPr>
-              <a:t>Ss</a:t>
-            </a:r>
+              <a:t>What is a forecasted revenue for 2019? Briefly explain your forecast methodology. Give suggestions on how you would improve this if you had more time/data.</a:t>
+            </a:r>
+            <a:endParaRPr lang="en-CA" sz="2200" dirty="0">
+              <a:solidFill>
+                <a:srgbClr val="1C1F33"/>
+              </a:solidFill>
+            </a:endParaRPr>
           </a:p>
           <a:p>
             <a:pPr marL="358775" indent="-358775">
@@ -5156,82 +9387,59 @@
               <a:buAutoNum type="arabicPeriod"/>
             </a:pPr>
             <a:r>
-              <a:rPr lang="en-CA" dirty="0">
+              <a:rPr lang="en-US" sz="2200" dirty="0">
                 <a:solidFill>
                   <a:srgbClr val="1C1F33"/>
                 </a:solidFill>
               </a:rPr>
-              <a:t>ss</a:t>
-            </a:r>
+              <a:t>What can you tell us about price changes and its possible impact on the business?</a:t>
+            </a:r>
+          </a:p>
+          <a:p>
+            <a:pPr marL="358775" indent="-358775">
+              <a:buClr>
+                <a:srgbClr val="1C1F33"/>
+              </a:buClr>
+              <a:buFont typeface="+mj-lt"/>
+              <a:buAutoNum type="arabicPeriod"/>
+            </a:pPr>
+            <a:r>
+              <a:rPr lang="en-US" sz="2200" dirty="0">
+                <a:solidFill>
+                  <a:srgbClr val="1C1F33"/>
+                </a:solidFill>
+              </a:rPr>
+              <a:t>If you could create one key graph for the Executive team that paints the story for 2019, what would you graph? Create that graph!</a:t>
+            </a:r>
+          </a:p>
+          <a:p>
+            <a:pPr marL="358775" indent="-358775">
+              <a:buClr>
+                <a:srgbClr val="1C1F33"/>
+              </a:buClr>
+              <a:buFont typeface="+mj-lt"/>
+              <a:buAutoNum type="arabicPeriod"/>
+            </a:pPr>
+            <a:r>
+              <a:rPr lang="en-US" sz="2200" dirty="0">
+                <a:solidFill>
+                  <a:srgbClr val="1C1F33"/>
+                </a:solidFill>
+              </a:rPr>
+              <a:t>Based on this data are there any recommendations you would make to management?</a:t>
+            </a:r>
+            <a:endParaRPr lang="en-CA" sz="2200" dirty="0">
+              <a:solidFill>
+                <a:srgbClr val="1C1F33"/>
+              </a:solidFill>
+            </a:endParaRPr>
           </a:p>
         </p:txBody>
       </p:sp>
     </p:spTree>
     <p:extLst>
       <p:ext uri="{BB962C8B-B14F-4D97-AF65-F5344CB8AC3E}">
-        <p14:creationId xmlns:p14="http://schemas.microsoft.com/office/powerpoint/2010/main" val="601936476"/>
-      </p:ext>
-    </p:extLst>
-  </p:cSld>
-  <p:clrMapOvr>
-    <a:masterClrMapping/>
-  </p:clrMapOvr>
-</p:sld>
-</file>
-
-<file path=ppt/slides/slide4.xml><?xml version="1.0" encoding="utf-8"?>
-<p:sld xmlns:a="http://schemas.openxmlformats.org/drawingml/2006/main" xmlns:r="http://schemas.openxmlformats.org/officeDocument/2006/relationships" xmlns:p="http://schemas.openxmlformats.org/presentationml/2006/main">
-  <p:cSld>
-    <p:spTree>
-      <p:nvGrpSpPr>
-        <p:cNvPr id="1" name=""/>
-        <p:cNvGrpSpPr/>
-        <p:nvPr/>
-      </p:nvGrpSpPr>
-      <p:grpSpPr>
-        <a:xfrm>
-          <a:off x="0" y="0"/>
-          <a:ext cx="0" cy="0"/>
-          <a:chOff x="0" y="0"/>
-          <a:chExt cx="0" cy="0"/>
-        </a:xfrm>
-      </p:grpSpPr>
-      <p:sp>
-        <p:nvSpPr>
-          <p:cNvPr id="2" name="Title 1">
-            <a:extLst>
-              <a:ext uri="{FF2B5EF4-FFF2-40B4-BE49-F238E27FC236}">
-                <a16:creationId xmlns:a16="http://schemas.microsoft.com/office/drawing/2014/main" id="{69EB88D2-0FBB-02A6-ABB8-5D1FE8D21F89}"/>
-              </a:ext>
-            </a:extLst>
-          </p:cNvPr>
-          <p:cNvSpPr>
-            <a:spLocks noGrp="1"/>
-          </p:cNvSpPr>
-          <p:nvPr>
-            <p:ph type="title"/>
-          </p:nvPr>
-        </p:nvSpPr>
-        <p:spPr/>
-        <p:txBody>
-          <a:bodyPr/>
-          <a:lstStyle/>
-          <a:p>
-            <a:r>
-              <a:rPr lang="en-CA" dirty="0">
-                <a:solidFill>
-                  <a:srgbClr val="1C1F33"/>
-                </a:solidFill>
-              </a:rPr>
-              <a:t>A Summary of Our Data for FDR</a:t>
-            </a:r>
-          </a:p>
-        </p:txBody>
-      </p:sp>
-    </p:spTree>
-    <p:extLst>
-      <p:ext uri="{BB962C8B-B14F-4D97-AF65-F5344CB8AC3E}">
-        <p14:creationId xmlns:p14="http://schemas.microsoft.com/office/powerpoint/2010/main" val="3183639374"/>
+        <p14:creationId xmlns:p14="http://schemas.microsoft.com/office/powerpoint/2010/main" val="3870785253"/>
       </p:ext>
     </p:extLst>
   </p:cSld>
@@ -5263,7 +9471,7 @@
           <p:cNvPr id="2" name="Title 1">
             <a:extLst>
               <a:ext uri="{FF2B5EF4-FFF2-40B4-BE49-F238E27FC236}">
-                <a16:creationId xmlns:a16="http://schemas.microsoft.com/office/drawing/2014/main" id="{1BAC5A16-1B97-17CC-4604-B1A64E71D26A}"/>
+                <a16:creationId xmlns:a16="http://schemas.microsoft.com/office/drawing/2014/main" id="{9A39EED9-1C3C-E371-D423-DCBB304B0360}"/>
               </a:ext>
             </a:extLst>
           </p:cNvPr>
@@ -5280,125 +9488,51 @@
           <a:lstStyle/>
           <a:p>
             <a:r>
-              <a:rPr lang="en-CA" dirty="0"/>
-              <a:t>Our Initial Questions for FDR</a:t>
-            </a:r>
-          </a:p>
-        </p:txBody>
-      </p:sp>
-      <p:sp>
-        <p:nvSpPr>
-          <p:cNvPr id="3" name="Content Placeholder 2">
-            <a:extLst>
-              <a:ext uri="{FF2B5EF4-FFF2-40B4-BE49-F238E27FC236}">
-                <a16:creationId xmlns:a16="http://schemas.microsoft.com/office/drawing/2014/main" id="{3550A247-225E-2D40-C178-76F2B5E3C7F9}"/>
-              </a:ext>
-            </a:extLst>
-          </p:cNvPr>
-          <p:cNvSpPr>
-            <a:spLocks noGrp="1"/>
-          </p:cNvSpPr>
-          <p:nvPr>
-            <p:ph idx="1"/>
-          </p:nvPr>
-        </p:nvSpPr>
-        <p:spPr/>
-        <p:txBody>
-          <a:bodyPr>
-            <a:normAutofit/>
-          </a:bodyPr>
-          <a:lstStyle/>
-          <a:p>
-            <a:pPr marL="358775" indent="-358775">
-              <a:buClr>
-                <a:srgbClr val="1C1F33"/>
-              </a:buClr>
-              <a:buFont typeface="+mj-lt"/>
-              <a:buAutoNum type="arabicPeriod"/>
-            </a:pPr>
-            <a:r>
-              <a:rPr lang="en-CA" sz="2200" dirty="0">
+              <a:rPr lang="en-CA" sz="2900" dirty="0">
                 <a:solidFill>
                   <a:srgbClr val="1C1F33"/>
                 </a:solidFill>
               </a:rPr>
-              <a:t>Ss</a:t>
-            </a:r>
-          </a:p>
-          <a:p>
-            <a:pPr marL="358775" indent="-358775">
-              <a:buClr>
-                <a:srgbClr val="1C1F33"/>
-              </a:buClr>
-              <a:buFont typeface="+mj-lt"/>
-              <a:buAutoNum type="arabicPeriod"/>
-            </a:pPr>
-            <a:r>
-              <a:rPr lang="en-CA" sz="2200" dirty="0">
-                <a:solidFill>
-                  <a:srgbClr val="1C1F33"/>
-                </a:solidFill>
-              </a:rPr>
-              <a:t>Ss</a:t>
-            </a:r>
-          </a:p>
-          <a:p>
-            <a:pPr marL="358775" indent="-358775">
-              <a:buClr>
-                <a:srgbClr val="1C1F33"/>
-              </a:buClr>
-              <a:buFont typeface="+mj-lt"/>
-              <a:buAutoNum type="arabicPeriod"/>
-            </a:pPr>
-            <a:r>
-              <a:rPr lang="en-CA" sz="2200" dirty="0">
-                <a:solidFill>
-                  <a:srgbClr val="1C1F33"/>
-                </a:solidFill>
-              </a:rPr>
-              <a:t>Ss</a:t>
-            </a:r>
-          </a:p>
-          <a:p>
-            <a:pPr marL="358775" indent="-358775">
-              <a:buClr>
-                <a:srgbClr val="1C1F33"/>
-              </a:buClr>
-              <a:buFont typeface="+mj-lt"/>
-              <a:buAutoNum type="arabicPeriod"/>
-            </a:pPr>
-            <a:r>
-              <a:rPr lang="en-CA" sz="2200" dirty="0">
-                <a:solidFill>
-                  <a:srgbClr val="1C1F33"/>
-                </a:solidFill>
-              </a:rPr>
-              <a:t>Ss</a:t>
-            </a:r>
-          </a:p>
-          <a:p>
-            <a:pPr marL="358775" indent="-358775">
-              <a:buClr>
-                <a:srgbClr val="1C1F33"/>
-              </a:buClr>
-              <a:buFont typeface="+mj-lt"/>
-              <a:buAutoNum type="arabicPeriod"/>
-            </a:pPr>
-            <a:r>
-              <a:rPr lang="en-CA" sz="2200" dirty="0">
-                <a:solidFill>
-                  <a:srgbClr val="1C1F33"/>
-                </a:solidFill>
-              </a:rPr>
-              <a:t>ss</a:t>
-            </a:r>
+              <a:t>Overall, FDRC is doing ok – our sample store set saw net revenue growth of 1.4% in 2019 over 2018.</a:t>
+            </a:r>
+            <a:endParaRPr lang="en-CA" sz="2900" dirty="0"/>
           </a:p>
         </p:txBody>
       </p:sp>
+      <p:pic>
+        <p:nvPicPr>
+          <p:cNvPr id="6" name="Picture 5">
+            <a:extLst>
+              <a:ext uri="{FF2B5EF4-FFF2-40B4-BE49-F238E27FC236}">
+                <a16:creationId xmlns:a16="http://schemas.microsoft.com/office/drawing/2014/main" id="{B2FC1B34-1F13-5BAF-AB07-D1D5C319952D}"/>
+              </a:ext>
+            </a:extLst>
+          </p:cNvPr>
+          <p:cNvPicPr>
+            <a:picLocks noChangeAspect="1"/>
+          </p:cNvPicPr>
+          <p:nvPr/>
+        </p:nvPicPr>
+        <p:blipFill>
+          <a:blip r:embed="rId2"/>
+          <a:stretch>
+            <a:fillRect/>
+          </a:stretch>
+        </p:blipFill>
+        <p:spPr>
+          <a:xfrm>
+            <a:off x="1658983" y="1406840"/>
+            <a:ext cx="8445600" cy="4844294"/>
+          </a:xfrm>
+          <a:prstGeom prst="rect">
+            <a:avLst/>
+          </a:prstGeom>
+        </p:spPr>
+      </p:pic>
     </p:spTree>
     <p:extLst>
       <p:ext uri="{BB962C8B-B14F-4D97-AF65-F5344CB8AC3E}">
-        <p14:creationId xmlns:p14="http://schemas.microsoft.com/office/powerpoint/2010/main" val="3870785253"/>
+        <p14:creationId xmlns:p14="http://schemas.microsoft.com/office/powerpoint/2010/main" val="4095062696"/>
       </p:ext>
     </p:extLst>
   </p:cSld>
@@ -5447,21 +9581,59 @@
           <a:lstStyle/>
           <a:p>
             <a:r>
-              <a:rPr lang="en-CA" sz="2900" dirty="0">
+              <a:rPr lang="en-CA" sz="3000" dirty="0">
                 <a:solidFill>
                   <a:srgbClr val="1C1F33"/>
                 </a:solidFill>
               </a:rPr>
-              <a:t>In general, FDRC is doing ok – our sample store set saw a small amount of net revenue growth in 2019 over 2018.</a:t>
-            </a:r>
-            <a:endParaRPr lang="en-CA" sz="2900" dirty="0"/>
+              <a:t>However, there is a somewhat worrying trend with a 3.5% decline in customer counts across the grou</a:t>
+            </a:r>
+            <a:r>
+              <a:rPr lang="en-CA" dirty="0">
+                <a:solidFill>
+                  <a:srgbClr val="1C1F33"/>
+                </a:solidFill>
+              </a:rPr>
+              <a:t>p.</a:t>
+            </a:r>
+            <a:endParaRPr lang="en-CA" dirty="0"/>
           </a:p>
         </p:txBody>
       </p:sp>
+      <p:pic>
+        <p:nvPicPr>
+          <p:cNvPr id="4" name="Picture 3">
+            <a:extLst>
+              <a:ext uri="{FF2B5EF4-FFF2-40B4-BE49-F238E27FC236}">
+                <a16:creationId xmlns:a16="http://schemas.microsoft.com/office/drawing/2014/main" id="{4A4098A9-A9C8-F414-7086-4D1DE935D102}"/>
+              </a:ext>
+            </a:extLst>
+          </p:cNvPr>
+          <p:cNvPicPr>
+            <a:picLocks noChangeAspect="1"/>
+          </p:cNvPicPr>
+          <p:nvPr/>
+        </p:nvPicPr>
+        <p:blipFill>
+          <a:blip r:embed="rId2"/>
+          <a:stretch>
+            <a:fillRect/>
+          </a:stretch>
+        </p:blipFill>
+        <p:spPr>
+          <a:xfrm>
+            <a:off x="1678577" y="1313726"/>
+            <a:ext cx="8512505" cy="4846195"/>
+          </a:xfrm>
+          <a:prstGeom prst="rect">
+            <a:avLst/>
+          </a:prstGeom>
+        </p:spPr>
+      </p:pic>
     </p:spTree>
     <p:extLst>
       <p:ext uri="{BB962C8B-B14F-4D97-AF65-F5344CB8AC3E}">
-        <p14:creationId xmlns:p14="http://schemas.microsoft.com/office/powerpoint/2010/main" val="4095062696"/>
+        <p14:creationId xmlns:p14="http://schemas.microsoft.com/office/powerpoint/2010/main" val="2814252356"/>
       </p:ext>
     </p:extLst>
   </p:cSld>
@@ -5510,29 +9682,51 @@
           <a:lstStyle/>
           <a:p>
             <a:r>
-              <a:rPr lang="en-CA" sz="3000" dirty="0">
-                <a:solidFill>
-                  <a:srgbClr val="1C1F33"/>
-                </a:solidFill>
-              </a:rPr>
-              <a:t>However, there is a somewhat worrying trend in terms of a decline in customer counts across the syste</a:t>
-            </a:r>
-            <a:r>
               <a:rPr lang="en-CA" dirty="0">
                 <a:solidFill>
                   <a:srgbClr val="1C1F33"/>
                 </a:solidFill>
               </a:rPr>
-              <a:t>m.</a:t>
+              <a:t>The breakfast and lunch dayparts accounted for the bulk of the decline in customer counts. </a:t>
             </a:r>
             <a:endParaRPr lang="en-CA" dirty="0"/>
           </a:p>
         </p:txBody>
       </p:sp>
+      <p:pic>
+        <p:nvPicPr>
+          <p:cNvPr id="4" name="Picture 3">
+            <a:extLst>
+              <a:ext uri="{FF2B5EF4-FFF2-40B4-BE49-F238E27FC236}">
+                <a16:creationId xmlns:a16="http://schemas.microsoft.com/office/drawing/2014/main" id="{EF471EE6-E99B-9B7C-24F4-78E3BADE87B6}"/>
+              </a:ext>
+            </a:extLst>
+          </p:cNvPr>
+          <p:cNvPicPr>
+            <a:picLocks noChangeAspect="1"/>
+          </p:cNvPicPr>
+          <p:nvPr/>
+        </p:nvPicPr>
+        <p:blipFill>
+          <a:blip r:embed="rId2"/>
+          <a:stretch>
+            <a:fillRect/>
+          </a:stretch>
+        </p:blipFill>
+        <p:spPr>
+          <a:xfrm>
+            <a:off x="1831464" y="1352007"/>
+            <a:ext cx="8154000" cy="4821775"/>
+          </a:xfrm>
+          <a:prstGeom prst="rect">
+            <a:avLst/>
+          </a:prstGeom>
+        </p:spPr>
+      </p:pic>
     </p:spTree>
     <p:extLst>
       <p:ext uri="{BB962C8B-B14F-4D97-AF65-F5344CB8AC3E}">
-        <p14:creationId xmlns:p14="http://schemas.microsoft.com/office/powerpoint/2010/main" val="2814252356"/>
+        <p14:creationId xmlns:p14="http://schemas.microsoft.com/office/powerpoint/2010/main" val="1999317691"/>
       </p:ext>
     </p:extLst>
   </p:cSld>
@@ -5581,21 +9775,159 @@
           <a:lstStyle/>
           <a:p>
             <a:r>
-              <a:rPr lang="en-CA" dirty="0">
+              <a:rPr lang="en-CA" sz="2800" dirty="0">
                 <a:solidFill>
                   <a:srgbClr val="1C1F33"/>
                 </a:solidFill>
               </a:rPr>
-              <a:t>The breakfast and dinner dayparts accounted for the bulk of the decline in customer counts. </a:t>
-            </a:r>
-            <a:endParaRPr lang="en-CA" dirty="0"/>
+              <a:t>At the store level, we observe that Store 5 (-13%) and Store 10 (-11%) saw the most significant customer count declines.</a:t>
+            </a:r>
+            <a:endParaRPr lang="en-CA" sz="2800" dirty="0"/>
+          </a:p>
+        </p:txBody>
+      </p:sp>
+      <p:pic>
+        <p:nvPicPr>
+          <p:cNvPr id="4" name="Picture 3">
+            <a:extLst>
+              <a:ext uri="{FF2B5EF4-FFF2-40B4-BE49-F238E27FC236}">
+                <a16:creationId xmlns:a16="http://schemas.microsoft.com/office/drawing/2014/main" id="{BCFE31CB-6DC4-4EAE-1859-71D16CA54409}"/>
+              </a:ext>
+            </a:extLst>
+          </p:cNvPr>
+          <p:cNvPicPr>
+            <a:picLocks noChangeAspect="1"/>
+          </p:cNvPicPr>
+          <p:nvPr/>
+        </p:nvPicPr>
+        <p:blipFill>
+          <a:blip r:embed="rId2"/>
+          <a:stretch>
+            <a:fillRect/>
+          </a:stretch>
+        </p:blipFill>
+        <p:spPr>
+          <a:xfrm>
+            <a:off x="2592975" y="1367272"/>
+            <a:ext cx="6888018" cy="4845600"/>
+          </a:xfrm>
+          <a:prstGeom prst="rect">
+            <a:avLst/>
+          </a:prstGeom>
+        </p:spPr>
+      </p:pic>
+      <p:sp>
+        <p:nvSpPr>
+          <p:cNvPr id="5" name="Arrow: Down 4">
+            <a:extLst>
+              <a:ext uri="{FF2B5EF4-FFF2-40B4-BE49-F238E27FC236}">
+                <a16:creationId xmlns:a16="http://schemas.microsoft.com/office/drawing/2014/main" id="{D4CF347F-5905-5340-744A-93BF492D5235}"/>
+              </a:ext>
+            </a:extLst>
+          </p:cNvPr>
+          <p:cNvSpPr/>
+          <p:nvPr/>
+        </p:nvSpPr>
+        <p:spPr>
+          <a:xfrm>
+            <a:off x="6096000" y="2155370"/>
+            <a:ext cx="222068" cy="424543"/>
+          </a:xfrm>
+          <a:prstGeom prst="downArrow">
+            <a:avLst/>
+          </a:prstGeom>
+          <a:solidFill>
+            <a:srgbClr val="FF0000"/>
+          </a:solidFill>
+          <a:ln>
+            <a:solidFill>
+              <a:srgbClr val="FF0000"/>
+            </a:solidFill>
+          </a:ln>
+        </p:spPr>
+        <p:style>
+          <a:lnRef idx="2">
+            <a:schemeClr val="accent1">
+              <a:shade val="15000"/>
+            </a:schemeClr>
+          </a:lnRef>
+          <a:fillRef idx="1">
+            <a:schemeClr val="accent1"/>
+          </a:fillRef>
+          <a:effectRef idx="0">
+            <a:schemeClr val="accent1"/>
+          </a:effectRef>
+          <a:fontRef idx="minor">
+            <a:schemeClr val="lt1"/>
+          </a:fontRef>
+        </p:style>
+        <p:txBody>
+          <a:bodyPr rtlCol="0" anchor="ctr"/>
+          <a:lstStyle/>
+          <a:p>
+            <a:pPr algn="ctr"/>
+            <a:endParaRPr lang="en-CA"/>
+          </a:p>
+        </p:txBody>
+      </p:sp>
+      <p:sp>
+        <p:nvSpPr>
+          <p:cNvPr id="8" name="Arrow: Down 7">
+            <a:extLst>
+              <a:ext uri="{FF2B5EF4-FFF2-40B4-BE49-F238E27FC236}">
+                <a16:creationId xmlns:a16="http://schemas.microsoft.com/office/drawing/2014/main" id="{055C1C30-AA00-DD83-14B0-D618AA2DB4B3}"/>
+              </a:ext>
+            </a:extLst>
+          </p:cNvPr>
+          <p:cNvSpPr/>
+          <p:nvPr/>
+        </p:nvSpPr>
+        <p:spPr>
+          <a:xfrm>
+            <a:off x="8773885" y="2279468"/>
+            <a:ext cx="222068" cy="424543"/>
+          </a:xfrm>
+          <a:prstGeom prst="downArrow">
+            <a:avLst/>
+          </a:prstGeom>
+          <a:solidFill>
+            <a:srgbClr val="FF0000"/>
+          </a:solidFill>
+          <a:ln>
+            <a:solidFill>
+              <a:srgbClr val="FF0000"/>
+            </a:solidFill>
+          </a:ln>
+        </p:spPr>
+        <p:style>
+          <a:lnRef idx="2">
+            <a:schemeClr val="accent1">
+              <a:shade val="15000"/>
+            </a:schemeClr>
+          </a:lnRef>
+          <a:fillRef idx="1">
+            <a:schemeClr val="accent1"/>
+          </a:fillRef>
+          <a:effectRef idx="0">
+            <a:schemeClr val="accent1"/>
+          </a:effectRef>
+          <a:fontRef idx="minor">
+            <a:schemeClr val="lt1"/>
+          </a:fontRef>
+        </p:style>
+        <p:txBody>
+          <a:bodyPr rtlCol="0" anchor="ctr"/>
+          <a:lstStyle/>
+          <a:p>
+            <a:pPr algn="ctr"/>
+            <a:endParaRPr lang="en-CA"/>
           </a:p>
         </p:txBody>
       </p:sp>
     </p:spTree>
     <p:extLst>
       <p:ext uri="{BB962C8B-B14F-4D97-AF65-F5344CB8AC3E}">
-        <p14:creationId xmlns:p14="http://schemas.microsoft.com/office/powerpoint/2010/main" val="1999317691"/>
+        <p14:creationId xmlns:p14="http://schemas.microsoft.com/office/powerpoint/2010/main" val="1001356868"/>
       </p:ext>
     </p:extLst>
   </p:cSld>
@@ -5649,24 +9981,46 @@
                   <a:srgbClr val="1C1F33"/>
                 </a:solidFill>
               </a:rPr>
-              <a:t>At the store level, w</a:t>
-            </a:r>
-            <a:r>
-              <a:rPr lang="en-CA" sz="3000" dirty="0">
-                <a:solidFill>
-                  <a:srgbClr val="1C1F33"/>
-                </a:solidFill>
-              </a:rPr>
-              <a:t>e observe that Store 5 and Store 10 saw the most significant customer count declines.</a:t>
+              <a:t>Stores 5 and 10 saw declines across all three dayparts in the 5 to 15% range.</a:t>
             </a:r>
             <a:endParaRPr lang="en-CA" dirty="0"/>
           </a:p>
         </p:txBody>
       </p:sp>
+      <p:pic>
+        <p:nvPicPr>
+          <p:cNvPr id="9" name="Picture 8">
+            <a:extLst>
+              <a:ext uri="{FF2B5EF4-FFF2-40B4-BE49-F238E27FC236}">
+                <a16:creationId xmlns:a16="http://schemas.microsoft.com/office/drawing/2014/main" id="{5AABA446-5330-15A1-8FC3-3E02EC786C53}"/>
+              </a:ext>
+            </a:extLst>
+          </p:cNvPr>
+          <p:cNvPicPr>
+            <a:picLocks noChangeAspect="1"/>
+          </p:cNvPicPr>
+          <p:nvPr/>
+        </p:nvPicPr>
+        <p:blipFill>
+          <a:blip r:embed="rId2"/>
+          <a:stretch>
+            <a:fillRect/>
+          </a:stretch>
+        </p:blipFill>
+        <p:spPr>
+          <a:xfrm>
+            <a:off x="1280719" y="1653869"/>
+            <a:ext cx="9591376" cy="4058125"/>
+          </a:xfrm>
+          <a:prstGeom prst="rect">
+            <a:avLst/>
+          </a:prstGeom>
+        </p:spPr>
+      </p:pic>
     </p:spTree>
     <p:extLst>
       <p:ext uri="{BB962C8B-B14F-4D97-AF65-F5344CB8AC3E}">
-        <p14:creationId xmlns:p14="http://schemas.microsoft.com/office/powerpoint/2010/main" val="1001356868"/>
+        <p14:creationId xmlns:p14="http://schemas.microsoft.com/office/powerpoint/2010/main" val="3207538576"/>
       </p:ext>
     </p:extLst>
   </p:cSld>
